--- a/Django(입문)-inflearn/학습정리/7.Relation/Relation.pptx
+++ b/Django(입문)-inflearn/학습정리/7.Relation/Relation.pptx
@@ -10,6 +10,8 @@
     <p:sldId id="259" r:id="rId4"/>
     <p:sldId id="260" r:id="rId5"/>
     <p:sldId id="261" r:id="rId6"/>
+    <p:sldId id="262" r:id="rId7"/>
+    <p:sldId id="263" r:id="rId8"/>
   </p:sldIdLst>
   <p:sldSz cx="12192000" cy="6858000"/>
   <p:notesSz cx="6858000" cy="9144000"/>
@@ -247,7 +249,7 @@
           <a:p>
             <a:fld id="{63FE3E3E-9492-43F3-97DE-20DFBB9B73CB}" type="datetimeFigureOut">
               <a:rPr lang="ko-KR" altLang="en-US" smtClean="0"/>
-              <a:t>2021-06-22</a:t>
+              <a:t>2021-07-07</a:t>
             </a:fld>
             <a:endParaRPr lang="ko-KR" altLang="en-US"/>
           </a:p>
@@ -417,7 +419,7 @@
           <a:p>
             <a:fld id="{63FE3E3E-9492-43F3-97DE-20DFBB9B73CB}" type="datetimeFigureOut">
               <a:rPr lang="ko-KR" altLang="en-US" smtClean="0"/>
-              <a:t>2021-06-22</a:t>
+              <a:t>2021-07-07</a:t>
             </a:fld>
             <a:endParaRPr lang="ko-KR" altLang="en-US"/>
           </a:p>
@@ -597,7 +599,7 @@
           <a:p>
             <a:fld id="{63FE3E3E-9492-43F3-97DE-20DFBB9B73CB}" type="datetimeFigureOut">
               <a:rPr lang="ko-KR" altLang="en-US" smtClean="0"/>
-              <a:t>2021-06-22</a:t>
+              <a:t>2021-07-07</a:t>
             </a:fld>
             <a:endParaRPr lang="ko-KR" altLang="en-US"/>
           </a:p>
@@ -767,7 +769,7 @@
           <a:p>
             <a:fld id="{63FE3E3E-9492-43F3-97DE-20DFBB9B73CB}" type="datetimeFigureOut">
               <a:rPr lang="ko-KR" altLang="en-US" smtClean="0"/>
-              <a:t>2021-06-22</a:t>
+              <a:t>2021-07-07</a:t>
             </a:fld>
             <a:endParaRPr lang="ko-KR" altLang="en-US"/>
           </a:p>
@@ -1013,7 +1015,7 @@
           <a:p>
             <a:fld id="{63FE3E3E-9492-43F3-97DE-20DFBB9B73CB}" type="datetimeFigureOut">
               <a:rPr lang="ko-KR" altLang="en-US" smtClean="0"/>
-              <a:t>2021-06-22</a:t>
+              <a:t>2021-07-07</a:t>
             </a:fld>
             <a:endParaRPr lang="ko-KR" altLang="en-US"/>
           </a:p>
@@ -1245,7 +1247,7 @@
           <a:p>
             <a:fld id="{63FE3E3E-9492-43F3-97DE-20DFBB9B73CB}" type="datetimeFigureOut">
               <a:rPr lang="ko-KR" altLang="en-US" smtClean="0"/>
-              <a:t>2021-06-22</a:t>
+              <a:t>2021-07-07</a:t>
             </a:fld>
             <a:endParaRPr lang="ko-KR" altLang="en-US"/>
           </a:p>
@@ -1612,7 +1614,7 @@
           <a:p>
             <a:fld id="{63FE3E3E-9492-43F3-97DE-20DFBB9B73CB}" type="datetimeFigureOut">
               <a:rPr lang="ko-KR" altLang="en-US" smtClean="0"/>
-              <a:t>2021-06-22</a:t>
+              <a:t>2021-07-07</a:t>
             </a:fld>
             <a:endParaRPr lang="ko-KR" altLang="en-US"/>
           </a:p>
@@ -1730,7 +1732,7 @@
           <a:p>
             <a:fld id="{63FE3E3E-9492-43F3-97DE-20DFBB9B73CB}" type="datetimeFigureOut">
               <a:rPr lang="ko-KR" altLang="en-US" smtClean="0"/>
-              <a:t>2021-06-22</a:t>
+              <a:t>2021-07-07</a:t>
             </a:fld>
             <a:endParaRPr lang="ko-KR" altLang="en-US"/>
           </a:p>
@@ -1825,7 +1827,7 @@
           <a:p>
             <a:fld id="{63FE3E3E-9492-43F3-97DE-20DFBB9B73CB}" type="datetimeFigureOut">
               <a:rPr lang="ko-KR" altLang="en-US" smtClean="0"/>
-              <a:t>2021-06-22</a:t>
+              <a:t>2021-07-07</a:t>
             </a:fld>
             <a:endParaRPr lang="ko-KR" altLang="en-US"/>
           </a:p>
@@ -2102,7 +2104,7 @@
           <a:p>
             <a:fld id="{63FE3E3E-9492-43F3-97DE-20DFBB9B73CB}" type="datetimeFigureOut">
               <a:rPr lang="ko-KR" altLang="en-US" smtClean="0"/>
-              <a:t>2021-06-22</a:t>
+              <a:t>2021-07-07</a:t>
             </a:fld>
             <a:endParaRPr lang="ko-KR" altLang="en-US"/>
           </a:p>
@@ -2355,7 +2357,7 @@
           <a:p>
             <a:fld id="{63FE3E3E-9492-43F3-97DE-20DFBB9B73CB}" type="datetimeFigureOut">
               <a:rPr lang="ko-KR" altLang="en-US" smtClean="0"/>
-              <a:t>2021-06-22</a:t>
+              <a:t>2021-07-07</a:t>
             </a:fld>
             <a:endParaRPr lang="ko-KR" altLang="en-US"/>
           </a:p>
@@ -2568,7 +2570,7 @@
           <a:p>
             <a:fld id="{63FE3E3E-9492-43F3-97DE-20DFBB9B73CB}" type="datetimeFigureOut">
               <a:rPr lang="ko-KR" altLang="en-US" smtClean="0"/>
-              <a:t>2021-06-22</a:t>
+              <a:t>2021-07-07</a:t>
             </a:fld>
             <a:endParaRPr lang="ko-KR" altLang="en-US"/>
           </a:p>
@@ -2996,10 +2998,10 @@
           <a:lstStyle/>
           <a:p>
             <a:r>
-              <a:rPr lang="en-US" altLang="ko-KR" dirty="0" smtClean="0"/>
+              <a:rPr lang="en-US" altLang="ko-KR" smtClean="0"/>
               <a:t>Relation</a:t>
             </a:r>
-            <a:endParaRPr lang="ko-KR" altLang="en-US" dirty="0"/>
+            <a:endParaRPr lang="ko-KR" altLang="en-US"/>
           </a:p>
         </p:txBody>
       </p:sp>
@@ -3026,116 +3028,116 @@
           <a:lstStyle/>
           <a:p>
             <a:r>
-              <a:rPr lang="en-US" altLang="ko-KR" sz="1200" dirty="0" smtClean="0"/>
+              <a:rPr lang="en-US" altLang="ko-KR" sz="1200" smtClean="0"/>
               <a:t>1. Relation </a:t>
             </a:r>
             <a:r>
-              <a:rPr lang="ko-KR" altLang="en-US" sz="1200" dirty="0" smtClean="0"/>
+              <a:rPr lang="ko-KR" altLang="en-US" sz="1200" smtClean="0"/>
               <a:t>개요</a:t>
             </a:r>
-            <a:endParaRPr lang="en-US" altLang="ko-KR" sz="1200" dirty="0" smtClean="0"/>
-          </a:p>
-          <a:p>
-            <a:endParaRPr lang="en-US" altLang="ko-KR" sz="1200" dirty="0"/>
-          </a:p>
-          <a:p>
-            <a:r>
-              <a:rPr lang="en-US" altLang="ko-KR" sz="1200" dirty="0" smtClean="0"/>
+            <a:endParaRPr lang="en-US" altLang="ko-KR" sz="1200" smtClean="0"/>
+          </a:p>
+          <a:p>
+            <a:endParaRPr lang="en-US" altLang="ko-KR" sz="1200"/>
+          </a:p>
+          <a:p>
+            <a:r>
+              <a:rPr lang="en-US" altLang="ko-KR" sz="1200" smtClean="0"/>
               <a:t>2. </a:t>
             </a:r>
             <a:r>
-              <a:rPr lang="ko-KR" altLang="en-US" sz="1200" dirty="0" err="1" smtClean="0"/>
+              <a:rPr lang="ko-KR" altLang="en-US" sz="1200" err="1" smtClean="0"/>
               <a:t>릴레이션</a:t>
             </a:r>
             <a:r>
-              <a:rPr lang="ko-KR" altLang="en-US" sz="1200" dirty="0" smtClean="0"/>
+              <a:rPr lang="ko-KR" altLang="en-US" sz="1200" smtClean="0"/>
               <a:t> 모델 선언하기</a:t>
             </a:r>
-            <a:endParaRPr lang="en-US" altLang="ko-KR" sz="1200" dirty="0" smtClean="0"/>
-          </a:p>
-          <a:p>
-            <a:endParaRPr lang="en-US" altLang="ko-KR" sz="1200" dirty="0"/>
-          </a:p>
-          <a:p>
-            <a:r>
-              <a:rPr lang="en-US" altLang="ko-KR" sz="1200" dirty="0" smtClean="0"/>
+            <a:endParaRPr lang="en-US" altLang="ko-KR" sz="1200" smtClean="0"/>
+          </a:p>
+          <a:p>
+            <a:endParaRPr lang="en-US" altLang="ko-KR" sz="1200"/>
+          </a:p>
+          <a:p>
+            <a:r>
+              <a:rPr lang="en-US" altLang="ko-KR" sz="1200" smtClean="0"/>
               <a:t>3. </a:t>
             </a:r>
             <a:r>
-              <a:rPr lang="ko-KR" altLang="en-US" sz="1200" dirty="0" smtClean="0"/>
+              <a:rPr lang="ko-KR" altLang="en-US" sz="1200" smtClean="0"/>
               <a:t>리뷰 등록 구현하기</a:t>
             </a:r>
-            <a:endParaRPr lang="en-US" altLang="ko-KR" sz="1200" dirty="0" smtClean="0"/>
-          </a:p>
-          <a:p>
-            <a:endParaRPr lang="en-US" altLang="ko-KR" sz="1200" dirty="0"/>
+            <a:endParaRPr lang="en-US" altLang="ko-KR" sz="1200" smtClean="0"/>
+          </a:p>
+          <a:p>
+            <a:endParaRPr lang="en-US" altLang="ko-KR" sz="1200"/>
           </a:p>
           <a:p>
             <a:pPr marL="228600" indent="-228600">
               <a:buAutoNum type="arabicPeriod" startAt="4"/>
             </a:pPr>
             <a:r>
-              <a:rPr lang="ko-KR" altLang="en-US" sz="1200" dirty="0" smtClean="0"/>
+              <a:rPr lang="ko-KR" altLang="en-US" sz="1200" smtClean="0"/>
               <a:t>리뷰 삭제 구현하기</a:t>
             </a:r>
-            <a:endParaRPr lang="en-US" altLang="ko-KR" sz="1200" dirty="0" smtClean="0"/>
-          </a:p>
-          <a:p>
-            <a:endParaRPr lang="en-US" altLang="ko-KR" sz="1200" dirty="0"/>
+            <a:endParaRPr lang="en-US" altLang="ko-KR" sz="1200" smtClean="0"/>
+          </a:p>
+          <a:p>
+            <a:endParaRPr lang="en-US" altLang="ko-KR" sz="1200"/>
           </a:p>
           <a:p>
             <a:pPr marL="228600" indent="-228600">
               <a:buAutoNum type="arabicPeriod" startAt="5"/>
             </a:pPr>
             <a:r>
-              <a:rPr lang="en-US" altLang="ko-KR" sz="1200" dirty="0" smtClean="0"/>
+              <a:rPr lang="en-US" altLang="ko-KR" sz="1200" smtClean="0"/>
               <a:t>join </a:t>
             </a:r>
             <a:r>
-              <a:rPr lang="ko-KR" altLang="en-US" sz="1200" dirty="0" smtClean="0"/>
+              <a:rPr lang="ko-KR" altLang="en-US" sz="1200" smtClean="0"/>
               <a:t>개요</a:t>
             </a:r>
-            <a:endParaRPr lang="en-US" altLang="ko-KR" sz="1200" dirty="0" smtClean="0"/>
+            <a:endParaRPr lang="en-US" altLang="ko-KR" sz="1200" smtClean="0"/>
           </a:p>
           <a:p>
             <a:pPr marL="228600" indent="-228600">
               <a:buAutoNum type="arabicPeriod" startAt="5"/>
             </a:pPr>
-            <a:endParaRPr lang="en-US" altLang="ko-KR" sz="1200" dirty="0"/>
+            <a:endParaRPr lang="en-US" altLang="ko-KR" sz="1200"/>
           </a:p>
           <a:p>
             <a:pPr marL="228600" indent="-228600">
               <a:buAutoNum type="arabicPeriod" startAt="5"/>
             </a:pPr>
             <a:r>
-              <a:rPr lang="en-US" altLang="ko-KR" sz="1200" dirty="0" smtClean="0"/>
+              <a:rPr lang="en-US" altLang="ko-KR" sz="1200" smtClean="0"/>
               <a:t>join</a:t>
             </a:r>
             <a:r>
-              <a:rPr lang="ko-KR" altLang="en-US" sz="1200" dirty="0" smtClean="0"/>
+              <a:rPr lang="ko-KR" altLang="en-US" sz="1200" smtClean="0"/>
               <a:t>으로 모든 리스트 불러오기</a:t>
             </a:r>
-            <a:endParaRPr lang="en-US" altLang="ko-KR" sz="1200" dirty="0" smtClean="0"/>
+            <a:endParaRPr lang="en-US" altLang="ko-KR" sz="1200" smtClean="0"/>
           </a:p>
           <a:p>
             <a:pPr marL="228600" indent="-228600">
               <a:buAutoNum type="arabicPeriod" startAt="5"/>
             </a:pPr>
-            <a:endParaRPr lang="en-US" altLang="ko-KR" sz="1200" dirty="0"/>
+            <a:endParaRPr lang="en-US" altLang="ko-KR" sz="1200"/>
           </a:p>
           <a:p>
             <a:pPr marL="228600" indent="-228600">
               <a:buAutoNum type="arabicPeriod" startAt="5"/>
             </a:pPr>
             <a:r>
-              <a:rPr lang="ko-KR" altLang="en-US" sz="1200" dirty="0" smtClean="0"/>
+              <a:rPr lang="ko-KR" altLang="en-US" sz="1200" smtClean="0"/>
               <a:t>리스트 화면에서 리뷰 개수와 평점 구하기</a:t>
             </a:r>
             <a:r>
-              <a:rPr lang="en-US" altLang="ko-KR" sz="1200" dirty="0" smtClean="0"/>
+              <a:rPr lang="en-US" altLang="ko-KR" sz="1200" smtClean="0"/>
               <a:t>.</a:t>
             </a:r>
-            <a:endParaRPr lang="en-US" altLang="ko-KR" sz="1200" dirty="0"/>
+            <a:endParaRPr lang="en-US" altLang="ko-KR" sz="1200"/>
           </a:p>
         </p:txBody>
       </p:sp>
@@ -3191,14 +3193,14 @@
           <a:lstStyle/>
           <a:p>
             <a:r>
-              <a:rPr lang="en-US" altLang="ko-KR" dirty="0" smtClean="0"/>
+              <a:rPr lang="en-US" altLang="ko-KR" smtClean="0"/>
               <a:t>1. Relation </a:t>
             </a:r>
             <a:r>
-              <a:rPr lang="ko-KR" altLang="en-US" dirty="0" smtClean="0"/>
+              <a:rPr lang="ko-KR" altLang="en-US" smtClean="0"/>
               <a:t>개요</a:t>
             </a:r>
-            <a:endParaRPr lang="en-US" altLang="ko-KR" dirty="0" smtClean="0"/>
+            <a:endParaRPr lang="en-US" altLang="ko-KR" smtClean="0"/>
           </a:p>
         </p:txBody>
       </p:sp>
@@ -3263,14 +3265,14 @@
           <a:p>
             <a:pPr algn="ctr"/>
             <a:r>
-              <a:rPr lang="ko-KR" altLang="en-US" dirty="0" smtClean="0"/>
+              <a:rPr lang="ko-KR" altLang="en-US" smtClean="0"/>
               <a:t>출판사</a:t>
             </a:r>
             <a:r>
-              <a:rPr lang="en-US" altLang="ko-KR" dirty="0" smtClean="0"/>
+              <a:rPr lang="en-US" altLang="ko-KR" smtClean="0"/>
               <a:t>_1	</a:t>
             </a:r>
-            <a:endParaRPr lang="ko-KR" altLang="en-US" dirty="0"/>
+            <a:endParaRPr lang="ko-KR" altLang="en-US"/>
           </a:p>
         </p:txBody>
       </p:sp>
@@ -3311,14 +3313,14 @@
           <a:p>
             <a:pPr algn="ctr"/>
             <a:r>
-              <a:rPr lang="ko-KR" altLang="en-US" dirty="0" smtClean="0"/>
+              <a:rPr lang="ko-KR" altLang="en-US" smtClean="0"/>
               <a:t>출판사</a:t>
             </a:r>
             <a:r>
-              <a:rPr lang="en-US" altLang="ko-KR" dirty="0" smtClean="0"/>
+              <a:rPr lang="en-US" altLang="ko-KR" smtClean="0"/>
               <a:t>_2</a:t>
             </a:r>
-            <a:endParaRPr lang="ko-KR" altLang="en-US" dirty="0"/>
+            <a:endParaRPr lang="ko-KR" altLang="en-US"/>
           </a:p>
         </p:txBody>
       </p:sp>
@@ -3359,14 +3361,14 @@
           <a:p>
             <a:pPr algn="ctr"/>
             <a:r>
-              <a:rPr lang="ko-KR" altLang="en-US" dirty="0" smtClean="0"/>
+              <a:rPr lang="ko-KR" altLang="en-US" smtClean="0"/>
               <a:t>출판사</a:t>
             </a:r>
             <a:r>
-              <a:rPr lang="en-US" altLang="ko-KR" dirty="0" smtClean="0"/>
+              <a:rPr lang="en-US" altLang="ko-KR" smtClean="0"/>
               <a:t>_3</a:t>
             </a:r>
-            <a:endParaRPr lang="ko-KR" altLang="en-US" dirty="0"/>
+            <a:endParaRPr lang="ko-KR" altLang="en-US"/>
           </a:p>
         </p:txBody>
       </p:sp>
@@ -3614,51 +3616,51 @@
           <a:lstStyle/>
           <a:p>
             <a:r>
-              <a:rPr lang="ko-KR" altLang="en-US" sz="1200" dirty="0" smtClean="0"/>
+              <a:rPr lang="ko-KR" altLang="en-US" sz="1200" smtClean="0"/>
               <a:t>같은 책이름을 기준으로 각 출판사는 동일한 도서명을 사용하여 출간할 수 있다</a:t>
             </a:r>
             <a:r>
-              <a:rPr lang="en-US" altLang="ko-KR" sz="1200" dirty="0" smtClean="0"/>
+              <a:rPr lang="en-US" altLang="ko-KR" sz="1200" smtClean="0"/>
               <a:t>.</a:t>
             </a:r>
           </a:p>
           <a:p>
-            <a:endParaRPr lang="en-US" altLang="ko-KR" sz="1200" dirty="0" smtClean="0"/>
-          </a:p>
-          <a:p>
-            <a:r>
-              <a:rPr lang="ko-KR" altLang="en-US" sz="1200" dirty="0" smtClean="0"/>
+            <a:endParaRPr lang="en-US" altLang="ko-KR" sz="1200" smtClean="0"/>
+          </a:p>
+          <a:p>
+            <a:r>
+              <a:rPr lang="ko-KR" altLang="en-US" sz="1200" smtClean="0"/>
               <a:t>즉 도서도 여러 출판사에 의해 출간될 수 있으며</a:t>
             </a:r>
             <a:r>
-              <a:rPr lang="en-US" altLang="ko-KR" sz="1200" dirty="0" smtClean="0"/>
+              <a:rPr lang="en-US" altLang="ko-KR" sz="1200" smtClean="0"/>
               <a:t>, </a:t>
             </a:r>
             <a:r>
-              <a:rPr lang="ko-KR" altLang="en-US" sz="1200" dirty="0" smtClean="0"/>
+              <a:rPr lang="ko-KR" altLang="en-US" sz="1200" smtClean="0"/>
               <a:t>출판사들은 동일한 도서명으로 출간할 수 있음으로 다 대 다</a:t>
             </a:r>
             <a:r>
-              <a:rPr lang="en-US" altLang="ko-KR" sz="1200" dirty="0" smtClean="0"/>
+              <a:rPr lang="en-US" altLang="ko-KR" sz="1200" smtClean="0"/>
               <a:t>(</a:t>
             </a:r>
             <a:r>
-              <a:rPr lang="en-US" altLang="ko-KR" sz="1200" dirty="0"/>
+              <a:rPr lang="en-US" altLang="ko-KR" sz="1200"/>
               <a:t>N</a:t>
             </a:r>
             <a:r>
-              <a:rPr lang="en-US" altLang="ko-KR" sz="1200" dirty="0" smtClean="0"/>
+              <a:rPr lang="en-US" altLang="ko-KR" sz="1200" smtClean="0"/>
               <a:t>:M) </a:t>
             </a:r>
             <a:r>
-              <a:rPr lang="ko-KR" altLang="en-US" sz="1200" dirty="0" smtClean="0"/>
+              <a:rPr lang="ko-KR" altLang="en-US" sz="1200" smtClean="0"/>
               <a:t>관계이다</a:t>
             </a:r>
             <a:r>
-              <a:rPr lang="en-US" altLang="ko-KR" sz="1200" dirty="0" smtClean="0"/>
+              <a:rPr lang="en-US" altLang="ko-KR" sz="1200" smtClean="0"/>
               <a:t>.</a:t>
             </a:r>
-            <a:endParaRPr lang="en-US" altLang="ko-KR" sz="1200" dirty="0"/>
+            <a:endParaRPr lang="en-US" altLang="ko-KR" sz="1200"/>
           </a:p>
         </p:txBody>
       </p:sp>
@@ -3723,14 +3725,14 @@
           <a:p>
             <a:pPr algn="ctr"/>
             <a:r>
-              <a:rPr lang="ko-KR" altLang="en-US" dirty="0" smtClean="0"/>
+              <a:rPr lang="ko-KR" altLang="en-US" smtClean="0"/>
               <a:t>리뷰</a:t>
             </a:r>
             <a:r>
-              <a:rPr lang="en-US" altLang="ko-KR" dirty="0" smtClean="0"/>
+              <a:rPr lang="en-US" altLang="ko-KR" smtClean="0"/>
               <a:t>_1</a:t>
             </a:r>
-            <a:endParaRPr lang="ko-KR" altLang="en-US" dirty="0"/>
+            <a:endParaRPr lang="ko-KR" altLang="en-US"/>
           </a:p>
         </p:txBody>
       </p:sp>
@@ -3771,14 +3773,14 @@
           <a:p>
             <a:pPr algn="ctr"/>
             <a:r>
-              <a:rPr lang="ko-KR" altLang="en-US" dirty="0" smtClean="0"/>
+              <a:rPr lang="ko-KR" altLang="en-US" smtClean="0"/>
               <a:t>리뷰</a:t>
             </a:r>
             <a:r>
-              <a:rPr lang="en-US" altLang="ko-KR" dirty="0" smtClean="0"/>
+              <a:rPr lang="en-US" altLang="ko-KR" smtClean="0"/>
               <a:t>_2</a:t>
             </a:r>
-            <a:endParaRPr lang="ko-KR" altLang="en-US" dirty="0"/>
+            <a:endParaRPr lang="ko-KR" altLang="en-US"/>
           </a:p>
         </p:txBody>
       </p:sp>
@@ -3819,14 +3821,14 @@
           <a:p>
             <a:pPr algn="ctr"/>
             <a:r>
-              <a:rPr lang="ko-KR" altLang="en-US" dirty="0" smtClean="0"/>
+              <a:rPr lang="ko-KR" altLang="en-US" smtClean="0"/>
               <a:t>리뷰</a:t>
             </a:r>
             <a:r>
-              <a:rPr lang="en-US" altLang="ko-KR" dirty="0" smtClean="0"/>
+              <a:rPr lang="en-US" altLang="ko-KR" smtClean="0"/>
               <a:t>_3</a:t>
             </a:r>
-            <a:endParaRPr lang="ko-KR" altLang="en-US" dirty="0"/>
+            <a:endParaRPr lang="ko-KR" altLang="en-US"/>
           </a:p>
         </p:txBody>
       </p:sp>
@@ -3960,31 +3962,31 @@
           <a:lstStyle/>
           <a:p>
             <a:r>
-              <a:rPr lang="ko-KR" altLang="en-US" sz="1200" dirty="0" smtClean="0"/>
+              <a:rPr lang="ko-KR" altLang="en-US" sz="1200" smtClean="0"/>
               <a:t>책 하나에 대해 여러 리뷰들이 달린다</a:t>
             </a:r>
             <a:r>
-              <a:rPr lang="en-US" altLang="ko-KR" sz="1200" dirty="0" smtClean="0"/>
+              <a:rPr lang="en-US" altLang="ko-KR" sz="1200" smtClean="0"/>
               <a:t>.</a:t>
             </a:r>
           </a:p>
           <a:p>
-            <a:endParaRPr lang="en-US" altLang="ko-KR" sz="1200" dirty="0"/>
-          </a:p>
-          <a:p>
-            <a:r>
-              <a:rPr lang="ko-KR" altLang="en-US" sz="1200" dirty="0" smtClean="0"/>
+            <a:endParaRPr lang="en-US" altLang="ko-KR" sz="1200"/>
+          </a:p>
+          <a:p>
+            <a:r>
+              <a:rPr lang="ko-KR" altLang="en-US" sz="1200" smtClean="0"/>
               <a:t>일 대 다 </a:t>
             </a:r>
             <a:r>
-              <a:rPr lang="en-US" altLang="ko-KR" sz="1200" dirty="0" smtClean="0"/>
+              <a:rPr lang="en-US" altLang="ko-KR" sz="1200" smtClean="0"/>
               <a:t>(1:N) </a:t>
             </a:r>
             <a:r>
-              <a:rPr lang="ko-KR" altLang="en-US" sz="1200" dirty="0" smtClean="0"/>
+              <a:rPr lang="ko-KR" altLang="en-US" sz="1200" smtClean="0"/>
               <a:t>관계</a:t>
             </a:r>
-            <a:endParaRPr lang="ko-KR" altLang="en-US" sz="1200" dirty="0"/>
+            <a:endParaRPr lang="ko-KR" altLang="en-US" sz="1200"/>
           </a:p>
         </p:txBody>
       </p:sp>
@@ -4049,10 +4051,10 @@
           <a:p>
             <a:pPr algn="ctr"/>
             <a:r>
-              <a:rPr lang="ko-KR" altLang="en-US" dirty="0" smtClean="0"/>
+              <a:rPr lang="ko-KR" altLang="en-US" smtClean="0"/>
               <a:t>발급인</a:t>
             </a:r>
-            <a:endParaRPr lang="ko-KR" altLang="en-US" dirty="0"/>
+            <a:endParaRPr lang="ko-KR" altLang="en-US"/>
           </a:p>
         </p:txBody>
       </p:sp>
@@ -4116,28 +4118,28 @@
           <a:lstStyle/>
           <a:p>
             <a:r>
-              <a:rPr lang="ko-KR" altLang="en-US" sz="1200" dirty="0" smtClean="0"/>
+              <a:rPr lang="ko-KR" altLang="en-US" sz="1200" smtClean="0"/>
               <a:t>한 사람당 여권발행은 하나이다</a:t>
             </a:r>
             <a:r>
-              <a:rPr lang="en-US" altLang="ko-KR" sz="1200" dirty="0" smtClean="0"/>
+              <a:rPr lang="en-US" altLang="ko-KR" sz="1200" smtClean="0"/>
               <a:t>.</a:t>
             </a:r>
           </a:p>
           <a:p>
             <a:r>
-              <a:rPr lang="ko-KR" altLang="en-US" sz="1200" dirty="0" smtClean="0"/>
+              <a:rPr lang="ko-KR" altLang="en-US" sz="1200" smtClean="0"/>
               <a:t>일 대 일</a:t>
             </a:r>
             <a:r>
-              <a:rPr lang="en-US" altLang="ko-KR" sz="1200" dirty="0" smtClean="0"/>
+              <a:rPr lang="en-US" altLang="ko-KR" sz="1200" smtClean="0"/>
               <a:t>(1:1)</a:t>
             </a:r>
             <a:r>
-              <a:rPr lang="ko-KR" altLang="en-US" sz="1200" dirty="0" smtClean="0"/>
+              <a:rPr lang="ko-KR" altLang="en-US" sz="1200" smtClean="0"/>
               <a:t> 관계</a:t>
             </a:r>
-            <a:endParaRPr lang="ko-KR" altLang="en-US" sz="1200" dirty="0"/>
+            <a:endParaRPr lang="ko-KR" altLang="en-US" sz="1200"/>
           </a:p>
         </p:txBody>
       </p:sp>
@@ -4193,18 +4195,18 @@
           <a:lstStyle/>
           <a:p>
             <a:r>
-              <a:rPr lang="en-US" altLang="ko-KR" dirty="0" smtClean="0"/>
+              <a:rPr lang="en-US" altLang="ko-KR" smtClean="0"/>
               <a:t>2. </a:t>
             </a:r>
             <a:r>
-              <a:rPr lang="ko-KR" altLang="en-US" dirty="0" err="1" smtClean="0"/>
+              <a:rPr lang="ko-KR" altLang="en-US" err="1" smtClean="0"/>
               <a:t>릴레이션</a:t>
             </a:r>
             <a:r>
-              <a:rPr lang="ko-KR" altLang="en-US" dirty="0" smtClean="0"/>
+              <a:rPr lang="ko-KR" altLang="en-US" smtClean="0"/>
               <a:t> 모델 선언하기</a:t>
             </a:r>
-            <a:endParaRPr lang="en-US" altLang="ko-KR" dirty="0" smtClean="0"/>
+            <a:endParaRPr lang="en-US" altLang="ko-KR" smtClean="0"/>
           </a:p>
         </p:txBody>
       </p:sp>
@@ -4231,34 +4233,34 @@
           <a:lstStyle/>
           <a:p>
             <a:r>
-              <a:rPr lang="en-US" altLang="ko-KR" sz="1200" dirty="0" smtClean="0"/>
+              <a:rPr lang="en-US" altLang="ko-KR" sz="1200" smtClean="0"/>
               <a:t>※ 1. models.py </a:t>
             </a:r>
             <a:r>
-              <a:rPr lang="ko-KR" altLang="en-US" sz="1200" dirty="0" smtClean="0"/>
+              <a:rPr lang="ko-KR" altLang="en-US" sz="1200" smtClean="0"/>
               <a:t>에 </a:t>
             </a:r>
             <a:r>
-              <a:rPr lang="en-US" altLang="ko-KR" sz="1200" dirty="0" smtClean="0"/>
+              <a:rPr lang="en-US" altLang="ko-KR" sz="1200" smtClean="0"/>
               <a:t>Restaurant </a:t>
             </a:r>
             <a:r>
-              <a:rPr lang="ko-KR" altLang="en-US" sz="1200" dirty="0" smtClean="0"/>
+              <a:rPr lang="ko-KR" altLang="en-US" sz="1200" smtClean="0"/>
               <a:t>를 참고하는 </a:t>
             </a:r>
             <a:r>
-              <a:rPr lang="en-US" altLang="ko-KR" sz="1200" dirty="0" smtClean="0"/>
+              <a:rPr lang="en-US" altLang="ko-KR" sz="1200" smtClean="0"/>
               <a:t>Review Class </a:t>
             </a:r>
             <a:r>
-              <a:rPr lang="ko-KR" altLang="en-US" sz="1200" dirty="0" smtClean="0"/>
+              <a:rPr lang="ko-KR" altLang="en-US" sz="1200" smtClean="0"/>
               <a:t>작성</a:t>
             </a:r>
             <a:r>
-              <a:rPr lang="en-US" altLang="ko-KR" sz="1200" dirty="0" smtClean="0"/>
+              <a:rPr lang="en-US" altLang="ko-KR" sz="1200" smtClean="0"/>
               <a:t>. </a:t>
             </a:r>
-            <a:endParaRPr lang="ko-KR" altLang="en-US" sz="1200" dirty="0"/>
+            <a:endParaRPr lang="ko-KR" altLang="en-US" sz="1200"/>
           </a:p>
         </p:txBody>
       </p:sp>
@@ -4309,127 +4311,127 @@
           <a:lstStyle/>
           <a:p>
             <a:r>
-              <a:rPr lang="en-US" altLang="ko-KR" sz="1200" dirty="0" smtClean="0"/>
+              <a:rPr lang="en-US" altLang="ko-KR" sz="1200" smtClean="0"/>
               <a:t>15 Line : </a:t>
             </a:r>
             <a:r>
-              <a:rPr lang="ko-KR" altLang="en-US" sz="1200" dirty="0" smtClean="0"/>
+              <a:rPr lang="ko-KR" altLang="en-US" sz="1200" smtClean="0"/>
               <a:t>다른 개체와의 관계를 표현하는 경우 참조키 설정을 하며</a:t>
             </a:r>
             <a:r>
-              <a:rPr lang="en-US" altLang="ko-KR" sz="1200" dirty="0" smtClean="0"/>
+              <a:rPr lang="en-US" altLang="ko-KR" sz="1200" smtClean="0"/>
               <a:t>, models</a:t>
             </a:r>
             <a:r>
-              <a:rPr lang="ko-KR" altLang="en-US" sz="1200" dirty="0" smtClean="0"/>
+              <a:rPr lang="ko-KR" altLang="en-US" sz="1200" smtClean="0"/>
               <a:t>에서는 </a:t>
             </a:r>
             <a:r>
-              <a:rPr lang="en-US" altLang="ko-KR" sz="1200" dirty="0" err="1" smtClean="0"/>
+              <a:rPr lang="en-US" altLang="ko-KR" sz="1200" err="1" smtClean="0"/>
               <a:t>ForeignKey</a:t>
             </a:r>
             <a:r>
-              <a:rPr lang="en-US" altLang="ko-KR" sz="1200" dirty="0" smtClean="0"/>
+              <a:rPr lang="en-US" altLang="ko-KR" sz="1200" smtClean="0"/>
               <a:t> </a:t>
             </a:r>
             <a:r>
-              <a:rPr lang="ko-KR" altLang="en-US" sz="1200" dirty="0" smtClean="0"/>
+              <a:rPr lang="ko-KR" altLang="en-US" sz="1200" smtClean="0"/>
               <a:t>설정을 지원해준다</a:t>
             </a:r>
             <a:r>
-              <a:rPr lang="en-US" altLang="ko-KR" sz="1200" dirty="0" smtClean="0"/>
+              <a:rPr lang="en-US" altLang="ko-KR" sz="1200" smtClean="0"/>
               <a:t>.</a:t>
             </a:r>
           </a:p>
           <a:p>
-            <a:endParaRPr lang="en-US" altLang="ko-KR" sz="1200" dirty="0"/>
-          </a:p>
-          <a:p>
-            <a:r>
-              <a:rPr lang="en-US" altLang="ko-KR" sz="1200" dirty="0" smtClean="0"/>
+            <a:endParaRPr lang="en-US" altLang="ko-KR" sz="1200"/>
+          </a:p>
+          <a:p>
+            <a:r>
+              <a:rPr lang="en-US" altLang="ko-KR" sz="1200" smtClean="0"/>
               <a:t>※ </a:t>
             </a:r>
             <a:r>
-              <a:rPr lang="en-US" altLang="ko-KR" sz="1200" dirty="0" err="1" smtClean="0"/>
+              <a:rPr lang="en-US" altLang="ko-KR" sz="1200" err="1" smtClean="0"/>
               <a:t>models.CASCADE</a:t>
             </a:r>
             <a:r>
-              <a:rPr lang="en-US" altLang="ko-KR" sz="1200" dirty="0" smtClean="0"/>
+              <a:rPr lang="en-US" altLang="ko-KR" sz="1200" smtClean="0"/>
               <a:t> -&gt; </a:t>
             </a:r>
             <a:r>
-              <a:rPr lang="ko-KR" altLang="en-US" sz="1200" dirty="0" smtClean="0"/>
+              <a:rPr lang="ko-KR" altLang="en-US" sz="1200" smtClean="0"/>
               <a:t>참조 당하는 기본이 되는 테이블의 데이터를 삭제 시 참조하는 테이블의 데이터 또한 삭제하는 옵션</a:t>
             </a:r>
             <a:r>
-              <a:rPr lang="en-US" altLang="ko-KR" sz="1200" dirty="0" smtClean="0"/>
+              <a:rPr lang="en-US" altLang="ko-KR" sz="1200" smtClean="0"/>
               <a:t>.</a:t>
             </a:r>
           </a:p>
           <a:p>
             <a:r>
-              <a:rPr lang="en-US" altLang="ko-KR" sz="1200" dirty="0" smtClean="0"/>
+              <a:rPr lang="en-US" altLang="ko-KR" sz="1200" smtClean="0"/>
               <a:t>[ </a:t>
             </a:r>
             <a:r>
-              <a:rPr lang="ko-KR" altLang="en-US" sz="1200" dirty="0" smtClean="0"/>
+              <a:rPr lang="ko-KR" altLang="en-US" sz="1200" smtClean="0"/>
               <a:t>즉 </a:t>
             </a:r>
             <a:r>
-              <a:rPr lang="en-US" altLang="ko-KR" sz="1200" dirty="0" smtClean="0"/>
+              <a:rPr lang="en-US" altLang="ko-KR" sz="1200" smtClean="0"/>
               <a:t>model</a:t>
             </a:r>
             <a:r>
-              <a:rPr lang="ko-KR" altLang="en-US" sz="1200" dirty="0" smtClean="0"/>
+              <a:rPr lang="ko-KR" altLang="en-US" sz="1200" smtClean="0"/>
               <a:t>을 통해 기본테이블의 데이터가 삭제되면 참조하는 </a:t>
             </a:r>
             <a:r>
-              <a:rPr lang="en-US" altLang="ko-KR" sz="1200" dirty="0" smtClean="0"/>
+              <a:rPr lang="en-US" altLang="ko-KR" sz="1200" smtClean="0"/>
               <a:t>model</a:t>
             </a:r>
             <a:r>
-              <a:rPr lang="ko-KR" altLang="en-US" sz="1200" dirty="0" smtClean="0"/>
+              <a:rPr lang="ko-KR" altLang="en-US" sz="1200" smtClean="0"/>
               <a:t>을 통해 참조하는 테이블의 데이터도 삭제된다</a:t>
             </a:r>
             <a:r>
-              <a:rPr lang="en-US" altLang="ko-KR" sz="1200" dirty="0" smtClean="0"/>
+              <a:rPr lang="en-US" altLang="ko-KR" sz="1200" smtClean="0"/>
               <a:t>. ]</a:t>
             </a:r>
           </a:p>
           <a:p>
-            <a:endParaRPr lang="en-US" altLang="ko-KR" sz="1200" dirty="0"/>
-          </a:p>
-          <a:p>
-            <a:r>
-              <a:rPr lang="en-US" altLang="ko-KR" sz="1200" dirty="0" smtClean="0"/>
+            <a:endParaRPr lang="en-US" altLang="ko-KR" sz="1200"/>
+          </a:p>
+          <a:p>
+            <a:r>
+              <a:rPr lang="en-US" altLang="ko-KR" sz="1200" smtClean="0"/>
               <a:t>[ DB</a:t>
             </a:r>
             <a:r>
-              <a:rPr lang="ko-KR" altLang="en-US" sz="1200" dirty="0" smtClean="0"/>
+              <a:rPr lang="ko-KR" altLang="en-US" sz="1200" smtClean="0"/>
               <a:t>에 새로운 테이블 생성 </a:t>
             </a:r>
             <a:r>
-              <a:rPr lang="en-US" altLang="ko-KR" sz="1200" dirty="0" smtClean="0"/>
+              <a:rPr lang="en-US" altLang="ko-KR" sz="1200" smtClean="0"/>
               <a:t>]</a:t>
             </a:r>
           </a:p>
           <a:p>
             <a:r>
-              <a:rPr lang="en-US" altLang="ko-KR" sz="1200" dirty="0" smtClean="0"/>
+              <a:rPr lang="en-US" altLang="ko-KR" sz="1200" smtClean="0"/>
               <a:t>-&gt; python manage.py </a:t>
             </a:r>
             <a:r>
-              <a:rPr lang="en-US" altLang="ko-KR" sz="1200" dirty="0" err="1" smtClean="0"/>
+              <a:rPr lang="en-US" altLang="ko-KR" sz="1200" err="1" smtClean="0"/>
               <a:t>makemigration</a:t>
             </a:r>
-            <a:endParaRPr lang="en-US" altLang="ko-KR" sz="1200" dirty="0"/>
-          </a:p>
-          <a:p>
-            <a:r>
-              <a:rPr lang="en-US" altLang="ko-KR" sz="1200" dirty="0" smtClean="0"/>
+            <a:endParaRPr lang="en-US" altLang="ko-KR" sz="1200"/>
+          </a:p>
+          <a:p>
+            <a:r>
+              <a:rPr lang="en-US" altLang="ko-KR" sz="1200" smtClean="0"/>
               <a:t>-&gt; python manage.py migrate </a:t>
             </a:r>
-            <a:endParaRPr lang="ko-KR" altLang="en-US" sz="1200" dirty="0"/>
+            <a:endParaRPr lang="ko-KR" altLang="en-US" sz="1200"/>
           </a:p>
         </p:txBody>
       </p:sp>
@@ -4485,15 +4487,15 @@
           <a:lstStyle/>
           <a:p>
             <a:r>
-              <a:rPr lang="en-US" altLang="ko-KR" dirty="0" smtClean="0"/>
+              <a:rPr lang="en-US" altLang="ko-KR" smtClean="0"/>
               <a:t>3. </a:t>
             </a:r>
             <a:r>
-              <a:rPr lang="ko-KR" altLang="en-US" dirty="0" smtClean="0"/>
+              <a:rPr lang="ko-KR" altLang="en-US" smtClean="0"/>
               <a:t>리뷰 등록 구현하기 </a:t>
             </a:r>
             <a:r>
-              <a:rPr lang="en-US" altLang="ko-KR" dirty="0" smtClean="0"/>
+              <a:rPr lang="en-US" altLang="ko-KR" smtClean="0"/>
               <a:t>-1</a:t>
             </a:r>
           </a:p>
@@ -4522,39 +4524,39 @@
           <a:lstStyle/>
           <a:p>
             <a:r>
-              <a:rPr lang="en-US" altLang="ko-KR" sz="1200" dirty="0" smtClean="0"/>
+              <a:rPr lang="en-US" altLang="ko-KR" sz="1200" smtClean="0"/>
               <a:t>※ 1. </a:t>
             </a:r>
             <a:r>
-              <a:rPr lang="ko-KR" altLang="en-US" sz="1200" dirty="0" smtClean="0"/>
+              <a:rPr lang="ko-KR" altLang="en-US" sz="1200" smtClean="0"/>
               <a:t>리뷰 입력을 위한 </a:t>
             </a:r>
             <a:r>
-              <a:rPr lang="en-US" altLang="ko-KR" sz="1200" dirty="0" smtClean="0"/>
+              <a:rPr lang="en-US" altLang="ko-KR" sz="1200" smtClean="0"/>
               <a:t>Form(.html)</a:t>
             </a:r>
             <a:r>
-              <a:rPr lang="ko-KR" altLang="en-US" sz="1200" dirty="0" smtClean="0"/>
+              <a:rPr lang="ko-KR" altLang="en-US" sz="1200" smtClean="0"/>
               <a:t>을 생성하기 위한 </a:t>
             </a:r>
             <a:r>
-              <a:rPr lang="en-US" altLang="ko-KR" sz="1200" dirty="0" smtClean="0"/>
+              <a:rPr lang="en-US" altLang="ko-KR" sz="1200" smtClean="0"/>
               <a:t>forms Class(.</a:t>
             </a:r>
             <a:r>
-              <a:rPr lang="en-US" altLang="ko-KR" sz="1200" dirty="0" err="1" smtClean="0"/>
+              <a:rPr lang="en-US" altLang="ko-KR" sz="1200" err="1" smtClean="0"/>
               <a:t>py</a:t>
             </a:r>
             <a:r>
-              <a:rPr lang="en-US" altLang="ko-KR" sz="1200" dirty="0" smtClean="0"/>
+              <a:rPr lang="en-US" altLang="ko-KR" sz="1200" smtClean="0"/>
               <a:t>) </a:t>
             </a:r>
             <a:r>
-              <a:rPr lang="ko-KR" altLang="en-US" sz="1200" dirty="0" smtClean="0"/>
+              <a:rPr lang="ko-KR" altLang="en-US" sz="1200" smtClean="0"/>
               <a:t>작성</a:t>
             </a:r>
             <a:r>
-              <a:rPr lang="en-US" altLang="ko-KR" sz="1200" dirty="0" smtClean="0"/>
+              <a:rPr lang="en-US" altLang="ko-KR" sz="1200" smtClean="0"/>
               <a:t>.</a:t>
             </a:r>
           </a:p>
@@ -4607,159 +4609,159 @@
           <a:lstStyle/>
           <a:p>
             <a:r>
-              <a:rPr lang="en-US" altLang="ko-KR" sz="1200" dirty="0" smtClean="0"/>
+              <a:rPr lang="en-US" altLang="ko-KR" sz="1200" smtClean="0"/>
               <a:t>2 line &gt; widgets</a:t>
             </a:r>
             <a:r>
-              <a:rPr lang="ko-KR" altLang="en-US" sz="1200" dirty="0" smtClean="0"/>
+              <a:rPr lang="ko-KR" altLang="en-US" sz="1200" smtClean="0"/>
               <a:t>를 사용하기 위해 </a:t>
             </a:r>
             <a:r>
-              <a:rPr lang="en-US" altLang="ko-KR" sz="1200" dirty="0" smtClean="0"/>
+              <a:rPr lang="en-US" altLang="ko-KR" sz="1200" smtClean="0"/>
               <a:t>forms </a:t>
             </a:r>
             <a:r>
-              <a:rPr lang="ko-KR" altLang="en-US" sz="1200" dirty="0" smtClean="0"/>
+              <a:rPr lang="ko-KR" altLang="en-US" sz="1200" smtClean="0"/>
               <a:t>모듈 </a:t>
             </a:r>
             <a:r>
-              <a:rPr lang="en-US" altLang="ko-KR" sz="1200" dirty="0" smtClean="0"/>
+              <a:rPr lang="en-US" altLang="ko-KR" sz="1200" smtClean="0"/>
               <a:t>import </a:t>
             </a:r>
             <a:r>
-              <a:rPr lang="ko-KR" altLang="en-US" sz="1200" dirty="0" smtClean="0"/>
+              <a:rPr lang="ko-KR" altLang="en-US" sz="1200" smtClean="0"/>
               <a:t>추가</a:t>
             </a:r>
-            <a:endParaRPr lang="en-US" altLang="ko-KR" sz="1200" dirty="0" smtClean="0"/>
-          </a:p>
-          <a:p>
-            <a:r>
-              <a:rPr lang="en-US" altLang="ko-KR" sz="1200" dirty="0" smtClean="0"/>
+            <a:endParaRPr lang="en-US" altLang="ko-KR" sz="1200" smtClean="0"/>
+          </a:p>
+          <a:p>
+            <a:r>
+              <a:rPr lang="en-US" altLang="ko-KR" sz="1200" smtClean="0"/>
               <a:t>3 line &gt; </a:t>
             </a:r>
             <a:r>
-              <a:rPr lang="en-US" altLang="ko-KR" sz="1200" dirty="0" err="1" smtClean="0"/>
+              <a:rPr lang="en-US" altLang="ko-KR" sz="1200" err="1" smtClean="0"/>
               <a:t>ReviewForm</a:t>
             </a:r>
             <a:r>
-              <a:rPr lang="ko-KR" altLang="en-US" sz="1200" dirty="0" smtClean="0"/>
+              <a:rPr lang="ko-KR" altLang="en-US" sz="1200" smtClean="0"/>
               <a:t>을 </a:t>
             </a:r>
             <a:r>
-              <a:rPr lang="ko-KR" altLang="en-US" sz="1200" dirty="0" err="1" smtClean="0"/>
+              <a:rPr lang="ko-KR" altLang="en-US" sz="1200" err="1" smtClean="0"/>
               <a:t>생성하기위한</a:t>
             </a:r>
             <a:r>
-              <a:rPr lang="ko-KR" altLang="en-US" sz="1200" dirty="0" smtClean="0"/>
+              <a:rPr lang="ko-KR" altLang="en-US" sz="1200" smtClean="0"/>
               <a:t> </a:t>
             </a:r>
             <a:r>
-              <a:rPr lang="en-US" altLang="ko-KR" sz="1200" dirty="0" smtClean="0"/>
+              <a:rPr lang="en-US" altLang="ko-KR" sz="1200" smtClean="0"/>
               <a:t>Base model</a:t>
             </a:r>
             <a:r>
-              <a:rPr lang="ko-KR" altLang="en-US" sz="1200" dirty="0" smtClean="0"/>
+              <a:rPr lang="ko-KR" altLang="en-US" sz="1200" smtClean="0"/>
               <a:t>인 </a:t>
             </a:r>
             <a:r>
-              <a:rPr lang="en-US" altLang="ko-KR" sz="1200" dirty="0" smtClean="0"/>
+              <a:rPr lang="en-US" altLang="ko-KR" sz="1200" smtClean="0"/>
               <a:t>Review import </a:t>
             </a:r>
             <a:r>
-              <a:rPr lang="ko-KR" altLang="en-US" sz="1200" dirty="0" smtClean="0"/>
+              <a:rPr lang="ko-KR" altLang="en-US" sz="1200" smtClean="0"/>
               <a:t>추가</a:t>
             </a:r>
-            <a:endParaRPr lang="en-US" altLang="ko-KR" sz="1200" dirty="0" smtClean="0"/>
-          </a:p>
-          <a:p>
-            <a:r>
-              <a:rPr lang="en-US" altLang="ko-KR" sz="1200" dirty="0" smtClean="0"/>
+            <a:endParaRPr lang="en-US" altLang="ko-KR" sz="1200" smtClean="0"/>
+          </a:p>
+          <a:p>
+            <a:r>
+              <a:rPr lang="en-US" altLang="ko-KR" sz="1200" smtClean="0"/>
               <a:t>6 line &gt; select </a:t>
             </a:r>
             <a:r>
-              <a:rPr lang="ko-KR" altLang="en-US" sz="1200" dirty="0" smtClean="0"/>
+              <a:rPr lang="ko-KR" altLang="en-US" sz="1200" smtClean="0"/>
               <a:t>박스 </a:t>
             </a:r>
             <a:r>
-              <a:rPr lang="en-US" altLang="ko-KR" sz="1200" dirty="0" smtClean="0"/>
+              <a:rPr lang="en-US" altLang="ko-KR" sz="1200" smtClean="0"/>
               <a:t>item </a:t>
             </a:r>
             <a:r>
-              <a:rPr lang="ko-KR" altLang="en-US" sz="1200" dirty="0" smtClean="0"/>
+              <a:rPr lang="ko-KR" altLang="en-US" sz="1200" smtClean="0"/>
               <a:t>설정</a:t>
             </a:r>
-            <a:endParaRPr lang="en-US" altLang="ko-KR" sz="1200" dirty="0" smtClean="0"/>
-          </a:p>
-          <a:p>
-            <a:r>
-              <a:rPr lang="en-US" altLang="ko-KR" sz="1200" dirty="0" smtClean="0"/>
+            <a:endParaRPr lang="en-US" altLang="ko-KR" sz="1200" smtClean="0"/>
+          </a:p>
+          <a:p>
+            <a:r>
+              <a:rPr lang="en-US" altLang="ko-KR" sz="1200" smtClean="0"/>
               <a:t>25~28 line &gt; input </a:t>
             </a:r>
             <a:r>
-              <a:rPr lang="ko-KR" altLang="en-US" sz="1200" dirty="0" smtClean="0"/>
+              <a:rPr lang="ko-KR" altLang="en-US" sz="1200" smtClean="0"/>
               <a:t>태그의 </a:t>
             </a:r>
             <a:r>
-              <a:rPr lang="en-US" altLang="ko-KR" sz="1200" dirty="0" smtClean="0"/>
+              <a:rPr lang="en-US" altLang="ko-KR" sz="1200" smtClean="0"/>
               <a:t>type </a:t>
             </a:r>
             <a:r>
-              <a:rPr lang="ko-KR" altLang="en-US" sz="1200" dirty="0" smtClean="0"/>
+              <a:rPr lang="ko-KR" altLang="en-US" sz="1200" smtClean="0"/>
               <a:t>을 변경해주는 </a:t>
             </a:r>
             <a:r>
-              <a:rPr lang="ko-KR" altLang="en-US" sz="1200" dirty="0" err="1" smtClean="0"/>
+              <a:rPr lang="ko-KR" altLang="en-US" sz="1200" err="1" smtClean="0"/>
               <a:t>로직</a:t>
             </a:r>
-            <a:endParaRPr lang="en-US" altLang="ko-KR" sz="1200" dirty="0" smtClean="0"/>
-          </a:p>
-          <a:p>
-            <a:r>
-              <a:rPr lang="en-US" altLang="ko-KR" sz="1200" dirty="0" smtClean="0"/>
+            <a:endParaRPr lang="en-US" altLang="ko-KR" sz="1200" smtClean="0"/>
+          </a:p>
+          <a:p>
+            <a:r>
+              <a:rPr lang="en-US" altLang="ko-KR" sz="1200" smtClean="0"/>
               <a:t>        - </a:t>
             </a:r>
             <a:r>
-              <a:rPr lang="en-US" altLang="ko-KR" sz="1200" dirty="0" err="1" smtClean="0"/>
+              <a:rPr lang="en-US" altLang="ko-KR" sz="1200" err="1" smtClean="0"/>
               <a:t>HiddenInput</a:t>
             </a:r>
             <a:r>
-              <a:rPr lang="en-US" altLang="ko-KR" sz="1200" dirty="0" smtClean="0"/>
+              <a:rPr lang="en-US" altLang="ko-KR" sz="1200" smtClean="0"/>
               <a:t>() -&gt; </a:t>
             </a:r>
             <a:r>
-              <a:rPr lang="ko-KR" altLang="en-US" sz="1200" dirty="0" smtClean="0"/>
+              <a:rPr lang="ko-KR" altLang="en-US" sz="1200" smtClean="0"/>
               <a:t>숨김 </a:t>
             </a:r>
             <a:r>
-              <a:rPr lang="en-US" altLang="ko-KR" sz="1200" dirty="0" smtClean="0"/>
+              <a:rPr lang="en-US" altLang="ko-KR" sz="1200" smtClean="0"/>
               <a:t>input </a:t>
             </a:r>
             <a:r>
-              <a:rPr lang="ko-KR" altLang="en-US" sz="1200" dirty="0" smtClean="0"/>
+              <a:rPr lang="ko-KR" altLang="en-US" sz="1200" smtClean="0"/>
               <a:t>태그</a:t>
             </a:r>
-            <a:endParaRPr lang="en-US" altLang="ko-KR" sz="1200" dirty="0" smtClean="0"/>
-          </a:p>
-          <a:p>
-            <a:r>
-              <a:rPr lang="en-US" altLang="ko-KR" sz="1200" dirty="0" smtClean="0"/>
+            <a:endParaRPr lang="en-US" altLang="ko-KR" sz="1200" smtClean="0"/>
+          </a:p>
+          <a:p>
+            <a:r>
+              <a:rPr lang="en-US" altLang="ko-KR" sz="1200" smtClean="0"/>
               <a:t>        - Select(choices= ({‘1’,1}, ….{}) ) -&gt; select </a:t>
             </a:r>
             <a:r>
-              <a:rPr lang="ko-KR" altLang="en-US" sz="1200" dirty="0" smtClean="0"/>
+              <a:rPr lang="ko-KR" altLang="en-US" sz="1200" smtClean="0"/>
               <a:t>박스 선언</a:t>
             </a:r>
             <a:r>
-              <a:rPr lang="en-US" altLang="ko-KR" sz="1200" dirty="0" smtClean="0"/>
+              <a:rPr lang="en-US" altLang="ko-KR" sz="1200" smtClean="0"/>
               <a:t> </a:t>
             </a:r>
           </a:p>
           <a:p>
             <a:r>
-              <a:rPr lang="en-US" altLang="ko-KR" sz="1200" dirty="0" smtClean="0"/>
+              <a:rPr lang="en-US" altLang="ko-KR" sz="1200" smtClean="0"/>
               <a:t> </a:t>
             </a:r>
-            <a:endParaRPr lang="ko-KR" altLang="en-US" sz="1200" dirty="0"/>
+            <a:endParaRPr lang="ko-KR" altLang="en-US" sz="1200"/>
           </a:p>
         </p:txBody>
       </p:sp>
@@ -4815,15 +4817,15 @@
           <a:lstStyle/>
           <a:p>
             <a:r>
-              <a:rPr lang="en-US" altLang="ko-KR" dirty="0" smtClean="0"/>
+              <a:rPr lang="en-US" altLang="ko-KR" smtClean="0"/>
               <a:t>3. </a:t>
             </a:r>
             <a:r>
-              <a:rPr lang="ko-KR" altLang="en-US" dirty="0" smtClean="0"/>
+              <a:rPr lang="ko-KR" altLang="en-US" smtClean="0"/>
               <a:t>리뷰 등록 구현하기 </a:t>
             </a:r>
             <a:r>
-              <a:rPr lang="en-US" altLang="ko-KR" dirty="0" smtClean="0"/>
+              <a:rPr lang="en-US" altLang="ko-KR" smtClean="0"/>
               <a:t>-2</a:t>
             </a:r>
           </a:p>
@@ -4852,23 +4854,23 @@
           <a:lstStyle/>
           <a:p>
             <a:r>
-              <a:rPr lang="en-US" altLang="ko-KR" sz="1200" dirty="0" smtClean="0"/>
+              <a:rPr lang="en-US" altLang="ko-KR" sz="1200" smtClean="0"/>
               <a:t>※ 2. </a:t>
             </a:r>
             <a:r>
-              <a:rPr lang="ko-KR" altLang="en-US" sz="1200" dirty="0" smtClean="0"/>
+              <a:rPr lang="ko-KR" altLang="en-US" sz="1200" smtClean="0"/>
               <a:t>리뷰쓰기 </a:t>
             </a:r>
             <a:r>
-              <a:rPr lang="en-US" altLang="ko-KR" sz="1200" dirty="0" smtClean="0"/>
+              <a:rPr lang="en-US" altLang="ko-KR" sz="1200" smtClean="0"/>
               <a:t>URL </a:t>
             </a:r>
             <a:r>
-              <a:rPr lang="ko-KR" altLang="en-US" sz="1200" dirty="0" smtClean="0"/>
+              <a:rPr lang="ko-KR" altLang="en-US" sz="1200" smtClean="0"/>
               <a:t>작성</a:t>
             </a:r>
             <a:r>
-              <a:rPr lang="en-US" altLang="ko-KR" sz="1200" dirty="0" smtClean="0"/>
+              <a:rPr lang="en-US" altLang="ko-KR" sz="1200" smtClean="0"/>
               <a:t>.</a:t>
             </a:r>
           </a:p>
@@ -4991,30 +4993,30 @@
           <a:lstStyle/>
           <a:p>
             <a:r>
-              <a:rPr lang="en-US" altLang="ko-KR" sz="1200" dirty="0" smtClean="0"/>
+              <a:rPr lang="en-US" altLang="ko-KR" sz="1200" smtClean="0"/>
               <a:t>※ 3. </a:t>
             </a:r>
             <a:r>
-              <a:rPr lang="ko-KR" altLang="en-US" sz="1200" dirty="0" smtClean="0"/>
+              <a:rPr lang="ko-KR" altLang="en-US" sz="1200" smtClean="0"/>
               <a:t>리뷰 </a:t>
             </a:r>
             <a:r>
-              <a:rPr lang="en-US" altLang="ko-KR" sz="1200" dirty="0" smtClean="0"/>
+              <a:rPr lang="en-US" altLang="ko-KR" sz="1200" smtClean="0"/>
               <a:t>DB </a:t>
             </a:r>
             <a:r>
-              <a:rPr lang="ko-KR" altLang="en-US" sz="1200" dirty="0" smtClean="0"/>
+              <a:rPr lang="ko-KR" altLang="en-US" sz="1200" smtClean="0"/>
               <a:t>등록 및 쓰기 페이지 이동 </a:t>
             </a:r>
             <a:r>
-              <a:rPr lang="en-US" altLang="ko-KR" sz="1200" dirty="0" smtClean="0"/>
+              <a:rPr lang="en-US" altLang="ko-KR" sz="1200" smtClean="0"/>
               <a:t>method </a:t>
             </a:r>
             <a:r>
-              <a:rPr lang="ko-KR" altLang="en-US" sz="1200" dirty="0" smtClean="0"/>
+              <a:rPr lang="ko-KR" altLang="en-US" sz="1200" smtClean="0"/>
               <a:t>작성</a:t>
             </a:r>
-            <a:endParaRPr lang="en-US" altLang="ko-KR" sz="1200" dirty="0" smtClean="0"/>
+            <a:endParaRPr lang="en-US" altLang="ko-KR" sz="1200" smtClean="0"/>
           </a:p>
         </p:txBody>
       </p:sp>
@@ -5041,278 +5043,278 @@
           <a:lstStyle/>
           <a:p>
             <a:r>
-              <a:rPr lang="en-US" altLang="ko-KR" sz="1200" dirty="0" smtClean="0"/>
+              <a:rPr lang="en-US" altLang="ko-KR" sz="1200" smtClean="0"/>
               <a:t>58~59 Line : POST</a:t>
             </a:r>
             <a:r>
-              <a:rPr lang="ko-KR" altLang="en-US" sz="1200" dirty="0" smtClean="0"/>
+              <a:rPr lang="ko-KR" altLang="en-US" sz="1200" smtClean="0"/>
               <a:t>로 온 요청은 </a:t>
             </a:r>
             <a:r>
-              <a:rPr lang="en-US" altLang="ko-KR" sz="1200" dirty="0" smtClean="0"/>
+              <a:rPr lang="en-US" altLang="ko-KR" sz="1200" smtClean="0"/>
               <a:t>review</a:t>
             </a:r>
             <a:r>
-              <a:rPr lang="ko-KR" altLang="en-US" sz="1200" dirty="0" smtClean="0"/>
+              <a:rPr lang="ko-KR" altLang="en-US" sz="1200" smtClean="0"/>
               <a:t>의 등록에 관한 요청으로</a:t>
             </a:r>
             <a:r>
-              <a:rPr lang="en-US" altLang="ko-KR" sz="1200" dirty="0" smtClean="0"/>
+              <a:rPr lang="en-US" altLang="ko-KR" sz="1200" smtClean="0"/>
               <a:t>.</a:t>
             </a:r>
           </a:p>
           <a:p>
             <a:r>
-              <a:rPr lang="en-US" altLang="ko-KR" sz="1200" dirty="0" smtClean="0"/>
+              <a:rPr lang="en-US" altLang="ko-KR" sz="1200" smtClean="0"/>
               <a:t>            request</a:t>
             </a:r>
             <a:r>
-              <a:rPr lang="ko-KR" altLang="en-US" sz="1200" dirty="0" smtClean="0"/>
+              <a:rPr lang="ko-KR" altLang="en-US" sz="1200" smtClean="0"/>
               <a:t>내 </a:t>
             </a:r>
             <a:r>
-              <a:rPr lang="en-US" altLang="ko-KR" sz="1200" dirty="0" smtClean="0"/>
+              <a:rPr lang="en-US" altLang="ko-KR" sz="1200" smtClean="0"/>
               <a:t>review</a:t>
             </a:r>
             <a:r>
-              <a:rPr lang="ko-KR" altLang="en-US" sz="1200" dirty="0" smtClean="0"/>
+              <a:rPr lang="ko-KR" altLang="en-US" sz="1200" smtClean="0"/>
               <a:t>에 대한 </a:t>
             </a:r>
             <a:r>
-              <a:rPr lang="en-US" altLang="ko-KR" sz="1200" dirty="0" smtClean="0"/>
+              <a:rPr lang="en-US" altLang="ko-KR" sz="1200" smtClean="0"/>
               <a:t>form </a:t>
             </a:r>
             <a:r>
-              <a:rPr lang="ko-KR" altLang="en-US" sz="1200" dirty="0" smtClean="0"/>
+              <a:rPr lang="ko-KR" altLang="en-US" sz="1200" smtClean="0"/>
               <a:t>정보가 </a:t>
             </a:r>
             <a:r>
-              <a:rPr lang="ko-KR" altLang="en-US" sz="1200" dirty="0" err="1" smtClean="0"/>
+              <a:rPr lang="ko-KR" altLang="en-US" sz="1200" err="1" smtClean="0"/>
               <a:t>파이썬</a:t>
             </a:r>
             <a:r>
-              <a:rPr lang="ko-KR" altLang="en-US" sz="1200" dirty="0" smtClean="0"/>
+              <a:rPr lang="ko-KR" altLang="en-US" sz="1200" smtClean="0"/>
               <a:t> </a:t>
             </a:r>
             <a:r>
-              <a:rPr lang="en-US" altLang="ko-KR" sz="1200" dirty="0" smtClean="0"/>
+              <a:rPr lang="en-US" altLang="ko-KR" sz="1200" smtClean="0"/>
               <a:t>form </a:t>
             </a:r>
             <a:r>
-              <a:rPr lang="ko-KR" altLang="en-US" sz="1200" dirty="0" smtClean="0"/>
+              <a:rPr lang="ko-KR" altLang="en-US" sz="1200" smtClean="0"/>
               <a:t>변수에 </a:t>
             </a:r>
             <a:r>
-              <a:rPr lang="en-US" altLang="ko-KR" sz="1200" dirty="0" smtClean="0"/>
+              <a:rPr lang="en-US" altLang="ko-KR" sz="1200" smtClean="0"/>
               <a:t>injection</a:t>
             </a:r>
             <a:r>
-              <a:rPr lang="ko-KR" altLang="en-US" sz="1200" dirty="0" smtClean="0"/>
+              <a:rPr lang="ko-KR" altLang="en-US" sz="1200" smtClean="0"/>
               <a:t>된다</a:t>
             </a:r>
             <a:r>
-              <a:rPr lang="en-US" altLang="ko-KR" sz="1200" dirty="0" smtClean="0"/>
+              <a:rPr lang="en-US" altLang="ko-KR" sz="1200" smtClean="0"/>
               <a:t>.</a:t>
             </a:r>
           </a:p>
           <a:p>
             <a:r>
-              <a:rPr lang="en-US" altLang="ko-KR" sz="1200" dirty="0" smtClean="0"/>
+              <a:rPr lang="en-US" altLang="ko-KR" sz="1200" smtClean="0"/>
               <a:t>60 Line : </a:t>
             </a:r>
             <a:r>
-              <a:rPr lang="ko-KR" altLang="en-US" sz="1200" dirty="0" smtClean="0"/>
+              <a:rPr lang="ko-KR" altLang="en-US" sz="1200" smtClean="0"/>
               <a:t>입력 </a:t>
             </a:r>
             <a:r>
-              <a:rPr lang="en-US" altLang="ko-KR" sz="1200" dirty="0" smtClean="0"/>
+              <a:rPr lang="en-US" altLang="ko-KR" sz="1200" smtClean="0"/>
               <a:t>form</a:t>
             </a:r>
             <a:r>
-              <a:rPr lang="ko-KR" altLang="en-US" sz="1200" dirty="0" smtClean="0"/>
+              <a:rPr lang="ko-KR" altLang="en-US" sz="1200" smtClean="0"/>
               <a:t>에 대한유효성 검사를 실시</a:t>
             </a:r>
-            <a:endParaRPr lang="en-US" altLang="ko-KR" sz="1200" dirty="0" smtClean="0"/>
-          </a:p>
-          <a:p>
-            <a:r>
-              <a:rPr lang="en-US" altLang="ko-KR" sz="1200" dirty="0" smtClean="0"/>
+            <a:endParaRPr lang="en-US" altLang="ko-KR" sz="1200" smtClean="0"/>
+          </a:p>
+          <a:p>
+            <a:r>
+              <a:rPr lang="en-US" altLang="ko-KR" sz="1200" smtClean="0"/>
               <a:t>61 Line : review </a:t>
             </a:r>
             <a:r>
-              <a:rPr lang="ko-KR" altLang="en-US" sz="1200" dirty="0" smtClean="0"/>
+              <a:rPr lang="ko-KR" altLang="en-US" sz="1200" smtClean="0"/>
               <a:t>저장</a:t>
             </a:r>
-            <a:endParaRPr lang="en-US" altLang="ko-KR" sz="1200" dirty="0" smtClean="0"/>
-          </a:p>
-          <a:p>
-            <a:r>
-              <a:rPr lang="en-US" altLang="ko-KR" sz="1200" dirty="0" smtClean="0"/>
+            <a:endParaRPr lang="en-US" altLang="ko-KR" sz="1200" smtClean="0"/>
+          </a:p>
+          <a:p>
+            <a:r>
+              <a:rPr lang="en-US" altLang="ko-KR" sz="1200" smtClean="0"/>
               <a:t>62 Line : review </a:t>
             </a:r>
             <a:r>
-              <a:rPr lang="ko-KR" altLang="en-US" sz="1200" dirty="0" smtClean="0"/>
+              <a:rPr lang="ko-KR" altLang="en-US" sz="1200" smtClean="0"/>
               <a:t>저장성공시 작성한 </a:t>
             </a:r>
             <a:r>
-              <a:rPr lang="en-US" altLang="ko-KR" sz="1200" dirty="0" err="1" smtClean="0"/>
+              <a:rPr lang="en-US" altLang="ko-KR" sz="1200" err="1" smtClean="0"/>
               <a:t>revie</a:t>
             </a:r>
             <a:r>
-              <a:rPr lang="ko-KR" altLang="en-US" sz="1200" dirty="0" smtClean="0"/>
+              <a:rPr lang="ko-KR" altLang="en-US" sz="1200" smtClean="0"/>
               <a:t>를 </a:t>
             </a:r>
             <a:r>
-              <a:rPr lang="ko-KR" altLang="en-US" sz="1200" dirty="0" err="1" smtClean="0"/>
+              <a:rPr lang="ko-KR" altLang="en-US" sz="1200" err="1" smtClean="0"/>
               <a:t>확인할수</a:t>
             </a:r>
             <a:r>
-              <a:rPr lang="ko-KR" altLang="en-US" sz="1200" dirty="0" smtClean="0"/>
+              <a:rPr lang="ko-KR" altLang="en-US" sz="1200" smtClean="0"/>
               <a:t> 있는 </a:t>
             </a:r>
             <a:r>
-              <a:rPr lang="en-US" altLang="ko-KR" sz="1200" dirty="0" smtClean="0"/>
+              <a:rPr lang="en-US" altLang="ko-KR" sz="1200" smtClean="0"/>
               <a:t>detail </a:t>
             </a:r>
             <a:r>
-              <a:rPr lang="ko-KR" altLang="en-US" sz="1200" dirty="0" smtClean="0"/>
+              <a:rPr lang="ko-KR" altLang="en-US" sz="1200" smtClean="0"/>
               <a:t>페이지로 </a:t>
             </a:r>
             <a:r>
-              <a:rPr lang="en-US" altLang="ko-KR" sz="1200" dirty="0"/>
+              <a:rPr lang="en-US" altLang="ko-KR" sz="1200"/>
               <a:t> </a:t>
             </a:r>
             <a:r>
-              <a:rPr lang="en-US" altLang="ko-KR" sz="1200" dirty="0" smtClean="0"/>
+              <a:rPr lang="en-US" altLang="ko-KR" sz="1200" smtClean="0"/>
               <a:t>                     </a:t>
             </a:r>
           </a:p>
           <a:p>
             <a:r>
-              <a:rPr lang="en-US" altLang="ko-KR" sz="1200" dirty="0"/>
+              <a:rPr lang="en-US" altLang="ko-KR" sz="1200"/>
               <a:t> </a:t>
             </a:r>
             <a:r>
-              <a:rPr lang="en-US" altLang="ko-KR" sz="1200" dirty="0" smtClean="0"/>
+              <a:rPr lang="en-US" altLang="ko-KR" sz="1200" smtClean="0"/>
               <a:t>           redirect</a:t>
             </a:r>
             <a:r>
-              <a:rPr lang="ko-KR" altLang="en-US" sz="1200" dirty="0" smtClean="0"/>
+              <a:rPr lang="ko-KR" altLang="en-US" sz="1200" smtClean="0"/>
               <a:t>한다</a:t>
             </a:r>
             <a:r>
-              <a:rPr lang="en-US" altLang="ko-KR" sz="1200" dirty="0" smtClean="0"/>
+              <a:rPr lang="en-US" altLang="ko-KR" sz="1200" smtClean="0"/>
               <a:t>.</a:t>
             </a:r>
           </a:p>
           <a:p>
             <a:r>
-              <a:rPr lang="en-US" altLang="ko-KR" sz="1200" dirty="0" smtClean="0"/>
+              <a:rPr lang="en-US" altLang="ko-KR" sz="1200" smtClean="0"/>
               <a:t>64 Line : POST </a:t>
             </a:r>
             <a:r>
-              <a:rPr lang="ko-KR" altLang="en-US" sz="1200" dirty="0" smtClean="0"/>
+              <a:rPr lang="ko-KR" altLang="en-US" sz="1200" smtClean="0"/>
               <a:t>요청이 아닐 경우 </a:t>
             </a:r>
             <a:r>
-              <a:rPr lang="en-US" altLang="ko-KR" sz="1200" dirty="0" smtClean="0"/>
+              <a:rPr lang="en-US" altLang="ko-KR" sz="1200" smtClean="0"/>
               <a:t>review create </a:t>
             </a:r>
             <a:r>
-              <a:rPr lang="ko-KR" altLang="en-US" sz="1200" dirty="0" smtClean="0"/>
+              <a:rPr lang="ko-KR" altLang="en-US" sz="1200" smtClean="0"/>
               <a:t>페이지를 불러와야 하며</a:t>
             </a:r>
             <a:r>
-              <a:rPr lang="en-US" altLang="ko-KR" sz="1200" dirty="0" smtClean="0"/>
+              <a:rPr lang="en-US" altLang="ko-KR" sz="1200" smtClean="0"/>
               <a:t>, </a:t>
             </a:r>
             <a:br>
-              <a:rPr lang="en-US" altLang="ko-KR" sz="1200" dirty="0" smtClean="0"/>
+              <a:rPr lang="en-US" altLang="ko-KR" sz="1200" smtClean="0"/>
             </a:br>
             <a:r>
-              <a:rPr lang="en-US" altLang="ko-KR" sz="1200" dirty="0" smtClean="0"/>
+              <a:rPr lang="en-US" altLang="ko-KR" sz="1200" smtClean="0"/>
               <a:t>            </a:t>
             </a:r>
             <a:r>
-              <a:rPr lang="en-US" altLang="ko-KR" sz="1200" dirty="0" err="1" smtClean="0"/>
+              <a:rPr lang="en-US" altLang="ko-KR" sz="1200" err="1" smtClean="0"/>
               <a:t>ReviewForm</a:t>
             </a:r>
             <a:r>
-              <a:rPr lang="en-US" altLang="ko-KR" sz="1200" dirty="0" smtClean="0"/>
+              <a:rPr lang="en-US" altLang="ko-KR" sz="1200" smtClean="0"/>
               <a:t> </a:t>
             </a:r>
             <a:r>
-              <a:rPr lang="ko-KR" altLang="en-US" sz="1200" dirty="0" smtClean="0"/>
+              <a:rPr lang="ko-KR" altLang="en-US" sz="1200" smtClean="0"/>
               <a:t>객체를 반환하여 </a:t>
             </a:r>
             <a:r>
-              <a:rPr lang="en-US" altLang="ko-KR" sz="1200" dirty="0" smtClean="0"/>
+              <a:rPr lang="en-US" altLang="ko-KR" sz="1200" smtClean="0"/>
               <a:t>create</a:t>
             </a:r>
             <a:r>
-              <a:rPr lang="ko-KR" altLang="en-US" sz="1200" dirty="0" smtClean="0"/>
+              <a:rPr lang="ko-KR" altLang="en-US" sz="1200" smtClean="0"/>
               <a:t>페이지에 </a:t>
             </a:r>
             <a:r>
-              <a:rPr lang="en-US" altLang="ko-KR" sz="1200" dirty="0" smtClean="0"/>
+              <a:rPr lang="en-US" altLang="ko-KR" sz="1200" smtClean="0"/>
               <a:t>Form </a:t>
             </a:r>
             <a:r>
-              <a:rPr lang="ko-KR" altLang="en-US" sz="1200" dirty="0" smtClean="0"/>
+              <a:rPr lang="ko-KR" altLang="en-US" sz="1200" smtClean="0"/>
               <a:t>태그를 동적으로 </a:t>
             </a:r>
             <a:r>
-              <a:rPr lang="en-US" altLang="ko-KR" sz="1200" dirty="0" smtClean="0"/>
+              <a:rPr lang="en-US" altLang="ko-KR" sz="1200" smtClean="0"/>
               <a:t/>
             </a:r>
             <a:br>
-              <a:rPr lang="en-US" altLang="ko-KR" sz="1200" dirty="0" smtClean="0"/>
+              <a:rPr lang="en-US" altLang="ko-KR" sz="1200" smtClean="0"/>
             </a:br>
             <a:r>
-              <a:rPr lang="en-US" altLang="ko-KR" sz="1200" dirty="0" smtClean="0"/>
+              <a:rPr lang="en-US" altLang="ko-KR" sz="1200" smtClean="0"/>
               <a:t>            </a:t>
             </a:r>
             <a:r>
-              <a:rPr lang="ko-KR" altLang="en-US" sz="1200" dirty="0" smtClean="0"/>
+              <a:rPr lang="ko-KR" altLang="en-US" sz="1200" smtClean="0"/>
               <a:t>그려지도록 구성해야 한다</a:t>
             </a:r>
             <a:r>
-              <a:rPr lang="en-US" altLang="ko-KR" sz="1200" dirty="0" smtClean="0"/>
+              <a:rPr lang="en-US" altLang="ko-KR" sz="1200" smtClean="0"/>
               <a:t>. </a:t>
             </a:r>
             <a:br>
-              <a:rPr lang="en-US" altLang="ko-KR" sz="1200" dirty="0" smtClean="0"/>
+              <a:rPr lang="en-US" altLang="ko-KR" sz="1200" smtClean="0"/>
             </a:br>
             <a:r>
-              <a:rPr lang="en-US" altLang="ko-KR" sz="1200" dirty="0" smtClean="0"/>
+              <a:rPr lang="en-US" altLang="ko-KR" sz="1200" smtClean="0"/>
               <a:t>            </a:t>
             </a:r>
             <a:r>
-              <a:rPr lang="ko-KR" altLang="en-US" sz="1200" dirty="0" smtClean="0"/>
+              <a:rPr lang="ko-KR" altLang="en-US" sz="1200" smtClean="0"/>
               <a:t>여기서 중요점은</a:t>
             </a:r>
             <a:r>
-              <a:rPr lang="en-US" altLang="ko-KR" sz="1200" dirty="0" smtClean="0"/>
+              <a:rPr lang="en-US" altLang="ko-KR" sz="1200" smtClean="0"/>
               <a:t>. </a:t>
             </a:r>
             <a:r>
-              <a:rPr lang="en-US" altLang="ko-KR" sz="1200" dirty="0" err="1" smtClean="0"/>
+              <a:rPr lang="en-US" altLang="ko-KR" sz="1200" err="1" smtClean="0"/>
               <a:t>ReviewForm</a:t>
             </a:r>
             <a:r>
-              <a:rPr lang="en-US" altLang="ko-KR" sz="1200" dirty="0" smtClean="0"/>
+              <a:rPr lang="en-US" altLang="ko-KR" sz="1200" smtClean="0"/>
               <a:t> </a:t>
             </a:r>
             <a:r>
-              <a:rPr lang="ko-KR" altLang="en-US" sz="1200" dirty="0" smtClean="0"/>
+              <a:rPr lang="ko-KR" altLang="en-US" sz="1200" smtClean="0"/>
               <a:t>초기화 시 </a:t>
             </a:r>
             <a:r>
-              <a:rPr lang="ko-KR" altLang="en-US" sz="1200" dirty="0" err="1" smtClean="0"/>
+              <a:rPr lang="ko-KR" altLang="en-US" sz="1200" err="1" smtClean="0"/>
               <a:t>외래키로</a:t>
             </a:r>
             <a:r>
-              <a:rPr lang="ko-KR" altLang="en-US" sz="1200" dirty="0" smtClean="0"/>
+              <a:rPr lang="ko-KR" altLang="en-US" sz="1200" smtClean="0"/>
               <a:t> 연결된 개체를 </a:t>
             </a:r>
             <a:r>
@@ -5328,37 +5330,33 @@
             </a:r>
             <a:r>
               <a:rPr lang="ko-KR" altLang="en-US" sz="1200" smtClean="0"/>
-              <a:t>알 수 </a:t>
-            </a:r>
-            <a:r>
-              <a:rPr lang="ko-KR" altLang="en-US" sz="1200" dirty="0" smtClean="0"/>
-              <a:t>있도록 </a:t>
-            </a:r>
-            <a:r>
-              <a:rPr lang="en-US" altLang="ko-KR" sz="1200" dirty="0" smtClean="0"/>
+              <a:t>알 수 있도록 </a:t>
+            </a:r>
+            <a:r>
+              <a:rPr lang="en-US" altLang="ko-KR" sz="1200" smtClean="0"/>
               <a:t>Restaurant </a:t>
             </a:r>
             <a:r>
-              <a:rPr lang="ko-KR" altLang="en-US" sz="1200" dirty="0" smtClean="0"/>
+              <a:rPr lang="ko-KR" altLang="en-US" sz="1200" smtClean="0"/>
               <a:t>객체를 </a:t>
             </a:r>
             <a:r>
-              <a:rPr lang="en-US" altLang="ko-KR" sz="1200" dirty="0" smtClean="0"/>
+              <a:rPr lang="en-US" altLang="ko-KR" sz="1200" smtClean="0"/>
               <a:t>initial </a:t>
             </a:r>
             <a:r>
-              <a:rPr lang="ko-KR" altLang="en-US" sz="1200" dirty="0" smtClean="0"/>
+              <a:rPr lang="ko-KR" altLang="en-US" sz="1200" smtClean="0"/>
               <a:t>에 넣어주어야 한다는 것이다</a:t>
             </a:r>
             <a:r>
-              <a:rPr lang="en-US" altLang="ko-KR" sz="1200" dirty="0" smtClean="0"/>
+              <a:rPr lang="en-US" altLang="ko-KR" sz="1200" smtClean="0"/>
               <a:t>.</a:t>
             </a:r>
             <a:r>
-              <a:rPr lang="ko-KR" altLang="en-US" sz="1200" dirty="0" smtClean="0"/>
+              <a:rPr lang="ko-KR" altLang="en-US" sz="1200" smtClean="0"/>
               <a:t> </a:t>
             </a:r>
-            <a:endParaRPr lang="ko-KR" altLang="en-US" sz="1200" dirty="0"/>
+            <a:endParaRPr lang="ko-KR" altLang="en-US" sz="1200"/>
           </a:p>
         </p:txBody>
       </p:sp>
@@ -5366,6 +5364,1354 @@
     <p:extLst>
       <p:ext uri="{BB962C8B-B14F-4D97-AF65-F5344CB8AC3E}">
         <p14:creationId xmlns:p14="http://schemas.microsoft.com/office/powerpoint/2010/main" val="3291747487"/>
+      </p:ext>
+    </p:extLst>
+  </p:cSld>
+  <p:clrMapOvr>
+    <a:masterClrMapping/>
+  </p:clrMapOvr>
+</p:sld>
+</file>
+
+<file path=ppt/slides/slide6.xml><?xml version="1.0" encoding="utf-8"?>
+<p:sld xmlns:a="http://schemas.openxmlformats.org/drawingml/2006/main" xmlns:r="http://schemas.openxmlformats.org/officeDocument/2006/relationships" xmlns:p="http://schemas.openxmlformats.org/presentationml/2006/main">
+  <p:cSld>
+    <p:spTree>
+      <p:nvGrpSpPr>
+        <p:cNvPr id="1" name=""/>
+        <p:cNvGrpSpPr/>
+        <p:nvPr/>
+      </p:nvGrpSpPr>
+      <p:grpSpPr>
+        <a:xfrm>
+          <a:off x="0" y="0"/>
+          <a:ext cx="0" cy="0"/>
+          <a:chOff x="0" y="0"/>
+          <a:chExt cx="0" cy="0"/>
+        </a:xfrm>
+      </p:grpSpPr>
+      <p:sp>
+        <p:nvSpPr>
+          <p:cNvPr id="2" name="직사각형 1"/>
+          <p:cNvSpPr/>
+          <p:nvPr/>
+        </p:nvSpPr>
+        <p:spPr>
+          <a:xfrm>
+            <a:off x="230031" y="231504"/>
+            <a:ext cx="2454518" cy="369332"/>
+          </a:xfrm>
+          <a:prstGeom prst="rect">
+            <a:avLst/>
+          </a:prstGeom>
+        </p:spPr>
+        <p:txBody>
+          <a:bodyPr wrap="none">
+            <a:spAutoFit/>
+          </a:bodyPr>
+          <a:lstStyle/>
+          <a:p>
+            <a:r>
+              <a:rPr lang="en-US" altLang="ko-KR"/>
+              <a:t>4</a:t>
+            </a:r>
+            <a:r>
+              <a:rPr lang="en-US" altLang="ko-KR" smtClean="0"/>
+              <a:t>. </a:t>
+            </a:r>
+            <a:r>
+              <a:rPr lang="ko-KR" altLang="en-US" smtClean="0"/>
+              <a:t>리뷰 삭제 구현하기</a:t>
+            </a:r>
+            <a:endParaRPr lang="en-US" altLang="ko-KR" smtClean="0"/>
+          </a:p>
+        </p:txBody>
+      </p:sp>
+      <p:sp>
+        <p:nvSpPr>
+          <p:cNvPr id="3" name="TextBox 2"/>
+          <p:cNvSpPr txBox="1"/>
+          <p:nvPr/>
+        </p:nvSpPr>
+        <p:spPr>
+          <a:xfrm>
+            <a:off x="191233" y="636005"/>
+            <a:ext cx="5904767" cy="276999"/>
+          </a:xfrm>
+          <a:prstGeom prst="rect">
+            <a:avLst/>
+          </a:prstGeom>
+          <a:noFill/>
+        </p:spPr>
+        <p:txBody>
+          <a:bodyPr wrap="square" rtlCol="0">
+            <a:spAutoFit/>
+          </a:bodyPr>
+          <a:lstStyle/>
+          <a:p>
+            <a:r>
+              <a:rPr lang="en-US" altLang="ko-KR" sz="1200" smtClean="0"/>
+              <a:t>※ 1. </a:t>
+            </a:r>
+            <a:r>
+              <a:rPr lang="ko-KR" altLang="en-US" sz="1200" smtClean="0"/>
+              <a:t>리뷰 삭제 </a:t>
+            </a:r>
+            <a:r>
+              <a:rPr lang="ko-KR" altLang="en-US" sz="1200" err="1" smtClean="0"/>
+              <a:t>메소드</a:t>
+            </a:r>
+            <a:r>
+              <a:rPr lang="ko-KR" altLang="en-US" sz="1200" smtClean="0"/>
+              <a:t> 작성하기</a:t>
+            </a:r>
+            <a:r>
+              <a:rPr lang="en-US" altLang="ko-KR" sz="1200" smtClean="0"/>
+              <a:t>.</a:t>
+            </a:r>
+          </a:p>
+        </p:txBody>
+      </p:sp>
+      <p:pic>
+        <p:nvPicPr>
+          <p:cNvPr id="4" name="그림 3"/>
+          <p:cNvPicPr>
+            <a:picLocks noChangeAspect="1"/>
+          </p:cNvPicPr>
+          <p:nvPr/>
+        </p:nvPicPr>
+        <p:blipFill>
+          <a:blip r:embed="rId2"/>
+          <a:stretch>
+            <a:fillRect/>
+          </a:stretch>
+        </p:blipFill>
+        <p:spPr>
+          <a:xfrm>
+            <a:off x="191233" y="948173"/>
+            <a:ext cx="4148156" cy="643545"/>
+          </a:xfrm>
+          <a:prstGeom prst="rect">
+            <a:avLst/>
+          </a:prstGeom>
+        </p:spPr>
+      </p:pic>
+      <p:sp>
+        <p:nvSpPr>
+          <p:cNvPr id="5" name="TextBox 4"/>
+          <p:cNvSpPr txBox="1"/>
+          <p:nvPr/>
+        </p:nvSpPr>
+        <p:spPr>
+          <a:xfrm>
+            <a:off x="191233" y="1591718"/>
+            <a:ext cx="3402199" cy="246221"/>
+          </a:xfrm>
+          <a:prstGeom prst="rect">
+            <a:avLst/>
+          </a:prstGeom>
+          <a:noFill/>
+        </p:spPr>
+        <p:txBody>
+          <a:bodyPr wrap="square" rtlCol="0">
+            <a:spAutoFit/>
+          </a:bodyPr>
+          <a:lstStyle/>
+          <a:p>
+            <a:r>
+              <a:rPr lang="en-US" altLang="ko-KR" sz="1000" smtClean="0"/>
+              <a:t>third/views.py</a:t>
+            </a:r>
+            <a:endParaRPr lang="ko-KR" altLang="en-US" sz="1000"/>
+          </a:p>
+        </p:txBody>
+      </p:sp>
+      <p:sp>
+        <p:nvSpPr>
+          <p:cNvPr id="6" name="TextBox 5"/>
+          <p:cNvSpPr txBox="1"/>
+          <p:nvPr/>
+        </p:nvSpPr>
+        <p:spPr>
+          <a:xfrm>
+            <a:off x="4467726" y="948173"/>
+            <a:ext cx="5141495" cy="1015663"/>
+          </a:xfrm>
+          <a:prstGeom prst="rect">
+            <a:avLst/>
+          </a:prstGeom>
+          <a:noFill/>
+        </p:spPr>
+        <p:txBody>
+          <a:bodyPr wrap="square" rtlCol="0">
+            <a:spAutoFit/>
+          </a:bodyPr>
+          <a:lstStyle/>
+          <a:p>
+            <a:pPr marL="228600" indent="-228600">
+              <a:buAutoNum type="arabicPeriod"/>
+            </a:pPr>
+            <a:r>
+              <a:rPr lang="en-US" altLang="ko-KR" sz="1000" smtClean="0"/>
+              <a:t>68L </a:t>
+            </a:r>
+            <a:r>
+              <a:rPr lang="en-US" altLang="ko-KR" sz="1000" smtClean="0">
+                <a:sym typeface="Wingdings" panose="05000000000000000000" pitchFamily="2" charset="2"/>
+              </a:rPr>
+              <a:t> path parameter</a:t>
+            </a:r>
+            <a:r>
+              <a:rPr lang="ko-KR" altLang="en-US" sz="1000" smtClean="0">
+                <a:sym typeface="Wingdings" panose="05000000000000000000" pitchFamily="2" charset="2"/>
+              </a:rPr>
+              <a:t>로 전달받은 </a:t>
+            </a:r>
+            <a:r>
+              <a:rPr lang="en-US" altLang="ko-KR" sz="1000" smtClean="0">
+                <a:sym typeface="Wingdings" panose="05000000000000000000" pitchFamily="2" charset="2"/>
+              </a:rPr>
+              <a:t>review_id </a:t>
+            </a:r>
+            <a:r>
+              <a:rPr lang="ko-KR" altLang="en-US" sz="1000" smtClean="0">
+                <a:sym typeface="Wingdings" panose="05000000000000000000" pitchFamily="2" charset="2"/>
+              </a:rPr>
+              <a:t>값을 이용하여</a:t>
+            </a:r>
+            <a:r>
+              <a:rPr lang="en-US" altLang="ko-KR" sz="1000" smtClean="0">
+                <a:sym typeface="Wingdings" panose="05000000000000000000" pitchFamily="2" charset="2"/>
+              </a:rPr>
+              <a:t>, review Object</a:t>
+            </a:r>
+            <a:r>
+              <a:rPr lang="ko-KR" altLang="en-US" sz="1000" smtClean="0">
+                <a:sym typeface="Wingdings" panose="05000000000000000000" pitchFamily="2" charset="2"/>
+              </a:rPr>
+              <a:t>를 가져온다</a:t>
+            </a:r>
+            <a:r>
+              <a:rPr lang="en-US" altLang="ko-KR" sz="1000" smtClean="0">
+                <a:sym typeface="Wingdings" panose="05000000000000000000" pitchFamily="2" charset="2"/>
+              </a:rPr>
+              <a:t>.</a:t>
+            </a:r>
+          </a:p>
+          <a:p>
+            <a:pPr marL="228600" indent="-228600">
+              <a:buAutoNum type="arabicPeriod"/>
+            </a:pPr>
+            <a:r>
+              <a:rPr lang="ko-KR" altLang="en-US" sz="1000" smtClean="0"/>
+              <a:t>해당 객체를 삭제한다</a:t>
+            </a:r>
+            <a:r>
+              <a:rPr lang="en-US" altLang="ko-KR" sz="1000" smtClean="0"/>
+              <a:t>.</a:t>
+            </a:r>
+          </a:p>
+          <a:p>
+            <a:pPr marL="228600" indent="-228600">
+              <a:buAutoNum type="arabicPeriod"/>
+            </a:pPr>
+            <a:r>
+              <a:rPr lang="ko-KR" altLang="en-US" sz="1000" smtClean="0"/>
+              <a:t>삭제가 완료되었음으로 리뷰를 확인할 수 있는 레스토랑 상세페이지로 리다이렉트 하며</a:t>
+            </a:r>
+            <a:r>
+              <a:rPr lang="en-US" altLang="ko-KR" sz="1000" smtClean="0"/>
+              <a:t>, path paramete</a:t>
+            </a:r>
+            <a:r>
+              <a:rPr lang="ko-KR" altLang="en-US" sz="1000" smtClean="0"/>
+              <a:t>로 전달 받은 </a:t>
+            </a:r>
+            <a:r>
+              <a:rPr lang="en-US" altLang="ko-KR" sz="1000" smtClean="0"/>
+              <a:t>restaurant_id </a:t>
+            </a:r>
+            <a:r>
+              <a:rPr lang="ko-KR" altLang="en-US" sz="1000" smtClean="0"/>
+              <a:t>값을 </a:t>
+            </a:r>
+            <a:r>
+              <a:rPr lang="en-US" altLang="ko-KR" sz="1000" smtClean="0"/>
+              <a:t>redict page</a:t>
+            </a:r>
+            <a:r>
+              <a:rPr lang="ko-KR" altLang="en-US" sz="1000" smtClean="0"/>
+              <a:t>의 </a:t>
+            </a:r>
+            <a:r>
+              <a:rPr lang="en-US" altLang="ko-KR" sz="1000" smtClean="0"/>
+              <a:t>path parameter</a:t>
+            </a:r>
+            <a:r>
+              <a:rPr lang="ko-KR" altLang="en-US" sz="1000" smtClean="0"/>
+              <a:t>로 던져준다</a:t>
+            </a:r>
+            <a:r>
+              <a:rPr lang="en-US" altLang="ko-KR" sz="1000" smtClean="0"/>
+              <a:t>.</a:t>
+            </a:r>
+            <a:endParaRPr lang="ko-KR" altLang="en-US" sz="1000"/>
+          </a:p>
+        </p:txBody>
+      </p:sp>
+      <p:sp>
+        <p:nvSpPr>
+          <p:cNvPr id="7" name="TextBox 6"/>
+          <p:cNvSpPr txBox="1"/>
+          <p:nvPr/>
+        </p:nvSpPr>
+        <p:spPr>
+          <a:xfrm>
+            <a:off x="230031" y="2096763"/>
+            <a:ext cx="5904767" cy="276999"/>
+          </a:xfrm>
+          <a:prstGeom prst="rect">
+            <a:avLst/>
+          </a:prstGeom>
+          <a:noFill/>
+        </p:spPr>
+        <p:txBody>
+          <a:bodyPr wrap="square" rtlCol="0">
+            <a:spAutoFit/>
+          </a:bodyPr>
+          <a:lstStyle/>
+          <a:p>
+            <a:r>
+              <a:rPr lang="en-US" altLang="ko-KR" sz="1200" smtClean="0"/>
+              <a:t>※ </a:t>
+            </a:r>
+            <a:r>
+              <a:rPr lang="en-US" altLang="ko-KR" sz="1200" smtClean="0"/>
+              <a:t>2. </a:t>
+            </a:r>
+            <a:r>
+              <a:rPr lang="ko-KR" altLang="en-US" sz="1200" smtClean="0"/>
+              <a:t>리뷰 삭제 </a:t>
+            </a:r>
+            <a:r>
+              <a:rPr lang="en-US" altLang="ko-KR" sz="1200" smtClean="0"/>
+              <a:t>url </a:t>
+            </a:r>
+            <a:r>
+              <a:rPr lang="ko-KR" altLang="en-US" sz="1200" smtClean="0"/>
+              <a:t>추가</a:t>
+            </a:r>
+            <a:endParaRPr lang="en-US" altLang="ko-KR" sz="1200" smtClean="0"/>
+          </a:p>
+        </p:txBody>
+      </p:sp>
+      <p:pic>
+        <p:nvPicPr>
+          <p:cNvPr id="8" name="그림 7"/>
+          <p:cNvPicPr>
+            <a:picLocks noChangeAspect="1"/>
+          </p:cNvPicPr>
+          <p:nvPr/>
+        </p:nvPicPr>
+        <p:blipFill>
+          <a:blip r:embed="rId3"/>
+          <a:stretch>
+            <a:fillRect/>
+          </a:stretch>
+        </p:blipFill>
+        <p:spPr>
+          <a:xfrm>
+            <a:off x="120172" y="2373761"/>
+            <a:ext cx="5987002" cy="1364049"/>
+          </a:xfrm>
+          <a:prstGeom prst="rect">
+            <a:avLst/>
+          </a:prstGeom>
+        </p:spPr>
+      </p:pic>
+      <p:sp>
+        <p:nvSpPr>
+          <p:cNvPr id="9" name="직사각형 8"/>
+          <p:cNvSpPr/>
+          <p:nvPr/>
+        </p:nvSpPr>
+        <p:spPr>
+          <a:xfrm>
+            <a:off x="569495" y="3344779"/>
+            <a:ext cx="5446294" cy="152400"/>
+          </a:xfrm>
+          <a:prstGeom prst="rect">
+            <a:avLst/>
+          </a:prstGeom>
+          <a:noFill/>
+          <a:ln>
+            <a:solidFill>
+              <a:srgbClr val="FF0000"/>
+            </a:solidFill>
+          </a:ln>
+        </p:spPr>
+        <p:style>
+          <a:lnRef idx="2">
+            <a:schemeClr val="accent1">
+              <a:shade val="50000"/>
+            </a:schemeClr>
+          </a:lnRef>
+          <a:fillRef idx="1">
+            <a:schemeClr val="accent1"/>
+          </a:fillRef>
+          <a:effectRef idx="0">
+            <a:schemeClr val="accent1"/>
+          </a:effectRef>
+          <a:fontRef idx="minor">
+            <a:schemeClr val="lt1"/>
+          </a:fontRef>
+        </p:style>
+        <p:txBody>
+          <a:bodyPr rtlCol="0" anchor="ctr"/>
+          <a:lstStyle/>
+          <a:p>
+            <a:pPr algn="ctr"/>
+            <a:endParaRPr lang="ko-KR" altLang="en-US"/>
+          </a:p>
+        </p:txBody>
+      </p:sp>
+      <p:sp>
+        <p:nvSpPr>
+          <p:cNvPr id="10" name="TextBox 9"/>
+          <p:cNvSpPr txBox="1"/>
+          <p:nvPr/>
+        </p:nvSpPr>
+        <p:spPr>
+          <a:xfrm>
+            <a:off x="191232" y="3834519"/>
+            <a:ext cx="5904767" cy="276999"/>
+          </a:xfrm>
+          <a:prstGeom prst="rect">
+            <a:avLst/>
+          </a:prstGeom>
+          <a:noFill/>
+        </p:spPr>
+        <p:txBody>
+          <a:bodyPr wrap="square" rtlCol="0">
+            <a:spAutoFit/>
+          </a:bodyPr>
+          <a:lstStyle/>
+          <a:p>
+            <a:r>
+              <a:rPr lang="en-US" altLang="ko-KR" sz="1200" smtClean="0"/>
+              <a:t>※ </a:t>
+            </a:r>
+            <a:r>
+              <a:rPr lang="en-US" altLang="ko-KR" sz="1200"/>
+              <a:t>3</a:t>
+            </a:r>
+            <a:r>
+              <a:rPr lang="en-US" altLang="ko-KR" sz="1200" smtClean="0"/>
+              <a:t>. </a:t>
+            </a:r>
+            <a:r>
+              <a:rPr lang="ko-KR" altLang="en-US" sz="1200" smtClean="0"/>
+              <a:t>조악하게 만든 </a:t>
+            </a:r>
+            <a:r>
+              <a:rPr lang="en-US" altLang="ko-KR" sz="1200" smtClean="0"/>
+              <a:t>detail.html </a:t>
+            </a:r>
+            <a:r>
+              <a:rPr lang="ko-KR" altLang="en-US" sz="1200" smtClean="0"/>
+              <a:t>의 </a:t>
+            </a:r>
+            <a:r>
+              <a:rPr lang="en-US" altLang="ko-KR" sz="1200" smtClean="0"/>
+              <a:t>review DIV </a:t>
+            </a:r>
+            <a:r>
+              <a:rPr lang="ko-KR" altLang="en-US" sz="1200" smtClean="0"/>
+              <a:t>수정</a:t>
+            </a:r>
+            <a:r>
+              <a:rPr lang="en-US" altLang="ko-KR" sz="1200" smtClean="0"/>
+              <a:t>.</a:t>
+            </a:r>
+            <a:endParaRPr lang="en-US" altLang="ko-KR" sz="1200" smtClean="0"/>
+          </a:p>
+        </p:txBody>
+      </p:sp>
+      <p:pic>
+        <p:nvPicPr>
+          <p:cNvPr id="11" name="그림 10"/>
+          <p:cNvPicPr>
+            <a:picLocks noChangeAspect="1"/>
+          </p:cNvPicPr>
+          <p:nvPr/>
+        </p:nvPicPr>
+        <p:blipFill>
+          <a:blip r:embed="rId4"/>
+          <a:stretch>
+            <a:fillRect/>
+          </a:stretch>
+        </p:blipFill>
+        <p:spPr>
+          <a:xfrm>
+            <a:off x="120172" y="4111518"/>
+            <a:ext cx="5197311" cy="2021516"/>
+          </a:xfrm>
+          <a:prstGeom prst="rect">
+            <a:avLst/>
+          </a:prstGeom>
+        </p:spPr>
+      </p:pic>
+      <p:sp>
+        <p:nvSpPr>
+          <p:cNvPr id="12" name="TextBox 11"/>
+          <p:cNvSpPr txBox="1"/>
+          <p:nvPr/>
+        </p:nvSpPr>
+        <p:spPr>
+          <a:xfrm>
+            <a:off x="5317483" y="4111518"/>
+            <a:ext cx="3529738" cy="246221"/>
+          </a:xfrm>
+          <a:prstGeom prst="rect">
+            <a:avLst/>
+          </a:prstGeom>
+          <a:noFill/>
+        </p:spPr>
+        <p:txBody>
+          <a:bodyPr wrap="square" rtlCol="0">
+            <a:spAutoFit/>
+          </a:bodyPr>
+          <a:lstStyle/>
+          <a:p>
+            <a:r>
+              <a:rPr lang="ko-KR" altLang="en-US" sz="1000" smtClean="0"/>
+              <a:t>부트스트랩</a:t>
+            </a:r>
+            <a:endParaRPr lang="ko-KR" altLang="en-US" sz="1000"/>
+          </a:p>
+        </p:txBody>
+      </p:sp>
+      <p:pic>
+        <p:nvPicPr>
+          <p:cNvPr id="13" name="그림 12"/>
+          <p:cNvPicPr>
+            <a:picLocks noChangeAspect="1"/>
+          </p:cNvPicPr>
+          <p:nvPr/>
+        </p:nvPicPr>
+        <p:blipFill>
+          <a:blip r:embed="rId5"/>
+          <a:stretch>
+            <a:fillRect/>
+          </a:stretch>
+        </p:blipFill>
+        <p:spPr>
+          <a:xfrm>
+            <a:off x="5374103" y="4357739"/>
+            <a:ext cx="5581751" cy="2049107"/>
+          </a:xfrm>
+          <a:prstGeom prst="rect">
+            <a:avLst/>
+          </a:prstGeom>
+        </p:spPr>
+      </p:pic>
+    </p:spTree>
+    <p:extLst>
+      <p:ext uri="{BB962C8B-B14F-4D97-AF65-F5344CB8AC3E}">
+        <p14:creationId xmlns:p14="http://schemas.microsoft.com/office/powerpoint/2010/main" val="4198130629"/>
+      </p:ext>
+    </p:extLst>
+  </p:cSld>
+  <p:clrMapOvr>
+    <a:masterClrMapping/>
+  </p:clrMapOvr>
+</p:sld>
+</file>
+
+<file path=ppt/slides/slide7.xml><?xml version="1.0" encoding="utf-8"?>
+<p:sld xmlns:a="http://schemas.openxmlformats.org/drawingml/2006/main" xmlns:r="http://schemas.openxmlformats.org/officeDocument/2006/relationships" xmlns:p="http://schemas.openxmlformats.org/presentationml/2006/main">
+  <p:cSld>
+    <p:spTree>
+      <p:nvGrpSpPr>
+        <p:cNvPr id="1" name=""/>
+        <p:cNvGrpSpPr/>
+        <p:nvPr/>
+      </p:nvGrpSpPr>
+      <p:grpSpPr>
+        <a:xfrm>
+          <a:off x="0" y="0"/>
+          <a:ext cx="0" cy="0"/>
+          <a:chOff x="0" y="0"/>
+          <a:chExt cx="0" cy="0"/>
+        </a:xfrm>
+      </p:grpSpPr>
+      <p:sp>
+        <p:nvSpPr>
+          <p:cNvPr id="2" name="직사각형 1"/>
+          <p:cNvSpPr/>
+          <p:nvPr/>
+        </p:nvSpPr>
+        <p:spPr>
+          <a:xfrm>
+            <a:off x="169937" y="225712"/>
+            <a:ext cx="1342034" cy="369332"/>
+          </a:xfrm>
+          <a:prstGeom prst="rect">
+            <a:avLst/>
+          </a:prstGeom>
+        </p:spPr>
+        <p:txBody>
+          <a:bodyPr wrap="none">
+            <a:spAutoFit/>
+          </a:bodyPr>
+          <a:lstStyle/>
+          <a:p>
+            <a:pPr marL="228600" indent="-228600">
+              <a:buAutoNum type="arabicPeriod" startAt="5"/>
+            </a:pPr>
+            <a:r>
+              <a:rPr lang="en-US" altLang="ko-KR"/>
+              <a:t>join </a:t>
+            </a:r>
+            <a:r>
+              <a:rPr lang="ko-KR" altLang="en-US"/>
+              <a:t>개요</a:t>
+            </a:r>
+            <a:endParaRPr lang="en-US" altLang="ko-KR"/>
+          </a:p>
+        </p:txBody>
+      </p:sp>
+      <p:sp>
+        <p:nvSpPr>
+          <p:cNvPr id="3" name="모서리가 둥근 직사각형 2"/>
+          <p:cNvSpPr/>
+          <p:nvPr/>
+        </p:nvSpPr>
+        <p:spPr>
+          <a:xfrm>
+            <a:off x="605928" y="1095913"/>
+            <a:ext cx="2038120" cy="407624"/>
+          </a:xfrm>
+          <a:prstGeom prst="roundRect">
+            <a:avLst/>
+          </a:prstGeom>
+        </p:spPr>
+        <p:style>
+          <a:lnRef idx="2">
+            <a:schemeClr val="accent1">
+              <a:shade val="50000"/>
+            </a:schemeClr>
+          </a:lnRef>
+          <a:fillRef idx="1">
+            <a:schemeClr val="accent1"/>
+          </a:fillRef>
+          <a:effectRef idx="0">
+            <a:schemeClr val="accent1"/>
+          </a:effectRef>
+          <a:fontRef idx="minor">
+            <a:schemeClr val="lt1"/>
+          </a:fontRef>
+        </p:style>
+        <p:txBody>
+          <a:bodyPr rtlCol="0" anchor="ctr"/>
+          <a:lstStyle/>
+          <a:p>
+            <a:pPr algn="ctr"/>
+            <a:r>
+              <a:rPr lang="ko-KR" altLang="en-US" smtClean="0"/>
+              <a:t>레스토랑 </a:t>
+            </a:r>
+            <a:r>
+              <a:rPr lang="en-US" altLang="ko-KR" smtClean="0"/>
+              <a:t>A</a:t>
+            </a:r>
+            <a:endParaRPr lang="ko-KR" altLang="en-US"/>
+          </a:p>
+        </p:txBody>
+      </p:sp>
+      <p:sp>
+        <p:nvSpPr>
+          <p:cNvPr id="4" name="모서리가 둥근 직사각형 3"/>
+          <p:cNvSpPr/>
+          <p:nvPr/>
+        </p:nvSpPr>
+        <p:spPr>
+          <a:xfrm>
+            <a:off x="615109" y="2930620"/>
+            <a:ext cx="2038120" cy="407624"/>
+          </a:xfrm>
+          <a:prstGeom prst="roundRect">
+            <a:avLst/>
+          </a:prstGeom>
+        </p:spPr>
+        <p:style>
+          <a:lnRef idx="2">
+            <a:schemeClr val="accent1">
+              <a:shade val="50000"/>
+            </a:schemeClr>
+          </a:lnRef>
+          <a:fillRef idx="1">
+            <a:schemeClr val="accent1"/>
+          </a:fillRef>
+          <a:effectRef idx="0">
+            <a:schemeClr val="accent1"/>
+          </a:effectRef>
+          <a:fontRef idx="minor">
+            <a:schemeClr val="lt1"/>
+          </a:fontRef>
+        </p:style>
+        <p:txBody>
+          <a:bodyPr rtlCol="0" anchor="ctr"/>
+          <a:lstStyle/>
+          <a:p>
+            <a:pPr algn="ctr"/>
+            <a:r>
+              <a:rPr lang="ko-KR" altLang="en-US" smtClean="0"/>
+              <a:t>레스토랑 </a:t>
+            </a:r>
+            <a:r>
+              <a:rPr lang="en-US" altLang="ko-KR"/>
+              <a:t>D</a:t>
+            </a:r>
+            <a:endParaRPr lang="ko-KR" altLang="en-US"/>
+          </a:p>
+        </p:txBody>
+      </p:sp>
+      <p:sp>
+        <p:nvSpPr>
+          <p:cNvPr id="5" name="모서리가 둥근 직사각형 4"/>
+          <p:cNvSpPr/>
+          <p:nvPr/>
+        </p:nvSpPr>
+        <p:spPr>
+          <a:xfrm>
+            <a:off x="605928" y="1707482"/>
+            <a:ext cx="2038120" cy="407624"/>
+          </a:xfrm>
+          <a:prstGeom prst="roundRect">
+            <a:avLst/>
+          </a:prstGeom>
+        </p:spPr>
+        <p:style>
+          <a:lnRef idx="2">
+            <a:schemeClr val="accent1">
+              <a:shade val="50000"/>
+            </a:schemeClr>
+          </a:lnRef>
+          <a:fillRef idx="1">
+            <a:schemeClr val="accent1"/>
+          </a:fillRef>
+          <a:effectRef idx="0">
+            <a:schemeClr val="accent1"/>
+          </a:effectRef>
+          <a:fontRef idx="minor">
+            <a:schemeClr val="lt1"/>
+          </a:fontRef>
+        </p:style>
+        <p:txBody>
+          <a:bodyPr rtlCol="0" anchor="ctr"/>
+          <a:lstStyle/>
+          <a:p>
+            <a:pPr algn="ctr"/>
+            <a:r>
+              <a:rPr lang="ko-KR" altLang="en-US" smtClean="0"/>
+              <a:t>레스토랑 </a:t>
+            </a:r>
+            <a:r>
+              <a:rPr lang="en-US" altLang="ko-KR"/>
+              <a:t>B</a:t>
+            </a:r>
+            <a:endParaRPr lang="ko-KR" altLang="en-US"/>
+          </a:p>
+        </p:txBody>
+      </p:sp>
+      <p:sp>
+        <p:nvSpPr>
+          <p:cNvPr id="6" name="모서리가 둥근 직사각형 5"/>
+          <p:cNvSpPr/>
+          <p:nvPr/>
+        </p:nvSpPr>
+        <p:spPr>
+          <a:xfrm>
+            <a:off x="615109" y="2319051"/>
+            <a:ext cx="2038120" cy="407624"/>
+          </a:xfrm>
+          <a:prstGeom prst="roundRect">
+            <a:avLst/>
+          </a:prstGeom>
+        </p:spPr>
+        <p:style>
+          <a:lnRef idx="2">
+            <a:schemeClr val="accent1">
+              <a:shade val="50000"/>
+            </a:schemeClr>
+          </a:lnRef>
+          <a:fillRef idx="1">
+            <a:schemeClr val="accent1"/>
+          </a:fillRef>
+          <a:effectRef idx="0">
+            <a:schemeClr val="accent1"/>
+          </a:effectRef>
+          <a:fontRef idx="minor">
+            <a:schemeClr val="lt1"/>
+          </a:fontRef>
+        </p:style>
+        <p:txBody>
+          <a:bodyPr rtlCol="0" anchor="ctr"/>
+          <a:lstStyle/>
+          <a:p>
+            <a:pPr algn="ctr"/>
+            <a:r>
+              <a:rPr lang="ko-KR" altLang="en-US" smtClean="0"/>
+              <a:t>레스토랑 </a:t>
+            </a:r>
+            <a:r>
+              <a:rPr lang="en-US" altLang="ko-KR"/>
+              <a:t>C</a:t>
+            </a:r>
+            <a:endParaRPr lang="ko-KR" altLang="en-US"/>
+          </a:p>
+        </p:txBody>
+      </p:sp>
+      <p:sp>
+        <p:nvSpPr>
+          <p:cNvPr id="7" name="모서리가 둥근 직사각형 6"/>
+          <p:cNvSpPr/>
+          <p:nvPr/>
+        </p:nvSpPr>
+        <p:spPr>
+          <a:xfrm>
+            <a:off x="3876102" y="1096312"/>
+            <a:ext cx="2038120" cy="407624"/>
+          </a:xfrm>
+          <a:prstGeom prst="roundRect">
+            <a:avLst/>
+          </a:prstGeom>
+        </p:spPr>
+        <p:style>
+          <a:lnRef idx="2">
+            <a:schemeClr val="accent1">
+              <a:shade val="50000"/>
+            </a:schemeClr>
+          </a:lnRef>
+          <a:fillRef idx="1">
+            <a:schemeClr val="accent1"/>
+          </a:fillRef>
+          <a:effectRef idx="0">
+            <a:schemeClr val="accent1"/>
+          </a:effectRef>
+          <a:fontRef idx="minor">
+            <a:schemeClr val="lt1"/>
+          </a:fontRef>
+        </p:style>
+        <p:txBody>
+          <a:bodyPr rtlCol="0" anchor="ctr"/>
+          <a:lstStyle/>
+          <a:p>
+            <a:pPr algn="ctr"/>
+            <a:r>
+              <a:rPr lang="ko-KR" altLang="en-US"/>
+              <a:t>리</a:t>
+            </a:r>
+            <a:r>
+              <a:rPr lang="ko-KR" altLang="en-US" smtClean="0"/>
+              <a:t>뷰 </a:t>
+            </a:r>
+            <a:r>
+              <a:rPr lang="en-US" altLang="ko-KR"/>
+              <a:t>a</a:t>
+            </a:r>
+            <a:endParaRPr lang="ko-KR" altLang="en-US"/>
+          </a:p>
+        </p:txBody>
+      </p:sp>
+      <p:sp>
+        <p:nvSpPr>
+          <p:cNvPr id="8" name="모서리가 둥근 직사각형 7"/>
+          <p:cNvSpPr/>
+          <p:nvPr/>
+        </p:nvSpPr>
+        <p:spPr>
+          <a:xfrm>
+            <a:off x="3876102" y="1723742"/>
+            <a:ext cx="2038120" cy="407624"/>
+          </a:xfrm>
+          <a:prstGeom prst="roundRect">
+            <a:avLst/>
+          </a:prstGeom>
+        </p:spPr>
+        <p:style>
+          <a:lnRef idx="2">
+            <a:schemeClr val="accent1">
+              <a:shade val="50000"/>
+            </a:schemeClr>
+          </a:lnRef>
+          <a:fillRef idx="1">
+            <a:schemeClr val="accent1"/>
+          </a:fillRef>
+          <a:effectRef idx="0">
+            <a:schemeClr val="accent1"/>
+          </a:effectRef>
+          <a:fontRef idx="minor">
+            <a:schemeClr val="lt1"/>
+          </a:fontRef>
+        </p:style>
+        <p:txBody>
+          <a:bodyPr rtlCol="0" anchor="ctr"/>
+          <a:lstStyle/>
+          <a:p>
+            <a:pPr algn="ctr"/>
+            <a:r>
+              <a:rPr lang="ko-KR" altLang="en-US" smtClean="0"/>
+              <a:t>리뷰 </a:t>
+            </a:r>
+            <a:r>
+              <a:rPr lang="en-US" altLang="ko-KR" smtClean="0"/>
+              <a:t>b</a:t>
+            </a:r>
+            <a:endParaRPr lang="ko-KR" altLang="en-US"/>
+          </a:p>
+        </p:txBody>
+      </p:sp>
+      <p:sp>
+        <p:nvSpPr>
+          <p:cNvPr id="9" name="모서리가 둥근 직사각형 8"/>
+          <p:cNvSpPr/>
+          <p:nvPr/>
+        </p:nvSpPr>
+        <p:spPr>
+          <a:xfrm>
+            <a:off x="3876102" y="2351172"/>
+            <a:ext cx="2038120" cy="407624"/>
+          </a:xfrm>
+          <a:prstGeom prst="roundRect">
+            <a:avLst/>
+          </a:prstGeom>
+        </p:spPr>
+        <p:style>
+          <a:lnRef idx="2">
+            <a:schemeClr val="accent1">
+              <a:shade val="50000"/>
+            </a:schemeClr>
+          </a:lnRef>
+          <a:fillRef idx="1">
+            <a:schemeClr val="accent1"/>
+          </a:fillRef>
+          <a:effectRef idx="0">
+            <a:schemeClr val="accent1"/>
+          </a:effectRef>
+          <a:fontRef idx="minor">
+            <a:schemeClr val="lt1"/>
+          </a:fontRef>
+        </p:style>
+        <p:txBody>
+          <a:bodyPr rtlCol="0" anchor="ctr"/>
+          <a:lstStyle/>
+          <a:p>
+            <a:pPr algn="ctr"/>
+            <a:r>
+              <a:rPr lang="ko-KR" altLang="en-US"/>
+              <a:t>리</a:t>
+            </a:r>
+            <a:r>
+              <a:rPr lang="ko-KR" altLang="en-US" smtClean="0"/>
+              <a:t>뷰 </a:t>
+            </a:r>
+            <a:r>
+              <a:rPr lang="en-US" altLang="ko-KR"/>
+              <a:t>c</a:t>
+            </a:r>
+            <a:endParaRPr lang="ko-KR" altLang="en-US"/>
+          </a:p>
+        </p:txBody>
+      </p:sp>
+      <p:sp>
+        <p:nvSpPr>
+          <p:cNvPr id="10" name="모서리가 둥근 직사각형 9"/>
+          <p:cNvSpPr/>
+          <p:nvPr/>
+        </p:nvSpPr>
+        <p:spPr>
+          <a:xfrm>
+            <a:off x="3876102" y="2978602"/>
+            <a:ext cx="2038120" cy="407624"/>
+          </a:xfrm>
+          <a:prstGeom prst="roundRect">
+            <a:avLst/>
+          </a:prstGeom>
+        </p:spPr>
+        <p:style>
+          <a:lnRef idx="2">
+            <a:schemeClr val="accent1">
+              <a:shade val="50000"/>
+            </a:schemeClr>
+          </a:lnRef>
+          <a:fillRef idx="1">
+            <a:schemeClr val="accent1"/>
+          </a:fillRef>
+          <a:effectRef idx="0">
+            <a:schemeClr val="accent1"/>
+          </a:effectRef>
+          <a:fontRef idx="minor">
+            <a:schemeClr val="lt1"/>
+          </a:fontRef>
+        </p:style>
+        <p:txBody>
+          <a:bodyPr rtlCol="0" anchor="ctr"/>
+          <a:lstStyle/>
+          <a:p>
+            <a:pPr algn="ctr"/>
+            <a:r>
+              <a:rPr lang="ko-KR" altLang="en-US"/>
+              <a:t>리</a:t>
+            </a:r>
+            <a:r>
+              <a:rPr lang="ko-KR" altLang="en-US" smtClean="0"/>
+              <a:t>뷰 </a:t>
+            </a:r>
+            <a:r>
+              <a:rPr lang="en-US" altLang="ko-KR" smtClean="0"/>
+              <a:t>d</a:t>
+            </a:r>
+            <a:endParaRPr lang="ko-KR" altLang="en-US"/>
+          </a:p>
+        </p:txBody>
+      </p:sp>
+      <p:cxnSp>
+        <p:nvCxnSpPr>
+          <p:cNvPr id="13" name="직선 화살표 연결선 12"/>
+          <p:cNvCxnSpPr/>
+          <p:nvPr/>
+        </p:nvCxnSpPr>
+        <p:spPr>
+          <a:xfrm>
+            <a:off x="2653229" y="1315786"/>
+            <a:ext cx="1232054" cy="399"/>
+          </a:xfrm>
+          <a:prstGeom prst="straightConnector1">
+            <a:avLst/>
+          </a:prstGeom>
+          <a:ln>
+            <a:tailEnd type="triangle"/>
+          </a:ln>
+        </p:spPr>
+        <p:style>
+          <a:lnRef idx="1">
+            <a:schemeClr val="accent1"/>
+          </a:lnRef>
+          <a:fillRef idx="0">
+            <a:schemeClr val="accent1"/>
+          </a:fillRef>
+          <a:effectRef idx="0">
+            <a:schemeClr val="accent1"/>
+          </a:effectRef>
+          <a:fontRef idx="minor">
+            <a:schemeClr val="tx1"/>
+          </a:fontRef>
+        </p:style>
+      </p:cxnSp>
+      <p:cxnSp>
+        <p:nvCxnSpPr>
+          <p:cNvPr id="14" name="직선 화살표 연결선 13"/>
+          <p:cNvCxnSpPr>
+            <a:stCxn id="3" idx="3"/>
+            <a:endCxn id="9" idx="1"/>
+          </p:cNvCxnSpPr>
+          <p:nvPr/>
+        </p:nvCxnSpPr>
+        <p:spPr>
+          <a:xfrm>
+            <a:off x="2644048" y="1299725"/>
+            <a:ext cx="1232054" cy="1255259"/>
+          </a:xfrm>
+          <a:prstGeom prst="straightConnector1">
+            <a:avLst/>
+          </a:prstGeom>
+          <a:ln>
+            <a:tailEnd type="triangle"/>
+          </a:ln>
+        </p:spPr>
+        <p:style>
+          <a:lnRef idx="1">
+            <a:schemeClr val="accent1"/>
+          </a:lnRef>
+          <a:fillRef idx="0">
+            <a:schemeClr val="accent1"/>
+          </a:fillRef>
+          <a:effectRef idx="0">
+            <a:schemeClr val="accent1"/>
+          </a:effectRef>
+          <a:fontRef idx="minor">
+            <a:schemeClr val="tx1"/>
+          </a:fontRef>
+        </p:style>
+      </p:cxnSp>
+      <p:cxnSp>
+        <p:nvCxnSpPr>
+          <p:cNvPr id="17" name="직선 화살표 연결선 16"/>
+          <p:cNvCxnSpPr>
+            <a:endCxn id="10" idx="1"/>
+          </p:cNvCxnSpPr>
+          <p:nvPr/>
+        </p:nvCxnSpPr>
+        <p:spPr>
+          <a:xfrm>
+            <a:off x="2732183" y="2571045"/>
+            <a:ext cx="1143919" cy="611369"/>
+          </a:xfrm>
+          <a:prstGeom prst="straightConnector1">
+            <a:avLst/>
+          </a:prstGeom>
+          <a:ln>
+            <a:tailEnd type="triangle"/>
+          </a:ln>
+        </p:spPr>
+        <p:style>
+          <a:lnRef idx="1">
+            <a:schemeClr val="accent1"/>
+          </a:lnRef>
+          <a:fillRef idx="0">
+            <a:schemeClr val="accent1"/>
+          </a:fillRef>
+          <a:effectRef idx="0">
+            <a:schemeClr val="accent1"/>
+          </a:effectRef>
+          <a:fontRef idx="minor">
+            <a:schemeClr val="tx1"/>
+          </a:fontRef>
+        </p:style>
+      </p:cxnSp>
+      <p:cxnSp>
+        <p:nvCxnSpPr>
+          <p:cNvPr id="19" name="직선 화살표 연결선 18"/>
+          <p:cNvCxnSpPr>
+            <a:endCxn id="8" idx="1"/>
+          </p:cNvCxnSpPr>
+          <p:nvPr/>
+        </p:nvCxnSpPr>
+        <p:spPr>
+          <a:xfrm flipV="1">
+            <a:off x="2644048" y="1927554"/>
+            <a:ext cx="1232054" cy="630414"/>
+          </a:xfrm>
+          <a:prstGeom prst="straightConnector1">
+            <a:avLst/>
+          </a:prstGeom>
+          <a:ln>
+            <a:tailEnd type="triangle"/>
+          </a:ln>
+        </p:spPr>
+        <p:style>
+          <a:lnRef idx="1">
+            <a:schemeClr val="accent1"/>
+          </a:lnRef>
+          <a:fillRef idx="0">
+            <a:schemeClr val="accent1"/>
+          </a:fillRef>
+          <a:effectRef idx="0">
+            <a:schemeClr val="accent1"/>
+          </a:effectRef>
+          <a:fontRef idx="minor">
+            <a:schemeClr val="tx1"/>
+          </a:fontRef>
+        </p:style>
+      </p:cxnSp>
+      <p:sp>
+        <p:nvSpPr>
+          <p:cNvPr id="23" name="TextBox 22"/>
+          <p:cNvSpPr txBox="1"/>
+          <p:nvPr/>
+        </p:nvSpPr>
+        <p:spPr>
+          <a:xfrm>
+            <a:off x="694063" y="3657600"/>
+            <a:ext cx="5220159" cy="1631216"/>
+          </a:xfrm>
+          <a:prstGeom prst="rect">
+            <a:avLst/>
+          </a:prstGeom>
+          <a:noFill/>
+        </p:spPr>
+        <p:txBody>
+          <a:bodyPr wrap="square" rtlCol="0">
+            <a:spAutoFit/>
+          </a:bodyPr>
+          <a:lstStyle/>
+          <a:p>
+            <a:r>
+              <a:rPr lang="ko-KR" altLang="en-US" sz="1000" smtClean="0"/>
+              <a:t>예를 들어 </a:t>
+            </a:r>
+            <a:r>
+              <a:rPr lang="en-US" altLang="ko-KR" sz="1000" smtClean="0"/>
+              <a:t>A</a:t>
+            </a:r>
+            <a:r>
+              <a:rPr lang="ko-KR" altLang="en-US" sz="1000" smtClean="0"/>
+              <a:t>라는 레스토랑과 관련된 </a:t>
+            </a:r>
+            <a:r>
+              <a:rPr lang="en-US" altLang="ko-KR" sz="1000" smtClean="0"/>
+              <a:t>a</a:t>
+            </a:r>
+            <a:r>
+              <a:rPr lang="ko-KR" altLang="en-US" sz="1000" smtClean="0"/>
+              <a:t>와 </a:t>
+            </a:r>
+            <a:r>
+              <a:rPr lang="en-US" altLang="ko-KR" sz="1000" smtClean="0"/>
+              <a:t>c</a:t>
+            </a:r>
+            <a:r>
+              <a:rPr lang="ko-KR" altLang="en-US" sz="1000" smtClean="0"/>
+              <a:t>를 가져오려면 어떡해 해야할까</a:t>
+            </a:r>
+            <a:r>
+              <a:rPr lang="en-US" altLang="ko-KR" sz="1000" smtClean="0"/>
+              <a:t>?</a:t>
+            </a:r>
+          </a:p>
+          <a:p>
+            <a:r>
+              <a:rPr lang="ko-KR" altLang="en-US" sz="1000" smtClean="0"/>
+              <a:t>현재까지의 배운내용으로는 </a:t>
+            </a:r>
+            <a:r>
+              <a:rPr lang="en-US" altLang="ko-KR" sz="1000" smtClean="0"/>
+              <a:t>(1) A</a:t>
+            </a:r>
+            <a:r>
+              <a:rPr lang="ko-KR" altLang="en-US" sz="1000" smtClean="0"/>
+              <a:t>에 관한 객체를 </a:t>
+            </a:r>
+            <a:r>
+              <a:rPr lang="en-US" altLang="ko-KR" sz="1000" smtClean="0"/>
+              <a:t>ORM</a:t>
+            </a:r>
+            <a:r>
+              <a:rPr lang="ko-KR" altLang="en-US" sz="1000" smtClean="0"/>
+              <a:t>을 통해 가져와서</a:t>
+            </a:r>
+            <a:endParaRPr lang="en-US" altLang="ko-KR" sz="1000" smtClean="0"/>
+          </a:p>
+          <a:p>
+            <a:r>
+              <a:rPr lang="en-US" altLang="ko-KR" sz="1000" smtClean="0"/>
+              <a:t>(2) </a:t>
+            </a:r>
+            <a:r>
+              <a:rPr lang="ko-KR" altLang="en-US" sz="1000" smtClean="0"/>
+              <a:t>해당 객체의 리뷰 </a:t>
+            </a:r>
+            <a:r>
+              <a:rPr lang="en-US" altLang="ko-KR" sz="1000" smtClean="0"/>
+              <a:t>id </a:t>
+            </a:r>
+            <a:r>
+              <a:rPr lang="ko-KR" altLang="en-US" sz="1000" smtClean="0"/>
+              <a:t>리스트에 해당하는 멤버 변수를 이용하여</a:t>
+            </a:r>
+            <a:endParaRPr lang="en-US" altLang="ko-KR" sz="1000" smtClean="0"/>
+          </a:p>
+          <a:p>
+            <a:r>
+              <a:rPr lang="en-US" altLang="ko-KR" sz="1000" smtClean="0"/>
+              <a:t>(3) </a:t>
+            </a:r>
+            <a:r>
+              <a:rPr lang="ko-KR" altLang="en-US" sz="1000" smtClean="0"/>
+              <a:t>해당 리스트의 아이템 값으로 각각의 리뷰를 조회해서 가져와야한다</a:t>
+            </a:r>
+            <a:r>
+              <a:rPr lang="en-US" altLang="ko-KR" sz="1000" smtClean="0"/>
+              <a:t>.</a:t>
+            </a:r>
+          </a:p>
+          <a:p>
+            <a:endParaRPr lang="en-US" altLang="ko-KR" sz="1000"/>
+          </a:p>
+          <a:p>
+            <a:r>
+              <a:rPr lang="ko-KR" altLang="en-US" sz="1000" smtClean="0"/>
+              <a:t>관련된 리뷰를 가지고 오는데 </a:t>
+            </a:r>
+            <a:r>
+              <a:rPr lang="en-US" altLang="ko-KR" sz="1000" smtClean="0"/>
+              <a:t>(1)~(3) </a:t>
+            </a:r>
+            <a:r>
+              <a:rPr lang="ko-KR" altLang="en-US" sz="1000" smtClean="0"/>
+              <a:t>까지의 많은 과정을 거쳐야하며 이는 매우 비효율 적이다</a:t>
+            </a:r>
+            <a:r>
+              <a:rPr lang="en-US" altLang="ko-KR" sz="1000" smtClean="0"/>
+              <a:t>.</a:t>
+            </a:r>
+          </a:p>
+          <a:p>
+            <a:endParaRPr lang="en-US" altLang="ko-KR" sz="1000"/>
+          </a:p>
+          <a:p>
+            <a:r>
+              <a:rPr lang="en-US" altLang="ko-KR" sz="1000" smtClean="0"/>
+              <a:t>Join</a:t>
+            </a:r>
+            <a:r>
+              <a:rPr lang="ko-KR" altLang="en-US" sz="1000" smtClean="0"/>
+              <a:t>은 이러한 과정없이 레스토랑 </a:t>
+            </a:r>
+            <a:r>
+              <a:rPr lang="en-US" altLang="ko-KR" sz="1000" smtClean="0"/>
+              <a:t>A</a:t>
+            </a:r>
+            <a:r>
+              <a:rPr lang="ko-KR" altLang="en-US" sz="1000" smtClean="0"/>
+              <a:t>의 정보와 함께 </a:t>
+            </a:r>
+            <a:r>
+              <a:rPr lang="en-US" altLang="ko-KR" sz="1000" smtClean="0"/>
+              <a:t>A</a:t>
+            </a:r>
+            <a:r>
+              <a:rPr lang="ko-KR" altLang="en-US" sz="1000" smtClean="0"/>
+              <a:t>에 관련된 리뷰정보들을 한꺼번에 검색하여 가져오도록 만들어준다</a:t>
+            </a:r>
+            <a:r>
+              <a:rPr lang="en-US" altLang="ko-KR" sz="1000" smtClean="0"/>
+              <a:t>.</a:t>
+            </a:r>
+            <a:endParaRPr lang="en-US" altLang="ko-KR" sz="1000"/>
+          </a:p>
+        </p:txBody>
+      </p:sp>
+      <p:pic>
+        <p:nvPicPr>
+          <p:cNvPr id="24" name="그림 23"/>
+          <p:cNvPicPr>
+            <a:picLocks noChangeAspect="1"/>
+          </p:cNvPicPr>
+          <p:nvPr/>
+        </p:nvPicPr>
+        <p:blipFill>
+          <a:blip r:embed="rId2"/>
+          <a:stretch>
+            <a:fillRect/>
+          </a:stretch>
+        </p:blipFill>
+        <p:spPr>
+          <a:xfrm>
+            <a:off x="6596044" y="432545"/>
+            <a:ext cx="3936081" cy="3250694"/>
+          </a:xfrm>
+          <a:prstGeom prst="rect">
+            <a:avLst/>
+          </a:prstGeom>
+        </p:spPr>
+      </p:pic>
+    </p:spTree>
+    <p:extLst>
+      <p:ext uri="{BB962C8B-B14F-4D97-AF65-F5344CB8AC3E}">
+        <p14:creationId xmlns:p14="http://schemas.microsoft.com/office/powerpoint/2010/main" val="723527414"/>
       </p:ext>
     </p:extLst>
   </p:cSld>

--- a/Django(입문)-inflearn/학습정리/7.Relation/Relation.pptx
+++ b/Django(입문)-inflearn/학습정리/7.Relation/Relation.pptx
@@ -12,6 +12,9 @@
     <p:sldId id="261" r:id="rId6"/>
     <p:sldId id="262" r:id="rId7"/>
     <p:sldId id="263" r:id="rId8"/>
+    <p:sldId id="264" r:id="rId9"/>
+    <p:sldId id="265" r:id="rId10"/>
+    <p:sldId id="266" r:id="rId11"/>
   </p:sldIdLst>
   <p:sldSz cx="12192000" cy="6858000"/>
   <p:notesSz cx="6858000" cy="9144000"/>
@@ -249,7 +252,7 @@
           <a:p>
             <a:fld id="{63FE3E3E-9492-43F3-97DE-20DFBB9B73CB}" type="datetimeFigureOut">
               <a:rPr lang="ko-KR" altLang="en-US" smtClean="0"/>
-              <a:t>2021-07-07</a:t>
+              <a:t>2021-07-08</a:t>
             </a:fld>
             <a:endParaRPr lang="ko-KR" altLang="en-US"/>
           </a:p>
@@ -419,7 +422,7 @@
           <a:p>
             <a:fld id="{63FE3E3E-9492-43F3-97DE-20DFBB9B73CB}" type="datetimeFigureOut">
               <a:rPr lang="ko-KR" altLang="en-US" smtClean="0"/>
-              <a:t>2021-07-07</a:t>
+              <a:t>2021-07-08</a:t>
             </a:fld>
             <a:endParaRPr lang="ko-KR" altLang="en-US"/>
           </a:p>
@@ -599,7 +602,7 @@
           <a:p>
             <a:fld id="{63FE3E3E-9492-43F3-97DE-20DFBB9B73CB}" type="datetimeFigureOut">
               <a:rPr lang="ko-KR" altLang="en-US" smtClean="0"/>
-              <a:t>2021-07-07</a:t>
+              <a:t>2021-07-08</a:t>
             </a:fld>
             <a:endParaRPr lang="ko-KR" altLang="en-US"/>
           </a:p>
@@ -769,7 +772,7 @@
           <a:p>
             <a:fld id="{63FE3E3E-9492-43F3-97DE-20DFBB9B73CB}" type="datetimeFigureOut">
               <a:rPr lang="ko-KR" altLang="en-US" smtClean="0"/>
-              <a:t>2021-07-07</a:t>
+              <a:t>2021-07-08</a:t>
             </a:fld>
             <a:endParaRPr lang="ko-KR" altLang="en-US"/>
           </a:p>
@@ -1015,7 +1018,7 @@
           <a:p>
             <a:fld id="{63FE3E3E-9492-43F3-97DE-20DFBB9B73CB}" type="datetimeFigureOut">
               <a:rPr lang="ko-KR" altLang="en-US" smtClean="0"/>
-              <a:t>2021-07-07</a:t>
+              <a:t>2021-07-08</a:t>
             </a:fld>
             <a:endParaRPr lang="ko-KR" altLang="en-US"/>
           </a:p>
@@ -1247,7 +1250,7 @@
           <a:p>
             <a:fld id="{63FE3E3E-9492-43F3-97DE-20DFBB9B73CB}" type="datetimeFigureOut">
               <a:rPr lang="ko-KR" altLang="en-US" smtClean="0"/>
-              <a:t>2021-07-07</a:t>
+              <a:t>2021-07-08</a:t>
             </a:fld>
             <a:endParaRPr lang="ko-KR" altLang="en-US"/>
           </a:p>
@@ -1614,7 +1617,7 @@
           <a:p>
             <a:fld id="{63FE3E3E-9492-43F3-97DE-20DFBB9B73CB}" type="datetimeFigureOut">
               <a:rPr lang="ko-KR" altLang="en-US" smtClean="0"/>
-              <a:t>2021-07-07</a:t>
+              <a:t>2021-07-08</a:t>
             </a:fld>
             <a:endParaRPr lang="ko-KR" altLang="en-US"/>
           </a:p>
@@ -1732,7 +1735,7 @@
           <a:p>
             <a:fld id="{63FE3E3E-9492-43F3-97DE-20DFBB9B73CB}" type="datetimeFigureOut">
               <a:rPr lang="ko-KR" altLang="en-US" smtClean="0"/>
-              <a:t>2021-07-07</a:t>
+              <a:t>2021-07-08</a:t>
             </a:fld>
             <a:endParaRPr lang="ko-KR" altLang="en-US"/>
           </a:p>
@@ -1827,7 +1830,7 @@
           <a:p>
             <a:fld id="{63FE3E3E-9492-43F3-97DE-20DFBB9B73CB}" type="datetimeFigureOut">
               <a:rPr lang="ko-KR" altLang="en-US" smtClean="0"/>
-              <a:t>2021-07-07</a:t>
+              <a:t>2021-07-08</a:t>
             </a:fld>
             <a:endParaRPr lang="ko-KR" altLang="en-US"/>
           </a:p>
@@ -2104,7 +2107,7 @@
           <a:p>
             <a:fld id="{63FE3E3E-9492-43F3-97DE-20DFBB9B73CB}" type="datetimeFigureOut">
               <a:rPr lang="ko-KR" altLang="en-US" smtClean="0"/>
-              <a:t>2021-07-07</a:t>
+              <a:t>2021-07-08</a:t>
             </a:fld>
             <a:endParaRPr lang="ko-KR" altLang="en-US"/>
           </a:p>
@@ -2357,7 +2360,7 @@
           <a:p>
             <a:fld id="{63FE3E3E-9492-43F3-97DE-20DFBB9B73CB}" type="datetimeFigureOut">
               <a:rPr lang="ko-KR" altLang="en-US" smtClean="0"/>
-              <a:t>2021-07-07</a:t>
+              <a:t>2021-07-08</a:t>
             </a:fld>
             <a:endParaRPr lang="ko-KR" altLang="en-US"/>
           </a:p>
@@ -2570,7 +2573,7 @@
           <a:p>
             <a:fld id="{63FE3E3E-9492-43F3-97DE-20DFBB9B73CB}" type="datetimeFigureOut">
               <a:rPr lang="ko-KR" altLang="en-US" smtClean="0"/>
-              <a:t>2021-07-07</a:t>
+              <a:t>2021-07-08</a:t>
             </a:fld>
             <a:endParaRPr lang="ko-KR" altLang="en-US"/>
           </a:p>
@@ -3154,6 +3157,272 @@
 </p:sld>
 </file>
 
+<file path=ppt/slides/slide10.xml><?xml version="1.0" encoding="utf-8"?>
+<p:sld xmlns:a="http://schemas.openxmlformats.org/drawingml/2006/main" xmlns:r="http://schemas.openxmlformats.org/officeDocument/2006/relationships" xmlns:p="http://schemas.openxmlformats.org/presentationml/2006/main">
+  <p:cSld>
+    <p:spTree>
+      <p:nvGrpSpPr>
+        <p:cNvPr id="1" name=""/>
+        <p:cNvGrpSpPr/>
+        <p:nvPr/>
+      </p:nvGrpSpPr>
+      <p:grpSpPr>
+        <a:xfrm>
+          <a:off x="0" y="0"/>
+          <a:ext cx="0" cy="0"/>
+          <a:chOff x="0" y="0"/>
+          <a:chExt cx="0" cy="0"/>
+        </a:xfrm>
+      </p:grpSpPr>
+      <p:sp>
+        <p:nvSpPr>
+          <p:cNvPr id="2" name="TextBox 1"/>
+          <p:cNvSpPr txBox="1"/>
+          <p:nvPr/>
+        </p:nvSpPr>
+        <p:spPr>
+          <a:xfrm>
+            <a:off x="0" y="190424"/>
+            <a:ext cx="5904767" cy="276999"/>
+          </a:xfrm>
+          <a:prstGeom prst="rect">
+            <a:avLst/>
+          </a:prstGeom>
+          <a:noFill/>
+        </p:spPr>
+        <p:txBody>
+          <a:bodyPr wrap="square" rtlCol="0">
+            <a:spAutoFit/>
+          </a:bodyPr>
+          <a:lstStyle/>
+          <a:p>
+            <a:r>
+              <a:rPr lang="en-US" altLang="ko-KR" sz="1200" smtClean="0"/>
+              <a:t>3.</a:t>
+            </a:r>
+            <a:r>
+              <a:rPr lang="en-US" altLang="ko-KR" sz="1200" smtClean="0"/>
+              <a:t> </a:t>
+            </a:r>
+            <a:r>
+              <a:rPr lang="ko-KR" altLang="en-US" sz="1200" smtClean="0"/>
+              <a:t>뼈대가 되는 </a:t>
+            </a:r>
+            <a:r>
+              <a:rPr lang="en-US" altLang="ko-KR" sz="1200" smtClean="0"/>
+              <a:t>base.html </a:t>
+            </a:r>
+            <a:r>
+              <a:rPr lang="ko-KR" altLang="en-US" sz="1200" smtClean="0"/>
+              <a:t>의 상단에 위치한 네비게이션 바에 리스트 링크 추가</a:t>
+            </a:r>
+            <a:endParaRPr lang="en-US" altLang="ko-KR" sz="1200" smtClean="0"/>
+          </a:p>
+        </p:txBody>
+      </p:sp>
+      <p:pic>
+        <p:nvPicPr>
+          <p:cNvPr id="3" name="그림 2"/>
+          <p:cNvPicPr>
+            <a:picLocks noChangeAspect="1"/>
+          </p:cNvPicPr>
+          <p:nvPr/>
+        </p:nvPicPr>
+        <p:blipFill>
+          <a:blip r:embed="rId2"/>
+          <a:stretch>
+            <a:fillRect/>
+          </a:stretch>
+        </p:blipFill>
+        <p:spPr>
+          <a:xfrm>
+            <a:off x="95119" y="522991"/>
+            <a:ext cx="4609083" cy="4292773"/>
+          </a:xfrm>
+          <a:prstGeom prst="rect">
+            <a:avLst/>
+          </a:prstGeom>
+        </p:spPr>
+      </p:pic>
+      <p:sp>
+        <p:nvSpPr>
+          <p:cNvPr id="4" name="직사각형 3"/>
+          <p:cNvSpPr/>
+          <p:nvPr/>
+        </p:nvSpPr>
+        <p:spPr>
+          <a:xfrm>
+            <a:off x="95119" y="3139807"/>
+            <a:ext cx="4322645" cy="374574"/>
+          </a:xfrm>
+          <a:prstGeom prst="rect">
+            <a:avLst/>
+          </a:prstGeom>
+          <a:noFill/>
+          <a:ln>
+            <a:solidFill>
+              <a:srgbClr val="FF0000"/>
+            </a:solidFill>
+          </a:ln>
+        </p:spPr>
+        <p:style>
+          <a:lnRef idx="2">
+            <a:schemeClr val="accent1">
+              <a:shade val="50000"/>
+            </a:schemeClr>
+          </a:lnRef>
+          <a:fillRef idx="1">
+            <a:schemeClr val="accent1"/>
+          </a:fillRef>
+          <a:effectRef idx="0">
+            <a:schemeClr val="accent1"/>
+          </a:effectRef>
+          <a:fontRef idx="minor">
+            <a:schemeClr val="lt1"/>
+          </a:fontRef>
+        </p:style>
+        <p:txBody>
+          <a:bodyPr rtlCol="0" anchor="ctr"/>
+          <a:lstStyle/>
+          <a:p>
+            <a:pPr algn="ctr"/>
+            <a:endParaRPr lang="ko-KR" altLang="en-US"/>
+          </a:p>
+        </p:txBody>
+      </p:sp>
+      <p:sp>
+        <p:nvSpPr>
+          <p:cNvPr id="5" name="TextBox 4"/>
+          <p:cNvSpPr txBox="1"/>
+          <p:nvPr/>
+        </p:nvSpPr>
+        <p:spPr>
+          <a:xfrm>
+            <a:off x="-1" y="4871332"/>
+            <a:ext cx="5904767" cy="276999"/>
+          </a:xfrm>
+          <a:prstGeom prst="rect">
+            <a:avLst/>
+          </a:prstGeom>
+          <a:noFill/>
+        </p:spPr>
+        <p:txBody>
+          <a:bodyPr wrap="square" rtlCol="0">
+            <a:spAutoFit/>
+          </a:bodyPr>
+          <a:lstStyle/>
+          <a:p>
+            <a:r>
+              <a:rPr lang="en-US" altLang="ko-KR" sz="1200"/>
+              <a:t>4</a:t>
+            </a:r>
+            <a:r>
+              <a:rPr lang="en-US" altLang="ko-KR" sz="1200" smtClean="0"/>
+              <a:t>.</a:t>
+            </a:r>
+            <a:r>
+              <a:rPr lang="en-US" altLang="ko-KR" sz="1200" smtClean="0"/>
+              <a:t> </a:t>
+            </a:r>
+            <a:r>
+              <a:rPr lang="ko-KR" altLang="en-US" sz="1200"/>
+              <a:t>리뷰 </a:t>
+            </a:r>
+            <a:r>
+              <a:rPr lang="ko-KR" altLang="en-US" sz="1200"/>
+              <a:t>리스트 </a:t>
+            </a:r>
+            <a:r>
+              <a:rPr lang="en-US" altLang="ko-KR" sz="1200" smtClean="0"/>
+              <a:t>url mapping</a:t>
+            </a:r>
+            <a:endParaRPr lang="en-US" altLang="ko-KR" sz="1200" smtClean="0"/>
+          </a:p>
+        </p:txBody>
+      </p:sp>
+      <p:pic>
+        <p:nvPicPr>
+          <p:cNvPr id="6" name="그림 5"/>
+          <p:cNvPicPr>
+            <a:picLocks noChangeAspect="1"/>
+          </p:cNvPicPr>
+          <p:nvPr/>
+        </p:nvPicPr>
+        <p:blipFill>
+          <a:blip r:embed="rId3"/>
+          <a:stretch>
+            <a:fillRect/>
+          </a:stretch>
+        </p:blipFill>
+        <p:spPr>
+          <a:xfrm>
+            <a:off x="95119" y="5145222"/>
+            <a:ext cx="7242115" cy="1499118"/>
+          </a:xfrm>
+          <a:prstGeom prst="rect">
+            <a:avLst/>
+          </a:prstGeom>
+        </p:spPr>
+      </p:pic>
+      <p:sp>
+        <p:nvSpPr>
+          <p:cNvPr id="7" name="직사각형 6"/>
+          <p:cNvSpPr/>
+          <p:nvPr/>
+        </p:nvSpPr>
+        <p:spPr>
+          <a:xfrm>
+            <a:off x="694063" y="6389783"/>
+            <a:ext cx="3514380" cy="154236"/>
+          </a:xfrm>
+          <a:prstGeom prst="rect">
+            <a:avLst/>
+          </a:prstGeom>
+          <a:noFill/>
+          <a:ln>
+            <a:solidFill>
+              <a:srgbClr val="FF0000"/>
+            </a:solidFill>
+          </a:ln>
+        </p:spPr>
+        <p:style>
+          <a:lnRef idx="2">
+            <a:schemeClr val="accent1">
+              <a:shade val="50000"/>
+            </a:schemeClr>
+          </a:lnRef>
+          <a:fillRef idx="1">
+            <a:schemeClr val="accent1"/>
+          </a:fillRef>
+          <a:effectRef idx="0">
+            <a:schemeClr val="accent1"/>
+          </a:effectRef>
+          <a:fontRef idx="minor">
+            <a:schemeClr val="lt1"/>
+          </a:fontRef>
+        </p:style>
+        <p:txBody>
+          <a:bodyPr rtlCol="0" anchor="ctr"/>
+          <a:lstStyle/>
+          <a:p>
+            <a:pPr algn="ctr"/>
+            <a:endParaRPr lang="ko-KR" altLang="en-US"/>
+          </a:p>
+        </p:txBody>
+      </p:sp>
+    </p:spTree>
+    <p:extLst>
+      <p:ext uri="{BB962C8B-B14F-4D97-AF65-F5344CB8AC3E}">
+        <p14:creationId xmlns:p14="http://schemas.microsoft.com/office/powerpoint/2010/main" val="1062379542"/>
+      </p:ext>
+    </p:extLst>
+  </p:cSld>
+  <p:clrMapOvr>
+    <a:masterClrMapping/>
+  </p:clrMapOvr>
+</p:sld>
+</file>
+
 <file path=ppt/slides/slide2.xml><?xml version="1.0" encoding="utf-8"?>
 <p:sld xmlns:a="http://schemas.openxmlformats.org/drawingml/2006/main" xmlns:r="http://schemas.openxmlformats.org/officeDocument/2006/relationships" xmlns:p="http://schemas.openxmlformats.org/presentationml/2006/main">
   <p:cSld>
@@ -5683,11 +5952,7 @@
           <a:p>
             <a:r>
               <a:rPr lang="en-US" altLang="ko-KR" sz="1200" smtClean="0"/>
-              <a:t>※ </a:t>
-            </a:r>
-            <a:r>
-              <a:rPr lang="en-US" altLang="ko-KR" sz="1200" smtClean="0"/>
-              <a:t>2. </a:t>
+              <a:t>※ 2. </a:t>
             </a:r>
             <a:r>
               <a:rPr lang="ko-KR" altLang="en-US" sz="1200" smtClean="0"/>
@@ -5833,7 +6098,6 @@
               <a:rPr lang="en-US" altLang="ko-KR" sz="1200" smtClean="0"/>
               <a:t>.</a:t>
             </a:r>
-            <a:endParaRPr lang="en-US" altLang="ko-KR" sz="1200" smtClean="0"/>
           </a:p>
         </p:txBody>
       </p:sp>
@@ -6712,6 +6976,779 @@
     <p:extLst>
       <p:ext uri="{BB962C8B-B14F-4D97-AF65-F5344CB8AC3E}">
         <p14:creationId xmlns:p14="http://schemas.microsoft.com/office/powerpoint/2010/main" val="723527414"/>
+      </p:ext>
+    </p:extLst>
+  </p:cSld>
+  <p:clrMapOvr>
+    <a:masterClrMapping/>
+  </p:clrMapOvr>
+</p:sld>
+</file>
+
+<file path=ppt/slides/slide8.xml><?xml version="1.0" encoding="utf-8"?>
+<p:sld xmlns:a="http://schemas.openxmlformats.org/drawingml/2006/main" xmlns:r="http://schemas.openxmlformats.org/officeDocument/2006/relationships" xmlns:p="http://schemas.openxmlformats.org/presentationml/2006/main">
+  <p:cSld>
+    <p:spTree>
+      <p:nvGrpSpPr>
+        <p:cNvPr id="1" name=""/>
+        <p:cNvGrpSpPr/>
+        <p:nvPr/>
+      </p:nvGrpSpPr>
+      <p:grpSpPr>
+        <a:xfrm>
+          <a:off x="0" y="0"/>
+          <a:ext cx="0" cy="0"/>
+          <a:chOff x="0" y="0"/>
+          <a:chExt cx="0" cy="0"/>
+        </a:xfrm>
+      </p:grpSpPr>
+      <p:sp>
+        <p:nvSpPr>
+          <p:cNvPr id="2" name="직사각형 1"/>
+          <p:cNvSpPr/>
+          <p:nvPr/>
+        </p:nvSpPr>
+        <p:spPr>
+          <a:xfrm>
+            <a:off x="250276" y="324864"/>
+            <a:ext cx="3611886" cy="369332"/>
+          </a:xfrm>
+          <a:prstGeom prst="rect">
+            <a:avLst/>
+          </a:prstGeom>
+        </p:spPr>
+        <p:txBody>
+          <a:bodyPr wrap="none">
+            <a:spAutoFit/>
+          </a:bodyPr>
+          <a:lstStyle/>
+          <a:p>
+            <a:r>
+              <a:rPr lang="en-US" altLang="ko-KR" smtClean="0"/>
+              <a:t>6. join</a:t>
+            </a:r>
+            <a:r>
+              <a:rPr lang="ko-KR" altLang="en-US"/>
+              <a:t>으로 모든 </a:t>
+            </a:r>
+            <a:r>
+              <a:rPr lang="ko-KR" altLang="en-US"/>
+              <a:t>리스트 </a:t>
+            </a:r>
+            <a:r>
+              <a:rPr lang="ko-KR" altLang="en-US" smtClean="0"/>
+              <a:t>불러오기</a:t>
+            </a:r>
+            <a:endParaRPr lang="en-US" altLang="ko-KR" smtClean="0"/>
+          </a:p>
+        </p:txBody>
+      </p:sp>
+      <p:sp>
+        <p:nvSpPr>
+          <p:cNvPr id="3" name="TextBox 2"/>
+          <p:cNvSpPr txBox="1"/>
+          <p:nvPr/>
+        </p:nvSpPr>
+        <p:spPr>
+          <a:xfrm>
+            <a:off x="191233" y="636005"/>
+            <a:ext cx="5904767" cy="276999"/>
+          </a:xfrm>
+          <a:prstGeom prst="rect">
+            <a:avLst/>
+          </a:prstGeom>
+          <a:noFill/>
+        </p:spPr>
+        <p:txBody>
+          <a:bodyPr wrap="square" rtlCol="0">
+            <a:spAutoFit/>
+          </a:bodyPr>
+          <a:lstStyle/>
+          <a:p>
+            <a:r>
+              <a:rPr lang="en-US" altLang="ko-KR" sz="1200" smtClean="0"/>
+              <a:t>※ </a:t>
+            </a:r>
+            <a:r>
+              <a:rPr lang="en-US" altLang="ko-KR" sz="1200" smtClean="0"/>
+              <a:t>restaurant</a:t>
+            </a:r>
+            <a:r>
+              <a:rPr lang="ko-KR" altLang="en-US" sz="1200" smtClean="0"/>
+              <a:t>에</a:t>
+            </a:r>
+            <a:r>
+              <a:rPr lang="en-US" altLang="ko-KR" sz="1200" smtClean="0"/>
+              <a:t> </a:t>
+            </a:r>
+            <a:r>
+              <a:rPr lang="ko-KR" altLang="en-US" sz="1200" smtClean="0"/>
+              <a:t>상관없는 모든 </a:t>
+            </a:r>
+            <a:r>
+              <a:rPr lang="en-US" altLang="ko-KR" sz="1200" smtClean="0"/>
+              <a:t>review list</a:t>
+            </a:r>
+            <a:r>
+              <a:rPr lang="ko-KR" altLang="en-US" sz="1200" smtClean="0"/>
+              <a:t>를 가져오기</a:t>
+            </a:r>
+            <a:r>
+              <a:rPr lang="en-US" altLang="ko-KR" sz="1200" smtClean="0"/>
+              <a:t>.</a:t>
+            </a:r>
+            <a:endParaRPr lang="en-US" altLang="ko-KR" sz="1200" smtClean="0"/>
+          </a:p>
+        </p:txBody>
+      </p:sp>
+      <p:sp>
+        <p:nvSpPr>
+          <p:cNvPr id="4" name="TextBox 3"/>
+          <p:cNvSpPr txBox="1"/>
+          <p:nvPr/>
+        </p:nvSpPr>
+        <p:spPr>
+          <a:xfrm>
+            <a:off x="191233" y="913004"/>
+            <a:ext cx="5904767" cy="276999"/>
+          </a:xfrm>
+          <a:prstGeom prst="rect">
+            <a:avLst/>
+          </a:prstGeom>
+          <a:noFill/>
+        </p:spPr>
+        <p:txBody>
+          <a:bodyPr wrap="square" rtlCol="0">
+            <a:spAutoFit/>
+          </a:bodyPr>
+          <a:lstStyle/>
+          <a:p>
+            <a:r>
+              <a:rPr lang="en-US" altLang="ko-KR" sz="1200" smtClean="0"/>
+              <a:t>1.</a:t>
+            </a:r>
+            <a:r>
+              <a:rPr lang="en-US" altLang="ko-KR" sz="1200" smtClean="0"/>
+              <a:t> </a:t>
+            </a:r>
+            <a:r>
+              <a:rPr lang="ko-KR" altLang="en-US" sz="1200" smtClean="0"/>
+              <a:t>모든 </a:t>
+            </a:r>
+            <a:r>
+              <a:rPr lang="en-US" altLang="ko-KR" sz="1200" smtClean="0"/>
+              <a:t>review list</a:t>
+            </a:r>
+            <a:r>
+              <a:rPr lang="ko-KR" altLang="en-US" sz="1200" smtClean="0"/>
+              <a:t>를 검색하는 로직인 </a:t>
+            </a:r>
+            <a:r>
+              <a:rPr lang="en-US" altLang="ko-KR" sz="1200" smtClean="0"/>
+              <a:t>review_list </a:t>
+            </a:r>
+            <a:r>
+              <a:rPr lang="ko-KR" altLang="en-US" sz="1200" smtClean="0"/>
+              <a:t>메소드 작성</a:t>
+            </a:r>
+            <a:endParaRPr lang="en-US" altLang="ko-KR" sz="1200" smtClean="0"/>
+          </a:p>
+        </p:txBody>
+      </p:sp>
+      <p:pic>
+        <p:nvPicPr>
+          <p:cNvPr id="5" name="그림 4"/>
+          <p:cNvPicPr>
+            <a:picLocks noChangeAspect="1"/>
+          </p:cNvPicPr>
+          <p:nvPr/>
+        </p:nvPicPr>
+        <p:blipFill>
+          <a:blip r:embed="rId2"/>
+          <a:stretch>
+            <a:fillRect/>
+          </a:stretch>
+        </p:blipFill>
+        <p:spPr>
+          <a:xfrm>
+            <a:off x="250276" y="1224145"/>
+            <a:ext cx="6249272" cy="2248214"/>
+          </a:xfrm>
+          <a:prstGeom prst="rect">
+            <a:avLst/>
+          </a:prstGeom>
+        </p:spPr>
+      </p:pic>
+      <p:sp>
+        <p:nvSpPr>
+          <p:cNvPr id="8" name="TextBox 7"/>
+          <p:cNvSpPr txBox="1"/>
+          <p:nvPr/>
+        </p:nvSpPr>
+        <p:spPr>
+          <a:xfrm>
+            <a:off x="6819441" y="1190003"/>
+            <a:ext cx="5255046" cy="2862322"/>
+          </a:xfrm>
+          <a:prstGeom prst="rect">
+            <a:avLst/>
+          </a:prstGeom>
+          <a:noFill/>
+        </p:spPr>
+        <p:txBody>
+          <a:bodyPr wrap="square" rtlCol="0">
+            <a:spAutoFit/>
+          </a:bodyPr>
+          <a:lstStyle/>
+          <a:p>
+            <a:r>
+              <a:rPr lang="ko-KR" altLang="en-US" sz="1200" smtClean="0"/>
+              <a:t>이번 목차의 주요 학습 내용은 </a:t>
+            </a:r>
+            <a:r>
+              <a:rPr lang="en-US" altLang="ko-KR" sz="1200" smtClean="0"/>
+              <a:t>75 line </a:t>
+            </a:r>
+            <a:r>
+              <a:rPr lang="ko-KR" altLang="en-US" sz="1200" smtClean="0"/>
+              <a:t>과 </a:t>
+            </a:r>
+            <a:r>
+              <a:rPr lang="en-US" altLang="ko-KR" sz="1200" smtClean="0"/>
+              <a:t>76 line</a:t>
+            </a:r>
+            <a:r>
+              <a:rPr lang="ko-KR" altLang="en-US" sz="1200" smtClean="0"/>
+              <a:t>이 핵심이다</a:t>
+            </a:r>
+            <a:r>
+              <a:rPr lang="en-US" altLang="ko-KR" sz="1200" smtClean="0"/>
+              <a:t>.</a:t>
+            </a:r>
+          </a:p>
+          <a:p>
+            <a:endParaRPr lang="en-US" altLang="ko-KR" sz="1200"/>
+          </a:p>
+          <a:p>
+            <a:r>
+              <a:rPr lang="en-US" altLang="ko-KR" sz="1200" smtClean="0"/>
+              <a:t>75 line : model.py </a:t>
+            </a:r>
+            <a:r>
+              <a:rPr lang="ko-KR" altLang="en-US" sz="1200" smtClean="0"/>
+              <a:t>에 작성된 </a:t>
+            </a:r>
+            <a:r>
+              <a:rPr lang="en-US" altLang="ko-KR" sz="1200" smtClean="0"/>
+              <a:t>Review </a:t>
+            </a:r>
+            <a:r>
+              <a:rPr lang="ko-KR" altLang="en-US" sz="1200" smtClean="0"/>
+              <a:t>클래스는 </a:t>
+            </a:r>
+            <a:r>
+              <a:rPr lang="en-US" altLang="ko-KR" sz="1200" smtClean="0"/>
+              <a:t>Restaurant</a:t>
+            </a:r>
+            <a:r>
+              <a:rPr lang="ko-KR" altLang="en-US" sz="1200" smtClean="0"/>
+              <a:t>와 외래키로 </a:t>
+            </a:r>
+            <a:r>
+              <a:rPr lang="en-US" altLang="ko-KR" sz="1200" smtClean="0"/>
+              <a:t/>
+            </a:r>
+            <a:br>
+              <a:rPr lang="en-US" altLang="ko-KR" sz="1200" smtClean="0"/>
+            </a:br>
+            <a:r>
+              <a:rPr lang="ko-KR" altLang="en-US" sz="1200" smtClean="0"/>
+              <a:t>관계를 가지고 있어</a:t>
+            </a:r>
+            <a:r>
+              <a:rPr lang="en-US" altLang="ko-KR" sz="1200" smtClean="0"/>
+              <a:t>, Review.objects.all() </a:t>
+            </a:r>
+            <a:r>
+              <a:rPr lang="ko-KR" altLang="en-US" sz="1200" smtClean="0"/>
+              <a:t>명령을 통해 각각의 </a:t>
+            </a:r>
+            <a:r>
+              <a:rPr lang="en-US" altLang="ko-KR" sz="1200" smtClean="0"/>
+              <a:t>review {row}</a:t>
+            </a:r>
+            <a:r>
+              <a:rPr lang="ko-KR" altLang="en-US" sz="1200" smtClean="0"/>
+              <a:t>와 관련된 </a:t>
+            </a:r>
+            <a:r>
+              <a:rPr lang="en-US" altLang="ko-KR" sz="1200" smtClean="0"/>
+              <a:t>Restaurant </a:t>
+            </a:r>
+            <a:r>
+              <a:rPr lang="ko-KR" altLang="en-US" sz="1200" smtClean="0"/>
+              <a:t>정보를 가져올 수 있다</a:t>
+            </a:r>
+            <a:r>
+              <a:rPr lang="en-US" altLang="ko-KR" sz="1200" smtClean="0"/>
+              <a:t>.</a:t>
+            </a:r>
+          </a:p>
+          <a:p>
+            <a:r>
+              <a:rPr lang="ko-KR" altLang="en-US" sz="1200" smtClean="0"/>
+              <a:t>그러나 해당 명령은 </a:t>
+            </a:r>
+            <a:r>
+              <a:rPr lang="en-US" altLang="ko-KR" sz="1200" smtClean="0"/>
+              <a:t>DB</a:t>
+            </a:r>
+            <a:r>
+              <a:rPr lang="ko-KR" altLang="en-US" sz="1200" smtClean="0"/>
+              <a:t>내부에서 </a:t>
+            </a:r>
+            <a:r>
+              <a:rPr lang="en-US" altLang="ko-KR" sz="1200" smtClean="0"/>
+              <a:t>Review</a:t>
+            </a:r>
+            <a:r>
+              <a:rPr lang="ko-KR" altLang="en-US" sz="1200" smtClean="0"/>
+              <a:t>를 하나씩</a:t>
+            </a:r>
+            <a:r>
+              <a:rPr lang="en-US" altLang="ko-KR" sz="1200"/>
+              <a:t>[</a:t>
+            </a:r>
+            <a:r>
+              <a:rPr lang="ko-KR" altLang="en-US" sz="1200" smtClean="0"/>
+              <a:t>한개의 </a:t>
+            </a:r>
+            <a:r>
+              <a:rPr lang="en-US" altLang="ko-KR" sz="1200" smtClean="0"/>
+              <a:t>row]</a:t>
+            </a:r>
+            <a:r>
+              <a:rPr lang="ko-KR" altLang="en-US" sz="1200" smtClean="0"/>
+              <a:t> 가져와 그와 관련된 </a:t>
+            </a:r>
+            <a:r>
+              <a:rPr lang="en-US" altLang="ko-KR" sz="1200" smtClean="0"/>
+              <a:t>restaurnat</a:t>
+            </a:r>
+            <a:r>
+              <a:rPr lang="ko-KR" altLang="en-US" sz="1200" smtClean="0"/>
+              <a:t>를 다시 한번 검색을 통해 가져와서 </a:t>
+            </a:r>
+            <a:r>
+              <a:rPr lang="en-US" altLang="ko-KR" sz="1200" smtClean="0"/>
+              <a:t>Review</a:t>
+            </a:r>
+            <a:r>
+              <a:rPr lang="ko-KR" altLang="en-US" sz="1200" smtClean="0"/>
+              <a:t>객체의 </a:t>
+            </a:r>
+            <a:r>
+              <a:rPr lang="en-US" altLang="ko-KR" sz="1200" smtClean="0"/>
+              <a:t>restaurant </a:t>
+            </a:r>
+            <a:r>
+              <a:rPr lang="ko-KR" altLang="en-US" sz="1200" smtClean="0"/>
+              <a:t>필드에 삽입하게 된다</a:t>
+            </a:r>
+            <a:r>
+              <a:rPr lang="en-US" altLang="ko-KR" sz="1200" smtClean="0"/>
+              <a:t>.</a:t>
+            </a:r>
+            <a:br>
+              <a:rPr lang="en-US" altLang="ko-KR" sz="1200" smtClean="0"/>
+            </a:br>
+            <a:r>
+              <a:rPr lang="en-US" altLang="ko-KR" sz="1200" smtClean="0"/>
+              <a:t/>
+            </a:r>
+            <a:br>
+              <a:rPr lang="en-US" altLang="ko-KR" sz="1200" smtClean="0"/>
+            </a:br>
+            <a:r>
+              <a:rPr lang="ko-KR" altLang="en-US" sz="1200" smtClean="0">
+                <a:solidFill>
+                  <a:srgbClr val="FF0000"/>
+                </a:solidFill>
+              </a:rPr>
+              <a:t>즉 </a:t>
+            </a:r>
+            <a:r>
+              <a:rPr lang="en-US" altLang="ko-KR" sz="1200" smtClean="0">
+                <a:solidFill>
+                  <a:srgbClr val="FF0000"/>
+                </a:solidFill>
+              </a:rPr>
+              <a:t>review </a:t>
+            </a:r>
+            <a:r>
+              <a:rPr lang="ko-KR" altLang="en-US" sz="1200" smtClean="0">
+                <a:solidFill>
+                  <a:srgbClr val="FF0000"/>
+                </a:solidFill>
+              </a:rPr>
+              <a:t>객체 한번 관련된 </a:t>
+            </a:r>
+            <a:r>
+              <a:rPr lang="en-US" altLang="ko-KR" sz="1200" smtClean="0">
+                <a:solidFill>
+                  <a:srgbClr val="FF0000"/>
+                </a:solidFill>
+              </a:rPr>
+              <a:t>restarant </a:t>
+            </a:r>
+            <a:r>
+              <a:rPr lang="ko-KR" altLang="en-US" sz="1200" smtClean="0">
+                <a:solidFill>
+                  <a:srgbClr val="FF0000"/>
+                </a:solidFill>
+              </a:rPr>
+              <a:t>객체 한번</a:t>
+            </a:r>
+            <a:r>
+              <a:rPr lang="en-US" altLang="ko-KR" sz="1200" smtClean="0">
+                <a:solidFill>
+                  <a:srgbClr val="FF0000"/>
+                </a:solidFill>
+              </a:rPr>
+              <a:t>, row </a:t>
+            </a:r>
+            <a:r>
+              <a:rPr lang="ko-KR" altLang="en-US" sz="1200" smtClean="0">
+                <a:solidFill>
+                  <a:srgbClr val="FF0000"/>
+                </a:solidFill>
+              </a:rPr>
+              <a:t>하나당 두 번씩 검색 하며</a:t>
+            </a:r>
+            <a:r>
+              <a:rPr lang="en-US" altLang="ko-KR" sz="1200" smtClean="0">
+                <a:solidFill>
+                  <a:srgbClr val="FF0000"/>
+                </a:solidFill>
+              </a:rPr>
+              <a:t>, Review</a:t>
+            </a:r>
+            <a:r>
+              <a:rPr lang="ko-KR" altLang="en-US" sz="1200" smtClean="0">
+                <a:solidFill>
+                  <a:srgbClr val="FF0000"/>
+                </a:solidFill>
+              </a:rPr>
+              <a:t>에 존재하는 </a:t>
+            </a:r>
+            <a:r>
+              <a:rPr lang="en-US" altLang="ko-KR" sz="1200" smtClean="0">
+                <a:solidFill>
+                  <a:srgbClr val="FF0000"/>
+                </a:solidFill>
+              </a:rPr>
+              <a:t>row </a:t>
+            </a:r>
+            <a:r>
+              <a:rPr lang="ko-KR" altLang="en-US" sz="1200" smtClean="0">
+                <a:solidFill>
+                  <a:srgbClr val="FF0000"/>
+                </a:solidFill>
+              </a:rPr>
+              <a:t>개수 </a:t>
+            </a:r>
+            <a:r>
+              <a:rPr lang="en-US" altLang="ko-KR" sz="1200" smtClean="0">
+                <a:solidFill>
+                  <a:srgbClr val="FF0000"/>
+                </a:solidFill>
+              </a:rPr>
+              <a:t>x 2 </a:t>
+            </a:r>
+            <a:r>
+              <a:rPr lang="ko-KR" altLang="en-US" sz="1200" smtClean="0">
+                <a:solidFill>
+                  <a:srgbClr val="FF0000"/>
+                </a:solidFill>
+              </a:rPr>
+              <a:t>의 </a:t>
+            </a:r>
+            <a:r>
+              <a:rPr lang="en-US" altLang="ko-KR" sz="1200" smtClean="0">
+                <a:solidFill>
+                  <a:srgbClr val="FF0000"/>
+                </a:solidFill>
+              </a:rPr>
+              <a:t>DB</a:t>
+            </a:r>
+            <a:r>
+              <a:rPr lang="ko-KR" altLang="en-US" sz="1200" smtClean="0">
+                <a:solidFill>
+                  <a:srgbClr val="FF0000"/>
+                </a:solidFill>
+              </a:rPr>
+              <a:t>검색을 진행하는 쿼리이다</a:t>
+            </a:r>
+            <a:r>
+              <a:rPr lang="en-US" altLang="ko-KR" sz="1200" smtClean="0">
+                <a:solidFill>
+                  <a:srgbClr val="FF0000"/>
+                </a:solidFill>
+              </a:rPr>
+              <a:t>.</a:t>
+            </a:r>
+          </a:p>
+          <a:p>
+            <a:endParaRPr lang="en-US" altLang="ko-KR" sz="1200"/>
+          </a:p>
+          <a:p>
+            <a:r>
+              <a:rPr lang="ko-KR" altLang="en-US" sz="1200" smtClean="0"/>
+              <a:t>이는 매우 비효율적인 </a:t>
+            </a:r>
+            <a:r>
+              <a:rPr lang="en-US" altLang="ko-KR" sz="1200" smtClean="0"/>
+              <a:t>DB</a:t>
+            </a:r>
+            <a:r>
+              <a:rPr lang="ko-KR" altLang="en-US" sz="1200" smtClean="0"/>
+              <a:t>접근 및 검색 방법이며</a:t>
+            </a:r>
+            <a:r>
+              <a:rPr lang="en-US" altLang="ko-KR" sz="1200" smtClean="0"/>
+              <a:t>, </a:t>
+            </a:r>
+            <a:r>
+              <a:rPr lang="ko-KR" altLang="en-US" sz="1200" b="1" smtClean="0">
+                <a:solidFill>
+                  <a:srgbClr val="002060"/>
+                </a:solidFill>
+              </a:rPr>
+              <a:t>이를 한번의 명령으로 </a:t>
+            </a:r>
+            <a:r>
+              <a:rPr lang="en-US" altLang="ko-KR" sz="1200" b="1" smtClean="0">
+                <a:solidFill>
+                  <a:srgbClr val="002060"/>
+                </a:solidFill>
+              </a:rPr>
+              <a:t>join</a:t>
+            </a:r>
+            <a:r>
+              <a:rPr lang="ko-KR" altLang="en-US" sz="1200" b="1" smtClean="0">
+                <a:solidFill>
+                  <a:srgbClr val="002060"/>
+                </a:solidFill>
+              </a:rPr>
+              <a:t>된 형태로 </a:t>
+            </a:r>
+            <a:r>
+              <a:rPr lang="en-US" altLang="ko-KR" sz="1200" b="1" smtClean="0">
+                <a:solidFill>
+                  <a:srgbClr val="002060"/>
+                </a:solidFill>
+              </a:rPr>
+              <a:t>Review list</a:t>
+            </a:r>
+            <a:r>
+              <a:rPr lang="ko-KR" altLang="en-US" sz="1200" b="1" smtClean="0">
+                <a:solidFill>
+                  <a:srgbClr val="002060"/>
+                </a:solidFill>
+              </a:rPr>
+              <a:t>를 가져오는 검색 방법은</a:t>
+            </a:r>
+            <a:r>
+              <a:rPr lang="en-US" altLang="ko-KR" sz="1200" b="1" smtClean="0">
+                <a:solidFill>
+                  <a:srgbClr val="002060"/>
+                </a:solidFill>
+              </a:rPr>
+              <a:t>, select_related() </a:t>
+            </a:r>
+            <a:r>
+              <a:rPr lang="ko-KR" altLang="en-US" sz="1200" b="1" smtClean="0">
+                <a:solidFill>
+                  <a:srgbClr val="002060"/>
+                </a:solidFill>
+              </a:rPr>
+              <a:t>메소드를 추가하는 것이다</a:t>
+            </a:r>
+            <a:r>
+              <a:rPr lang="en-US" altLang="ko-KR" sz="1200" b="1" smtClean="0">
+                <a:solidFill>
+                  <a:srgbClr val="002060"/>
+                </a:solidFill>
+              </a:rPr>
+              <a:t>.</a:t>
+            </a:r>
+            <a:endParaRPr lang="ko-KR" altLang="en-US" sz="1200" b="1">
+              <a:solidFill>
+                <a:srgbClr val="002060"/>
+              </a:solidFill>
+            </a:endParaRPr>
+          </a:p>
+        </p:txBody>
+      </p:sp>
+    </p:spTree>
+    <p:extLst>
+      <p:ext uri="{BB962C8B-B14F-4D97-AF65-F5344CB8AC3E}">
+        <p14:creationId xmlns:p14="http://schemas.microsoft.com/office/powerpoint/2010/main" val="811647576"/>
+      </p:ext>
+    </p:extLst>
+  </p:cSld>
+  <p:clrMapOvr>
+    <a:masterClrMapping/>
+  </p:clrMapOvr>
+</p:sld>
+</file>
+
+<file path=ppt/slides/slide9.xml><?xml version="1.0" encoding="utf-8"?>
+<p:sld xmlns:a="http://schemas.openxmlformats.org/drawingml/2006/main" xmlns:r="http://schemas.openxmlformats.org/officeDocument/2006/relationships" xmlns:p="http://schemas.openxmlformats.org/presentationml/2006/main">
+  <p:cSld>
+    <p:spTree>
+      <p:nvGrpSpPr>
+        <p:cNvPr id="1" name=""/>
+        <p:cNvGrpSpPr/>
+        <p:nvPr/>
+      </p:nvGrpSpPr>
+      <p:grpSpPr>
+        <a:xfrm>
+          <a:off x="0" y="0"/>
+          <a:ext cx="0" cy="0"/>
+          <a:chOff x="0" y="0"/>
+          <a:chExt cx="0" cy="0"/>
+        </a:xfrm>
+      </p:grpSpPr>
+      <p:sp>
+        <p:nvSpPr>
+          <p:cNvPr id="2" name="TextBox 1"/>
+          <p:cNvSpPr txBox="1"/>
+          <p:nvPr/>
+        </p:nvSpPr>
+        <p:spPr>
+          <a:xfrm>
+            <a:off x="0" y="190424"/>
+            <a:ext cx="5904767" cy="276999"/>
+          </a:xfrm>
+          <a:prstGeom prst="rect">
+            <a:avLst/>
+          </a:prstGeom>
+          <a:noFill/>
+        </p:spPr>
+        <p:txBody>
+          <a:bodyPr wrap="square" rtlCol="0">
+            <a:spAutoFit/>
+          </a:bodyPr>
+          <a:lstStyle/>
+          <a:p>
+            <a:r>
+              <a:rPr lang="en-US" altLang="ko-KR" sz="1200"/>
+              <a:t>2</a:t>
+            </a:r>
+            <a:r>
+              <a:rPr lang="en-US" altLang="ko-KR" sz="1200" smtClean="0"/>
+              <a:t>.</a:t>
+            </a:r>
+            <a:r>
+              <a:rPr lang="en-US" altLang="ko-KR" sz="1200" smtClean="0"/>
+              <a:t> </a:t>
+            </a:r>
+            <a:r>
+              <a:rPr lang="ko-KR" altLang="en-US" sz="1200" smtClean="0"/>
+              <a:t>검색된 모든 </a:t>
+            </a:r>
+            <a:r>
+              <a:rPr lang="en-US" altLang="ko-KR" sz="1200" smtClean="0"/>
+              <a:t>review </a:t>
+            </a:r>
+            <a:r>
+              <a:rPr lang="ko-KR" altLang="en-US" sz="1200" smtClean="0"/>
+              <a:t>를 보여주는 </a:t>
+            </a:r>
+            <a:r>
+              <a:rPr lang="en-US" altLang="ko-KR" sz="1200" smtClean="0"/>
+              <a:t>review_list.html</a:t>
+            </a:r>
+            <a:r>
+              <a:rPr lang="en-US" altLang="ko-KR" sz="1200" smtClean="0"/>
+              <a:t> </a:t>
+            </a:r>
+            <a:r>
+              <a:rPr lang="ko-KR" altLang="en-US" sz="1200" smtClean="0"/>
+              <a:t>페이지 작성</a:t>
+            </a:r>
+            <a:endParaRPr lang="en-US" altLang="ko-KR" sz="1200" smtClean="0"/>
+          </a:p>
+        </p:txBody>
+      </p:sp>
+      <p:grpSp>
+        <p:nvGrpSpPr>
+          <p:cNvPr id="5" name="그룹 4"/>
+          <p:cNvGrpSpPr/>
+          <p:nvPr/>
+        </p:nvGrpSpPr>
+        <p:grpSpPr>
+          <a:xfrm>
+            <a:off x="0" y="467424"/>
+            <a:ext cx="6213514" cy="5149965"/>
+            <a:chOff x="0" y="467424"/>
+            <a:chExt cx="6213514" cy="5149965"/>
+          </a:xfrm>
+        </p:grpSpPr>
+        <p:pic>
+          <p:nvPicPr>
+            <p:cNvPr id="3" name="그림 2"/>
+            <p:cNvPicPr>
+              <a:picLocks noChangeAspect="1"/>
+            </p:cNvPicPr>
+            <p:nvPr/>
+          </p:nvPicPr>
+          <p:blipFill>
+            <a:blip r:embed="rId2"/>
+            <a:stretch>
+              <a:fillRect/>
+            </a:stretch>
+          </p:blipFill>
+          <p:spPr>
+            <a:xfrm>
+              <a:off x="0" y="467424"/>
+              <a:ext cx="5904767" cy="2313646"/>
+            </a:xfrm>
+            <a:prstGeom prst="rect">
+              <a:avLst/>
+            </a:prstGeom>
+          </p:spPr>
+        </p:pic>
+        <p:pic>
+          <p:nvPicPr>
+            <p:cNvPr id="4" name="그림 3"/>
+            <p:cNvPicPr>
+              <a:picLocks noChangeAspect="1"/>
+            </p:cNvPicPr>
+            <p:nvPr/>
+          </p:nvPicPr>
+          <p:blipFill>
+            <a:blip r:embed="rId3"/>
+            <a:stretch>
+              <a:fillRect/>
+            </a:stretch>
+          </p:blipFill>
+          <p:spPr>
+            <a:xfrm>
+              <a:off x="77119" y="2781070"/>
+              <a:ext cx="6136395" cy="2836319"/>
+            </a:xfrm>
+            <a:prstGeom prst="rect">
+              <a:avLst/>
+            </a:prstGeom>
+          </p:spPr>
+        </p:pic>
+      </p:grpSp>
+    </p:spTree>
+    <p:extLst>
+      <p:ext uri="{BB962C8B-B14F-4D97-AF65-F5344CB8AC3E}">
+        <p14:creationId xmlns:p14="http://schemas.microsoft.com/office/powerpoint/2010/main" val="2357432292"/>
       </p:ext>
     </p:extLst>
   </p:cSld>

--- a/Django(입문)-inflearn/학습정리/7.Relation/Relation.pptx
+++ b/Django(입문)-inflearn/학습정리/7.Relation/Relation.pptx
@@ -15,6 +15,8 @@
     <p:sldId id="264" r:id="rId9"/>
     <p:sldId id="265" r:id="rId10"/>
     <p:sldId id="266" r:id="rId11"/>
+    <p:sldId id="267" r:id="rId12"/>
+    <p:sldId id="268" r:id="rId13"/>
   </p:sldIdLst>
   <p:sldSz cx="12192000" cy="6858000"/>
   <p:notesSz cx="6858000" cy="9144000"/>
@@ -252,7 +254,7 @@
           <a:p>
             <a:fld id="{63FE3E3E-9492-43F3-97DE-20DFBB9B73CB}" type="datetimeFigureOut">
               <a:rPr lang="ko-KR" altLang="en-US" smtClean="0"/>
-              <a:t>2021-07-08</a:t>
+              <a:t>2021-08-12</a:t>
             </a:fld>
             <a:endParaRPr lang="ko-KR" altLang="en-US"/>
           </a:p>
@@ -422,7 +424,7 @@
           <a:p>
             <a:fld id="{63FE3E3E-9492-43F3-97DE-20DFBB9B73CB}" type="datetimeFigureOut">
               <a:rPr lang="ko-KR" altLang="en-US" smtClean="0"/>
-              <a:t>2021-07-08</a:t>
+              <a:t>2021-08-12</a:t>
             </a:fld>
             <a:endParaRPr lang="ko-KR" altLang="en-US"/>
           </a:p>
@@ -602,7 +604,7 @@
           <a:p>
             <a:fld id="{63FE3E3E-9492-43F3-97DE-20DFBB9B73CB}" type="datetimeFigureOut">
               <a:rPr lang="ko-KR" altLang="en-US" smtClean="0"/>
-              <a:t>2021-07-08</a:t>
+              <a:t>2021-08-12</a:t>
             </a:fld>
             <a:endParaRPr lang="ko-KR" altLang="en-US"/>
           </a:p>
@@ -772,7 +774,7 @@
           <a:p>
             <a:fld id="{63FE3E3E-9492-43F3-97DE-20DFBB9B73CB}" type="datetimeFigureOut">
               <a:rPr lang="ko-KR" altLang="en-US" smtClean="0"/>
-              <a:t>2021-07-08</a:t>
+              <a:t>2021-08-12</a:t>
             </a:fld>
             <a:endParaRPr lang="ko-KR" altLang="en-US"/>
           </a:p>
@@ -1018,7 +1020,7 @@
           <a:p>
             <a:fld id="{63FE3E3E-9492-43F3-97DE-20DFBB9B73CB}" type="datetimeFigureOut">
               <a:rPr lang="ko-KR" altLang="en-US" smtClean="0"/>
-              <a:t>2021-07-08</a:t>
+              <a:t>2021-08-12</a:t>
             </a:fld>
             <a:endParaRPr lang="ko-KR" altLang="en-US"/>
           </a:p>
@@ -1250,7 +1252,7 @@
           <a:p>
             <a:fld id="{63FE3E3E-9492-43F3-97DE-20DFBB9B73CB}" type="datetimeFigureOut">
               <a:rPr lang="ko-KR" altLang="en-US" smtClean="0"/>
-              <a:t>2021-07-08</a:t>
+              <a:t>2021-08-12</a:t>
             </a:fld>
             <a:endParaRPr lang="ko-KR" altLang="en-US"/>
           </a:p>
@@ -1617,7 +1619,7 @@
           <a:p>
             <a:fld id="{63FE3E3E-9492-43F3-97DE-20DFBB9B73CB}" type="datetimeFigureOut">
               <a:rPr lang="ko-KR" altLang="en-US" smtClean="0"/>
-              <a:t>2021-07-08</a:t>
+              <a:t>2021-08-12</a:t>
             </a:fld>
             <a:endParaRPr lang="ko-KR" altLang="en-US"/>
           </a:p>
@@ -1735,7 +1737,7 @@
           <a:p>
             <a:fld id="{63FE3E3E-9492-43F3-97DE-20DFBB9B73CB}" type="datetimeFigureOut">
               <a:rPr lang="ko-KR" altLang="en-US" smtClean="0"/>
-              <a:t>2021-07-08</a:t>
+              <a:t>2021-08-12</a:t>
             </a:fld>
             <a:endParaRPr lang="ko-KR" altLang="en-US"/>
           </a:p>
@@ -1830,7 +1832,7 @@
           <a:p>
             <a:fld id="{63FE3E3E-9492-43F3-97DE-20DFBB9B73CB}" type="datetimeFigureOut">
               <a:rPr lang="ko-KR" altLang="en-US" smtClean="0"/>
-              <a:t>2021-07-08</a:t>
+              <a:t>2021-08-12</a:t>
             </a:fld>
             <a:endParaRPr lang="ko-KR" altLang="en-US"/>
           </a:p>
@@ -2107,7 +2109,7 @@
           <a:p>
             <a:fld id="{63FE3E3E-9492-43F3-97DE-20DFBB9B73CB}" type="datetimeFigureOut">
               <a:rPr lang="ko-KR" altLang="en-US" smtClean="0"/>
-              <a:t>2021-07-08</a:t>
+              <a:t>2021-08-12</a:t>
             </a:fld>
             <a:endParaRPr lang="ko-KR" altLang="en-US"/>
           </a:p>
@@ -2360,7 +2362,7 @@
           <a:p>
             <a:fld id="{63FE3E3E-9492-43F3-97DE-20DFBB9B73CB}" type="datetimeFigureOut">
               <a:rPr lang="ko-KR" altLang="en-US" smtClean="0"/>
-              <a:t>2021-07-08</a:t>
+              <a:t>2021-08-12</a:t>
             </a:fld>
             <a:endParaRPr lang="ko-KR" altLang="en-US"/>
           </a:p>
@@ -2573,7 +2575,7 @@
           <a:p>
             <a:fld id="{63FE3E3E-9492-43F3-97DE-20DFBB9B73CB}" type="datetimeFigureOut">
               <a:rPr lang="ko-KR" altLang="en-US" smtClean="0"/>
-              <a:t>2021-07-08</a:t>
+              <a:t>2021-08-12</a:t>
             </a:fld>
             <a:endParaRPr lang="ko-KR" altLang="en-US"/>
           </a:p>
@@ -3134,7 +3136,11 @@
             </a:pPr>
             <a:r>
               <a:rPr lang="ko-KR" altLang="en-US" sz="1200" smtClean="0"/>
-              <a:t>리스트 화면에서 리뷰 개수와 평점 구하기</a:t>
+              <a:t>리스트 화면에서 리뷰 개수와 평점 </a:t>
+            </a:r>
+            <a:r>
+              <a:rPr lang="ko-KR" altLang="en-US" sz="1200" smtClean="0"/>
+              <a:t>구하기</a:t>
             </a:r>
             <a:r>
               <a:rPr lang="en-US" altLang="ko-KR" sz="1200" smtClean="0"/>
@@ -3198,11 +3204,7 @@
           <a:p>
             <a:r>
               <a:rPr lang="en-US" altLang="ko-KR" sz="1200" smtClean="0"/>
-              <a:t>3.</a:t>
-            </a:r>
-            <a:r>
-              <a:rPr lang="en-US" altLang="ko-KR" sz="1200" smtClean="0"/>
-              <a:t> </a:t>
+              <a:t>3. </a:t>
             </a:r>
             <a:r>
               <a:rPr lang="ko-KR" altLang="en-US" sz="1200" smtClean="0"/>
@@ -3318,25 +3320,16 @@
             </a:r>
             <a:r>
               <a:rPr lang="en-US" altLang="ko-KR" sz="1200" smtClean="0"/>
-              <a:t>.</a:t>
-            </a:r>
-            <a:r>
-              <a:rPr lang="en-US" altLang="ko-KR" sz="1200" smtClean="0"/>
-              <a:t> </a:t>
+              <a:t>. </a:t>
             </a:r>
             <a:r>
               <a:rPr lang="ko-KR" altLang="en-US" sz="1200"/>
-              <a:t>리뷰 </a:t>
-            </a:r>
-            <a:r>
-              <a:rPr lang="ko-KR" altLang="en-US" sz="1200"/>
-              <a:t>리스트 </a:t>
+              <a:t>리뷰 리스트 </a:t>
             </a:r>
             <a:r>
               <a:rPr lang="en-US" altLang="ko-KR" sz="1200" smtClean="0"/>
               <a:t>url mapping</a:t>
             </a:r>
-            <a:endParaRPr lang="en-US" altLang="ko-KR" sz="1200" smtClean="0"/>
           </a:p>
         </p:txBody>
       </p:sp>
@@ -3414,6 +3407,732 @@
     <p:extLst>
       <p:ext uri="{BB962C8B-B14F-4D97-AF65-F5344CB8AC3E}">
         <p14:creationId xmlns:p14="http://schemas.microsoft.com/office/powerpoint/2010/main" val="1062379542"/>
+      </p:ext>
+    </p:extLst>
+  </p:cSld>
+  <p:clrMapOvr>
+    <a:masterClrMapping/>
+  </p:clrMapOvr>
+</p:sld>
+</file>
+
+<file path=ppt/slides/slide11.xml><?xml version="1.0" encoding="utf-8"?>
+<p:sld xmlns:a="http://schemas.openxmlformats.org/drawingml/2006/main" xmlns:r="http://schemas.openxmlformats.org/officeDocument/2006/relationships" xmlns:p="http://schemas.openxmlformats.org/presentationml/2006/main">
+  <p:cSld>
+    <p:spTree>
+      <p:nvGrpSpPr>
+        <p:cNvPr id="1" name=""/>
+        <p:cNvGrpSpPr/>
+        <p:nvPr/>
+      </p:nvGrpSpPr>
+      <p:grpSpPr>
+        <a:xfrm>
+          <a:off x="0" y="0"/>
+          <a:ext cx="0" cy="0"/>
+          <a:chOff x="0" y="0"/>
+          <a:chExt cx="0" cy="0"/>
+        </a:xfrm>
+      </p:grpSpPr>
+      <p:sp>
+        <p:nvSpPr>
+          <p:cNvPr id="2" name="직사각형 1"/>
+          <p:cNvSpPr/>
+          <p:nvPr/>
+        </p:nvSpPr>
+        <p:spPr>
+          <a:xfrm>
+            <a:off x="109893" y="181645"/>
+            <a:ext cx="4828566" cy="369332"/>
+          </a:xfrm>
+          <a:prstGeom prst="rect">
+            <a:avLst/>
+          </a:prstGeom>
+        </p:spPr>
+        <p:txBody>
+          <a:bodyPr wrap="none">
+            <a:spAutoFit/>
+          </a:bodyPr>
+          <a:lstStyle/>
+          <a:p>
+            <a:r>
+              <a:rPr lang="en-US" altLang="ko-KR" smtClean="0"/>
+              <a:t>7. </a:t>
+            </a:r>
+            <a:r>
+              <a:rPr lang="ko-KR" altLang="en-US" smtClean="0"/>
+              <a:t>리스트 </a:t>
+            </a:r>
+            <a:r>
+              <a:rPr lang="ko-KR" altLang="en-US"/>
+              <a:t>화면에서 리뷰 개수와 평점 구하기</a:t>
+            </a:r>
+            <a:r>
+              <a:rPr lang="en-US" altLang="ko-KR"/>
+              <a:t>.</a:t>
+            </a:r>
+            <a:endParaRPr lang="ko-KR" altLang="en-US"/>
+          </a:p>
+        </p:txBody>
+      </p:sp>
+      <p:sp>
+        <p:nvSpPr>
+          <p:cNvPr id="3" name="TextBox 2"/>
+          <p:cNvSpPr txBox="1"/>
+          <p:nvPr/>
+        </p:nvSpPr>
+        <p:spPr>
+          <a:xfrm>
+            <a:off x="109893" y="550977"/>
+            <a:ext cx="8196825" cy="246221"/>
+          </a:xfrm>
+          <a:prstGeom prst="rect">
+            <a:avLst/>
+          </a:prstGeom>
+          <a:noFill/>
+        </p:spPr>
+        <p:txBody>
+          <a:bodyPr wrap="square" rtlCol="0">
+            <a:spAutoFit/>
+          </a:bodyPr>
+          <a:lstStyle/>
+          <a:p>
+            <a:r>
+              <a:rPr lang="en-US" altLang="ko-KR" sz="1000" smtClean="0"/>
+              <a:t>※ </a:t>
+            </a:r>
+            <a:r>
+              <a:rPr lang="ko-KR" altLang="en-US" sz="1000" smtClean="0"/>
+              <a:t>하나의 레스토랑에 관련된 리뷰의 총개수와 평점 평균을 구하는 일은 </a:t>
+            </a:r>
+            <a:r>
+              <a:rPr lang="en-US" altLang="ko-KR" sz="1000" smtClean="0"/>
+              <a:t>COUNT </a:t>
+            </a:r>
+            <a:r>
+              <a:rPr lang="ko-KR" altLang="en-US" sz="1000" smtClean="0"/>
+              <a:t>함수와 </a:t>
+            </a:r>
+            <a:r>
+              <a:rPr lang="en-US" altLang="ko-KR" sz="1000" smtClean="0"/>
+              <a:t>AVG </a:t>
+            </a:r>
+            <a:r>
+              <a:rPr lang="ko-KR" altLang="en-US" sz="1000" smtClean="0"/>
+              <a:t>함수를 써야한다</a:t>
+            </a:r>
+            <a:endParaRPr lang="ko-KR" altLang="en-US" sz="1000"/>
+          </a:p>
+        </p:txBody>
+      </p:sp>
+      <p:sp>
+        <p:nvSpPr>
+          <p:cNvPr id="4" name="TextBox 3"/>
+          <p:cNvSpPr txBox="1"/>
+          <p:nvPr/>
+        </p:nvSpPr>
+        <p:spPr>
+          <a:xfrm>
+            <a:off x="297456" y="903383"/>
+            <a:ext cx="6962660" cy="276999"/>
+          </a:xfrm>
+          <a:prstGeom prst="rect">
+            <a:avLst/>
+          </a:prstGeom>
+          <a:noFill/>
+        </p:spPr>
+        <p:txBody>
+          <a:bodyPr wrap="square" rtlCol="0">
+            <a:spAutoFit/>
+          </a:bodyPr>
+          <a:lstStyle/>
+          <a:p>
+            <a:pPr marL="228600" indent="-228600">
+              <a:buAutoNum type="arabicPeriod"/>
+            </a:pPr>
+            <a:r>
+              <a:rPr lang="en-US" altLang="ko-KR" sz="1200" smtClean="0">
+                <a:latin typeface="+mj-lt"/>
+              </a:rPr>
+              <a:t>List </a:t>
+            </a:r>
+            <a:r>
+              <a:rPr lang="ko-KR" altLang="en-US" sz="1200" smtClean="0">
+                <a:latin typeface="+mj-lt"/>
+              </a:rPr>
+              <a:t>페이지에 평점과 리뷰 개수를 확인할 수 있도록 </a:t>
+            </a:r>
+            <a:r>
+              <a:rPr lang="en-US" altLang="ko-KR" sz="1200" smtClean="0">
+                <a:latin typeface="+mj-lt"/>
+              </a:rPr>
+              <a:t>views.py </a:t>
+            </a:r>
+            <a:r>
+              <a:rPr lang="ko-KR" altLang="en-US" sz="1200" smtClean="0">
+                <a:latin typeface="+mj-lt"/>
+              </a:rPr>
+              <a:t>의 </a:t>
+            </a:r>
+            <a:r>
+              <a:rPr lang="en-US" altLang="ko-KR" sz="1200" smtClean="0">
+                <a:latin typeface="+mj-lt"/>
+              </a:rPr>
+              <a:t>def list </a:t>
+            </a:r>
+            <a:r>
+              <a:rPr lang="ko-KR" altLang="en-US" sz="1200" smtClean="0">
+                <a:latin typeface="+mj-lt"/>
+              </a:rPr>
+              <a:t>수정</a:t>
+            </a:r>
+            <a:endParaRPr lang="en-US" altLang="ko-KR" sz="1200" smtClean="0">
+              <a:latin typeface="+mj-lt"/>
+            </a:endParaRPr>
+          </a:p>
+        </p:txBody>
+      </p:sp>
+      <p:pic>
+        <p:nvPicPr>
+          <p:cNvPr id="5" name="그림 4"/>
+          <p:cNvPicPr>
+            <a:picLocks noChangeAspect="1"/>
+          </p:cNvPicPr>
+          <p:nvPr/>
+        </p:nvPicPr>
+        <p:blipFill>
+          <a:blip r:embed="rId2"/>
+          <a:stretch>
+            <a:fillRect/>
+          </a:stretch>
+        </p:blipFill>
+        <p:spPr>
+          <a:xfrm>
+            <a:off x="297457" y="1180382"/>
+            <a:ext cx="6801176" cy="2835869"/>
+          </a:xfrm>
+          <a:prstGeom prst="rect">
+            <a:avLst/>
+          </a:prstGeom>
+        </p:spPr>
+      </p:pic>
+      <p:sp>
+        <p:nvSpPr>
+          <p:cNvPr id="6" name="TextBox 5"/>
+          <p:cNvSpPr txBox="1"/>
+          <p:nvPr/>
+        </p:nvSpPr>
+        <p:spPr>
+          <a:xfrm>
+            <a:off x="7260116" y="1180382"/>
+            <a:ext cx="4779484" cy="3416320"/>
+          </a:xfrm>
+          <a:prstGeom prst="rect">
+            <a:avLst/>
+          </a:prstGeom>
+          <a:noFill/>
+        </p:spPr>
+        <p:txBody>
+          <a:bodyPr wrap="square" rtlCol="0">
+            <a:spAutoFit/>
+          </a:bodyPr>
+          <a:lstStyle/>
+          <a:p>
+            <a:pPr marL="171450" indent="-171450">
+              <a:buFontTx/>
+              <a:buChar char="-"/>
+            </a:pPr>
+            <a:r>
+              <a:rPr lang="en-US" altLang="ko-KR" sz="1200" smtClean="0"/>
+              <a:t>Python ORM </a:t>
+            </a:r>
+            <a:r>
+              <a:rPr lang="ko-KR" altLang="en-US" sz="1200" smtClean="0"/>
+              <a:t>으로 집계 함수를 쓰기위해 </a:t>
+            </a:r>
+            <a:r>
+              <a:rPr lang="en-US" altLang="ko-KR" sz="1200" smtClean="0"/>
+              <a:t>django.db.model </a:t>
+            </a:r>
+            <a:r>
+              <a:rPr lang="ko-KR" altLang="en-US" sz="1200" smtClean="0"/>
+              <a:t>라이브러리 내 </a:t>
+            </a:r>
+            <a:r>
+              <a:rPr lang="en-US" altLang="ko-KR" sz="1200" smtClean="0"/>
+              <a:t>Count, Avg </a:t>
+            </a:r>
+            <a:r>
+              <a:rPr lang="ko-KR" altLang="en-US" sz="1200" smtClean="0"/>
+              <a:t>함수를 임포트 한다</a:t>
+            </a:r>
+            <a:r>
+              <a:rPr lang="en-US" altLang="ko-KR" sz="1200" smtClean="0"/>
+              <a:t>.</a:t>
+            </a:r>
+          </a:p>
+          <a:p>
+            <a:pPr marL="171450" indent="-171450">
+              <a:buFontTx/>
+              <a:buChar char="-"/>
+            </a:pPr>
+            <a:endParaRPr lang="en-US" altLang="ko-KR" sz="1200"/>
+          </a:p>
+          <a:p>
+            <a:pPr marL="171450" indent="-171450">
+              <a:buFontTx/>
+              <a:buChar char="-"/>
+            </a:pPr>
+            <a:r>
+              <a:rPr lang="en-US" altLang="ko-KR" sz="1200" smtClean="0"/>
+              <a:t>ORM</a:t>
+            </a:r>
+            <a:r>
+              <a:rPr lang="ko-KR" altLang="en-US" sz="1200" smtClean="0"/>
+              <a:t>의 집계 함수는 </a:t>
+            </a:r>
+            <a:r>
+              <a:rPr lang="en-US" altLang="ko-KR" sz="1200" smtClean="0"/>
+              <a:t>annotate() </a:t>
+            </a:r>
+            <a:r>
+              <a:rPr lang="ko-KR" altLang="en-US" sz="1200" smtClean="0"/>
+              <a:t>함수에 의해서 사용된다</a:t>
+            </a:r>
+            <a:r>
+              <a:rPr lang="en-US" altLang="ko-KR" sz="1200" smtClean="0"/>
+              <a:t>.</a:t>
+            </a:r>
+          </a:p>
+          <a:p>
+            <a:pPr marL="171450" indent="-171450">
+              <a:buFontTx/>
+              <a:buChar char="-"/>
+            </a:pPr>
+            <a:endParaRPr lang="en-US" altLang="ko-KR" sz="1200"/>
+          </a:p>
+          <a:p>
+            <a:pPr marL="171450" indent="-171450">
+              <a:buFontTx/>
+              <a:buChar char="-"/>
+            </a:pPr>
+            <a:r>
+              <a:rPr lang="en-US" altLang="ko-KR" sz="1200" smtClean="0"/>
+              <a:t>Restaurant </a:t>
+            </a:r>
+            <a:r>
+              <a:rPr lang="ko-KR" altLang="en-US" sz="1200" smtClean="0"/>
+              <a:t>와 </a:t>
+            </a:r>
+            <a:r>
+              <a:rPr lang="en-US" altLang="ko-KR" sz="1200" smtClean="0"/>
+              <a:t>Review</a:t>
+            </a:r>
+            <a:r>
+              <a:rPr lang="ko-KR" altLang="en-US" sz="1200" smtClean="0"/>
+              <a:t>는 외래키 관계에 있으며</a:t>
+            </a:r>
+            <a:r>
+              <a:rPr lang="en-US" altLang="ko-KR" sz="1200" smtClean="0"/>
+              <a:t>, Review </a:t>
+            </a:r>
+            <a:r>
+              <a:rPr lang="ko-KR" altLang="en-US" sz="1200" smtClean="0"/>
+              <a:t>객체가 </a:t>
+            </a:r>
+            <a:r>
+              <a:rPr lang="en-US" altLang="ko-KR" sz="1200" smtClean="0"/>
+              <a:t>Restaurant </a:t>
+            </a:r>
+            <a:r>
+              <a:rPr lang="ko-KR" altLang="en-US" sz="1200" smtClean="0"/>
+              <a:t>를 참조하고 있으므로 </a:t>
+            </a:r>
+            <a:r>
+              <a:rPr lang="en-US" altLang="ko-KR" sz="1200" smtClean="0"/>
+              <a:t>Count(’review’) </a:t>
+            </a:r>
+            <a:r>
+              <a:rPr lang="ko-KR" altLang="en-US" sz="1200" smtClean="0"/>
+              <a:t>는  </a:t>
+            </a:r>
+            <a:r>
+              <a:rPr lang="en-US" altLang="ko-KR" sz="1200" smtClean="0"/>
+              <a:t>Restaurant </a:t>
+            </a:r>
+            <a:r>
+              <a:rPr lang="ko-KR" altLang="en-US" sz="1200" smtClean="0"/>
+              <a:t>에 엮인 </a:t>
+            </a:r>
+            <a:r>
+              <a:rPr lang="en-US" altLang="ko-KR" sz="1200" smtClean="0"/>
+              <a:t>review </a:t>
+            </a:r>
+            <a:r>
+              <a:rPr lang="ko-KR" altLang="en-US" sz="1200" smtClean="0"/>
+              <a:t>객체의 수를 의미한다</a:t>
+            </a:r>
+            <a:r>
+              <a:rPr lang="en-US" altLang="ko-KR" sz="1200" smtClean="0"/>
+              <a:t>. </a:t>
+            </a:r>
+            <a:br>
+              <a:rPr lang="en-US" altLang="ko-KR" sz="1200" smtClean="0"/>
+            </a:br>
+            <a:r>
+              <a:rPr lang="en-US" altLang="ko-KR" sz="1200" smtClean="0"/>
+              <a:t>※ </a:t>
+            </a:r>
+            <a:r>
+              <a:rPr lang="ko-KR" altLang="en-US" sz="1200" smtClean="0"/>
+              <a:t>이때 외래키로 엮인 </a:t>
+            </a:r>
+            <a:r>
+              <a:rPr lang="en-US" altLang="ko-KR" sz="1200" smtClean="0"/>
+              <a:t>Review</a:t>
+            </a:r>
+            <a:r>
+              <a:rPr lang="ko-KR" altLang="en-US" sz="1200" smtClean="0"/>
+              <a:t>객체는 첫글자가 대문자지만 </a:t>
+            </a:r>
+            <a:r>
+              <a:rPr lang="en-US" altLang="ko-KR" sz="1200" smtClean="0"/>
+              <a:t>Django ORM</a:t>
+            </a:r>
+            <a:r>
+              <a:rPr lang="ko-KR" altLang="en-US" sz="1200" smtClean="0"/>
+              <a:t>의 명명규칙에 따라 소문자로 나타내어진다</a:t>
+            </a:r>
+            <a:r>
+              <a:rPr lang="en-US" altLang="ko-KR" sz="1200" smtClean="0"/>
+              <a:t>.</a:t>
+            </a:r>
+          </a:p>
+          <a:p>
+            <a:pPr marL="171450" indent="-171450">
+              <a:buFontTx/>
+              <a:buChar char="-"/>
+            </a:pPr>
+            <a:endParaRPr lang="en-US" altLang="ko-KR" sz="1200"/>
+          </a:p>
+          <a:p>
+            <a:pPr marL="171450" indent="-171450">
+              <a:buFontTx/>
+              <a:buChar char="-"/>
+            </a:pPr>
+            <a:r>
+              <a:rPr lang="ko-KR" altLang="en-US" sz="1200" smtClean="0"/>
+              <a:t>평점은 </a:t>
+            </a:r>
+            <a:r>
+              <a:rPr lang="en-US" altLang="ko-KR" sz="1200" smtClean="0"/>
+              <a:t>Review</a:t>
+            </a:r>
+            <a:r>
+              <a:rPr lang="ko-KR" altLang="en-US" sz="1200" smtClean="0"/>
+              <a:t>객체내 </a:t>
+            </a:r>
+            <a:r>
+              <a:rPr lang="en-US" altLang="ko-KR" sz="1200" smtClean="0"/>
+              <a:t>point</a:t>
+            </a:r>
+            <a:r>
+              <a:rPr lang="ko-KR" altLang="en-US" sz="1200" smtClean="0"/>
+              <a:t>를 의미한다</a:t>
+            </a:r>
+            <a:r>
+              <a:rPr lang="en-US" altLang="ko-KR" sz="1200" smtClean="0"/>
+              <a:t>. Review</a:t>
+            </a:r>
+            <a:r>
+              <a:rPr lang="ko-KR" altLang="en-US" sz="1200" smtClean="0"/>
+              <a:t>의</a:t>
+            </a:r>
+            <a:r>
+              <a:rPr lang="en-US" altLang="ko-KR" sz="1200" smtClean="0"/>
+              <a:t> </a:t>
+            </a:r>
+            <a:r>
+              <a:rPr lang="ko-KR" altLang="en-US" sz="1200" smtClean="0"/>
+              <a:t>객체 개수와는 다른게 평점은 리뷰의 필드임으로 </a:t>
+            </a:r>
+            <a:r>
+              <a:rPr lang="en-US" altLang="ko-KR" sz="1200" smtClean="0"/>
+              <a:t>ORM </a:t>
+            </a:r>
+            <a:r>
+              <a:rPr lang="ko-KR" altLang="en-US" sz="1200" smtClean="0"/>
+              <a:t>명명 규칙에 따라 </a:t>
+            </a:r>
+            <a:r>
+              <a:rPr lang="en-US" altLang="ko-KR" sz="1200" smtClean="0"/>
+              <a:t>(</a:t>
+            </a:r>
+            <a:r>
+              <a:rPr lang="ko-KR" altLang="en-US" sz="1200" smtClean="0"/>
+              <a:t>테이블명</a:t>
+            </a:r>
+            <a:r>
+              <a:rPr lang="en-US" altLang="ko-KR" sz="1200" smtClean="0"/>
+              <a:t>__</a:t>
+            </a:r>
+            <a:r>
+              <a:rPr lang="ko-KR" altLang="en-US" sz="1200" smtClean="0"/>
+              <a:t>필드명</a:t>
+            </a:r>
+            <a:r>
+              <a:rPr lang="en-US" altLang="ko-KR" sz="1200" smtClean="0"/>
+              <a:t>) </a:t>
+            </a:r>
+            <a:r>
+              <a:rPr lang="ko-KR" altLang="en-US" sz="1200" smtClean="0"/>
+              <a:t>으로 작성되어야 집계함수가 동작한다</a:t>
+            </a:r>
+            <a:r>
+              <a:rPr lang="en-US" altLang="ko-KR" sz="1200" smtClean="0"/>
+              <a:t>.</a:t>
+            </a:r>
+          </a:p>
+          <a:p>
+            <a:pPr marL="171450" indent="-171450">
+              <a:buFontTx/>
+              <a:buChar char="-"/>
+            </a:pPr>
+            <a:endParaRPr lang="en-US" altLang="ko-KR" sz="1200"/>
+          </a:p>
+          <a:p>
+            <a:pPr marL="171450" indent="-171450">
+              <a:buFontTx/>
+              <a:buChar char="-"/>
+            </a:pPr>
+            <a:r>
+              <a:rPr lang="ko-KR" altLang="en-US" sz="1200" smtClean="0"/>
+              <a:t>리뷰의 개수는 </a:t>
+            </a:r>
+            <a:r>
+              <a:rPr lang="en-US" altLang="ko-KR" sz="1200" smtClean="0"/>
+              <a:t>reviews_count </a:t>
+            </a:r>
+            <a:r>
+              <a:rPr lang="ko-KR" altLang="en-US" sz="1200" smtClean="0"/>
+              <a:t>로 평점평균은 </a:t>
+            </a:r>
+            <a:r>
+              <a:rPr lang="en-US" altLang="ko-KR" sz="1200" smtClean="0"/>
+              <a:t>average_point </a:t>
+            </a:r>
+            <a:r>
+              <a:rPr lang="ko-KR" altLang="en-US" sz="1200" smtClean="0"/>
+              <a:t>로 명명되어 </a:t>
+            </a:r>
+            <a:r>
+              <a:rPr lang="en-US" altLang="ko-KR" sz="1200" smtClean="0"/>
+              <a:t>item</a:t>
+            </a:r>
+            <a:r>
+              <a:rPr lang="en-US" altLang="ko-KR" sz="1200"/>
+              <a:t>s</a:t>
+            </a:r>
+            <a:r>
+              <a:rPr lang="ko-KR" altLang="en-US" sz="1200" smtClean="0"/>
+              <a:t>의 필드로 추가된다</a:t>
+            </a:r>
+            <a:r>
+              <a:rPr lang="en-US" altLang="ko-KR" sz="1200" smtClean="0"/>
+              <a:t>.</a:t>
+            </a:r>
+          </a:p>
+          <a:p>
+            <a:pPr marL="171450" indent="-171450">
+              <a:buFontTx/>
+              <a:buChar char="-"/>
+            </a:pPr>
+            <a:endParaRPr lang="ko-KR" altLang="en-US" sz="1200"/>
+          </a:p>
+        </p:txBody>
+      </p:sp>
+      <p:pic>
+        <p:nvPicPr>
+          <p:cNvPr id="7" name="그림 6"/>
+          <p:cNvPicPr>
+            <a:picLocks noChangeAspect="1"/>
+          </p:cNvPicPr>
+          <p:nvPr/>
+        </p:nvPicPr>
+        <p:blipFill>
+          <a:blip r:embed="rId3"/>
+          <a:stretch>
+            <a:fillRect/>
+          </a:stretch>
+        </p:blipFill>
+        <p:spPr>
+          <a:xfrm>
+            <a:off x="297456" y="4154605"/>
+            <a:ext cx="4937709" cy="2390574"/>
+          </a:xfrm>
+          <a:prstGeom prst="rect">
+            <a:avLst/>
+          </a:prstGeom>
+        </p:spPr>
+      </p:pic>
+    </p:spTree>
+    <p:extLst>
+      <p:ext uri="{BB962C8B-B14F-4D97-AF65-F5344CB8AC3E}">
+        <p14:creationId xmlns:p14="http://schemas.microsoft.com/office/powerpoint/2010/main" val="2003099272"/>
+      </p:ext>
+    </p:extLst>
+  </p:cSld>
+  <p:clrMapOvr>
+    <a:masterClrMapping/>
+  </p:clrMapOvr>
+</p:sld>
+</file>
+
+<file path=ppt/slides/slide12.xml><?xml version="1.0" encoding="utf-8"?>
+<p:sld xmlns:a="http://schemas.openxmlformats.org/drawingml/2006/main" xmlns:r="http://schemas.openxmlformats.org/officeDocument/2006/relationships" xmlns:p="http://schemas.openxmlformats.org/presentationml/2006/main">
+  <p:cSld>
+    <p:spTree>
+      <p:nvGrpSpPr>
+        <p:cNvPr id="1" name=""/>
+        <p:cNvGrpSpPr/>
+        <p:nvPr/>
+      </p:nvGrpSpPr>
+      <p:grpSpPr>
+        <a:xfrm>
+          <a:off x="0" y="0"/>
+          <a:ext cx="0" cy="0"/>
+          <a:chOff x="0" y="0"/>
+          <a:chExt cx="0" cy="0"/>
+        </a:xfrm>
+      </p:grpSpPr>
+      <p:sp>
+        <p:nvSpPr>
+          <p:cNvPr id="2" name="TextBox 1"/>
+          <p:cNvSpPr txBox="1"/>
+          <p:nvPr/>
+        </p:nvSpPr>
+        <p:spPr>
+          <a:xfrm>
+            <a:off x="153077" y="213573"/>
+            <a:ext cx="6962660" cy="276999"/>
+          </a:xfrm>
+          <a:prstGeom prst="rect">
+            <a:avLst/>
+          </a:prstGeom>
+          <a:noFill/>
+        </p:spPr>
+        <p:txBody>
+          <a:bodyPr wrap="square" rtlCol="0">
+            <a:spAutoFit/>
+          </a:bodyPr>
+          <a:lstStyle/>
+          <a:p>
+            <a:r>
+              <a:rPr lang="en-US" altLang="ko-KR" sz="1200" smtClean="0">
+                <a:latin typeface="+mj-lt"/>
+              </a:rPr>
+              <a:t>2. </a:t>
+            </a:r>
+            <a:r>
+              <a:rPr lang="ko-KR" altLang="en-US" sz="1200" smtClean="0">
+                <a:latin typeface="+mj-lt"/>
+              </a:rPr>
+              <a:t>음식점 리스트에 각 음식점별 리뷰수와 평점을 확인할수 있도록 </a:t>
+            </a:r>
+            <a:r>
+              <a:rPr lang="en-US" altLang="ko-KR" sz="1200" smtClean="0">
+                <a:latin typeface="+mj-lt"/>
+              </a:rPr>
+              <a:t>p</a:t>
+            </a:r>
+            <a:r>
+              <a:rPr lang="ko-KR" altLang="en-US" sz="1200" smtClean="0">
+                <a:latin typeface="+mj-lt"/>
+              </a:rPr>
+              <a:t>태그를 추가한다</a:t>
+            </a:r>
+            <a:r>
+              <a:rPr lang="en-US" altLang="ko-KR" sz="1200" smtClean="0">
+                <a:latin typeface="+mj-lt"/>
+              </a:rPr>
+              <a:t>.</a:t>
+            </a:r>
+          </a:p>
+        </p:txBody>
+      </p:sp>
+      <p:pic>
+        <p:nvPicPr>
+          <p:cNvPr id="4" name="그림 3"/>
+          <p:cNvPicPr>
+            <a:picLocks noChangeAspect="1"/>
+          </p:cNvPicPr>
+          <p:nvPr/>
+        </p:nvPicPr>
+        <p:blipFill>
+          <a:blip r:embed="rId2"/>
+          <a:stretch>
+            <a:fillRect/>
+          </a:stretch>
+        </p:blipFill>
+        <p:spPr>
+          <a:xfrm>
+            <a:off x="153077" y="665877"/>
+            <a:ext cx="9259592" cy="3477110"/>
+          </a:xfrm>
+          <a:prstGeom prst="rect">
+            <a:avLst/>
+          </a:prstGeom>
+        </p:spPr>
+      </p:pic>
+      <p:sp>
+        <p:nvSpPr>
+          <p:cNvPr id="5" name="직사각형 4"/>
+          <p:cNvSpPr/>
+          <p:nvPr/>
+        </p:nvSpPr>
+        <p:spPr>
+          <a:xfrm>
+            <a:off x="2115239" y="2170323"/>
+            <a:ext cx="6610120" cy="234109"/>
+          </a:xfrm>
+          <a:prstGeom prst="rect">
+            <a:avLst/>
+          </a:prstGeom>
+          <a:noFill/>
+          <a:ln>
+            <a:solidFill>
+              <a:srgbClr val="FF0000"/>
+            </a:solidFill>
+          </a:ln>
+        </p:spPr>
+        <p:style>
+          <a:lnRef idx="2">
+            <a:schemeClr val="accent1">
+              <a:shade val="50000"/>
+            </a:schemeClr>
+          </a:lnRef>
+          <a:fillRef idx="1">
+            <a:schemeClr val="accent1"/>
+          </a:fillRef>
+          <a:effectRef idx="0">
+            <a:schemeClr val="accent1"/>
+          </a:effectRef>
+          <a:fontRef idx="minor">
+            <a:schemeClr val="lt1"/>
+          </a:fontRef>
+        </p:style>
+        <p:txBody>
+          <a:bodyPr rtlCol="0" anchor="ctr"/>
+          <a:lstStyle/>
+          <a:p>
+            <a:pPr algn="ctr"/>
+            <a:endParaRPr lang="ko-KR" altLang="en-US"/>
+          </a:p>
+        </p:txBody>
+      </p:sp>
+    </p:spTree>
+    <p:extLst>
+      <p:ext uri="{BB962C8B-B14F-4D97-AF65-F5344CB8AC3E}">
+        <p14:creationId xmlns:p14="http://schemas.microsoft.com/office/powerpoint/2010/main" val="1976769285"/>
       </p:ext>
     </p:extLst>
   </p:cSld>
@@ -7029,11 +7748,7 @@
             </a:r>
             <a:r>
               <a:rPr lang="ko-KR" altLang="en-US"/>
-              <a:t>으로 모든 </a:t>
-            </a:r>
-            <a:r>
-              <a:rPr lang="ko-KR" altLang="en-US"/>
-              <a:t>리스트 </a:t>
+              <a:t>으로 모든 리스트 </a:t>
             </a:r>
             <a:r>
               <a:rPr lang="ko-KR" altLang="en-US" smtClean="0"/>
@@ -7067,11 +7782,7 @@
           <a:p>
             <a:r>
               <a:rPr lang="en-US" altLang="ko-KR" sz="1200" smtClean="0"/>
-              <a:t>※ </a:t>
-            </a:r>
-            <a:r>
-              <a:rPr lang="en-US" altLang="ko-KR" sz="1200" smtClean="0"/>
-              <a:t>restaurant</a:t>
+              <a:t>※ restaurant</a:t>
             </a:r>
             <a:r>
               <a:rPr lang="ko-KR" altLang="en-US" sz="1200" smtClean="0"/>
@@ -7097,7 +7808,6 @@
               <a:rPr lang="en-US" altLang="ko-KR" sz="1200" smtClean="0"/>
               <a:t>.</a:t>
             </a:r>
-            <a:endParaRPr lang="en-US" altLang="ko-KR" sz="1200" smtClean="0"/>
           </a:p>
         </p:txBody>
       </p:sp>
@@ -7125,11 +7835,7 @@
           <a:p>
             <a:r>
               <a:rPr lang="en-US" altLang="ko-KR" sz="1200" smtClean="0"/>
-              <a:t>1.</a:t>
-            </a:r>
-            <a:r>
-              <a:rPr lang="en-US" altLang="ko-KR" sz="1200" smtClean="0"/>
-              <a:t> </a:t>
+              <a:t>1. </a:t>
             </a:r>
             <a:r>
               <a:rPr lang="ko-KR" altLang="en-US" sz="1200" smtClean="0"/>
@@ -7648,11 +8354,7 @@
             </a:r>
             <a:r>
               <a:rPr lang="en-US" altLang="ko-KR" sz="1200" smtClean="0"/>
-              <a:t>.</a:t>
-            </a:r>
-            <a:r>
-              <a:rPr lang="en-US" altLang="ko-KR" sz="1200" smtClean="0"/>
-              <a:t> </a:t>
+              <a:t>. </a:t>
             </a:r>
             <a:r>
               <a:rPr lang="ko-KR" altLang="en-US" sz="1200" smtClean="0"/>
@@ -7668,11 +8370,7 @@
             </a:r>
             <a:r>
               <a:rPr lang="en-US" altLang="ko-KR" sz="1200" smtClean="0"/>
-              <a:t>review_list.html</a:t>
-            </a:r>
-            <a:r>
-              <a:rPr lang="en-US" altLang="ko-KR" sz="1200" smtClean="0"/>
-              <a:t> </a:t>
+              <a:t>review_list.html </a:t>
             </a:r>
             <a:r>
               <a:rPr lang="ko-KR" altLang="en-US" sz="1200" smtClean="0"/>
